--- a/Exercise_3/Exercise3_slides.pptx
+++ b/Exercise_3/Exercise3_slides.pptx
@@ -5,35 +5,22 @@
     <p:sldMasterId id="2147483648" r:id="rId1"/>
   </p:sldMasterIdLst>
   <p:notesMasterIdLst>
-    <p:notesMasterId r:id="rId25"/>
+    <p:notesMasterId r:id="rId12"/>
   </p:notesMasterIdLst>
   <p:handoutMasterIdLst>
-    <p:handoutMasterId r:id="rId26"/>
+    <p:handoutMasterId r:id="rId13"/>
   </p:handoutMasterIdLst>
   <p:sldIdLst>
     <p:sldId id="256" r:id="rId2"/>
     <p:sldId id="258" r:id="rId3"/>
-    <p:sldId id="260" r:id="rId4"/>
-    <p:sldId id="261" r:id="rId5"/>
-    <p:sldId id="266" r:id="rId6"/>
-    <p:sldId id="263" r:id="rId7"/>
-    <p:sldId id="264" r:id="rId8"/>
-    <p:sldId id="273" r:id="rId9"/>
-    <p:sldId id="286" r:id="rId10"/>
-    <p:sldId id="290" r:id="rId11"/>
-    <p:sldId id="267" r:id="rId12"/>
-    <p:sldId id="257" r:id="rId13"/>
-    <p:sldId id="274" r:id="rId14"/>
-    <p:sldId id="276" r:id="rId15"/>
-    <p:sldId id="278" r:id="rId16"/>
-    <p:sldId id="277" r:id="rId17"/>
-    <p:sldId id="268" r:id="rId18"/>
-    <p:sldId id="272" r:id="rId19"/>
-    <p:sldId id="285" r:id="rId20"/>
-    <p:sldId id="265" r:id="rId21"/>
-    <p:sldId id="279" r:id="rId22"/>
-    <p:sldId id="269" r:id="rId23"/>
-    <p:sldId id="289" r:id="rId24"/>
+    <p:sldId id="291" r:id="rId4"/>
+    <p:sldId id="260" r:id="rId5"/>
+    <p:sldId id="261" r:id="rId6"/>
+    <p:sldId id="266" r:id="rId7"/>
+    <p:sldId id="263" r:id="rId8"/>
+    <p:sldId id="292" r:id="rId9"/>
+    <p:sldId id="273" r:id="rId10"/>
+    <p:sldId id="289" r:id="rId11"/>
   </p:sldIdLst>
   <p:sldSz cx="12192000" cy="6858000"/>
   <p:notesSz cx="7104063" cy="10234613"/>
@@ -3693,7 +3680,7 @@
         <p:cNvPr id="1" name="">
           <a:extLst>
             <a:ext uri="{FF2B5EF4-FFF2-40B4-BE49-F238E27FC236}">
-              <a16:creationId xmlns:a16="http://schemas.microsoft.com/office/drawing/2014/main" id="{8A143773-0653-BD34-E37D-A93C7F5DB6B5}"/>
+              <a16:creationId xmlns:a16="http://schemas.microsoft.com/office/drawing/2014/main" id="{9E93301C-F36B-6ECA-8D1D-62A89FA7A359}"/>
             </a:ext>
           </a:extLst>
         </p:cNvPr>
@@ -3713,7 +3700,7 @@
           <p:cNvPr id="2" name="Titel 1">
             <a:extLst>
               <a:ext uri="{FF2B5EF4-FFF2-40B4-BE49-F238E27FC236}">
-                <a16:creationId xmlns:a16="http://schemas.microsoft.com/office/drawing/2014/main" id="{83EB93C1-03AA-1E19-E34A-0A19FCF40AC7}"/>
+                <a16:creationId xmlns:a16="http://schemas.microsoft.com/office/drawing/2014/main" id="{0906D398-1A48-055F-E330-9ED83DB6DE95}"/>
               </a:ext>
             </a:extLst>
           </p:cNvPr>
@@ -3724,1745 +3711,278 @@
             <p:ph type="title"/>
           </p:nvPr>
         </p:nvSpPr>
-        <p:spPr/>
+        <p:spPr>
+          <a:xfrm>
+            <a:off x="647700" y="283845"/>
+            <a:ext cx="10515600" cy="1325563"/>
+          </a:xfrm>
+        </p:spPr>
         <p:txBody>
           <a:bodyPr/>
           <a:lstStyle/>
           <a:p>
             <a:pPr algn="ctr"/>
             <a:r>
+              <a:rPr lang="de-DE" altLang="en-US" dirty="0" err="1">
+                <a:solidFill>
+                  <a:srgbClr val="61A5C2"/>
+                </a:solidFill>
+                <a:latin typeface="Calibri" charset="0"/>
+              </a:rPr>
+              <a:t>Conclusion</a:t>
+            </a:r>
+            <a:r>
               <a:rPr lang="de-DE" altLang="en-US" dirty="0">
                 <a:solidFill>
                   <a:srgbClr val="61A5C2"/>
                 </a:solidFill>
                 <a:latin typeface="Calibri" charset="0"/>
               </a:rPr>
-              <a:t>Tuning </a:t>
-            </a:r>
-            <a:r>
-              <a:rPr lang="de-DE" altLang="en-US" dirty="0" err="1">
-                <a:solidFill>
-                  <a:srgbClr val="61A5C2"/>
-                </a:solidFill>
-                <a:latin typeface="Calibri" charset="0"/>
-              </a:rPr>
-              <a:t>Results</a:t>
-            </a:r>
-            <a:r>
-              <a:rPr lang="de-DE" altLang="en-US" dirty="0">
-                <a:solidFill>
-                  <a:srgbClr val="61A5C2"/>
-                </a:solidFill>
-                <a:latin typeface="Calibri" charset="0"/>
-              </a:rPr>
-              <a:t> - </a:t>
-            </a:r>
-            <a:r>
-              <a:rPr lang="de-DE" altLang="en-US" dirty="0" err="1">
-                <a:solidFill>
-                  <a:srgbClr val="61A5C2"/>
-                </a:solidFill>
-                <a:latin typeface="Calibri" charset="0"/>
-              </a:rPr>
-              <a:t>Superconductivity</a:t>
-            </a:r>
-            <a:r>
-              <a:rPr lang="de-DE" altLang="en-US" dirty="0">
-                <a:solidFill>
-                  <a:srgbClr val="61A5C2"/>
-                </a:solidFill>
-                <a:latin typeface="Calibri" charset="0"/>
-              </a:rPr>
-              <a:t> Dataset</a:t>
+              <a:t> – Key Takeaways</a:t>
             </a:r>
             <a:endParaRPr lang="en-AT" dirty="0"/>
           </a:p>
         </p:txBody>
       </p:sp>
-      <p:pic>
-        <p:nvPicPr>
-          <p:cNvPr id="4" name="Grafik 3">
+      <p:sp>
+        <p:nvSpPr>
+          <p:cNvPr id="3" name="Inhaltsplatzhalter 2">
             <a:extLst>
               <a:ext uri="{FF2B5EF4-FFF2-40B4-BE49-F238E27FC236}">
-                <a16:creationId xmlns:a16="http://schemas.microsoft.com/office/drawing/2014/main" id="{437A4D12-E074-1FD9-B185-23CECC9C3062}"/>
+                <a16:creationId xmlns:a16="http://schemas.microsoft.com/office/drawing/2014/main" id="{92AECB86-0977-EB92-9AF0-B0A5B11A3974}"/>
               </a:ext>
             </a:extLst>
           </p:cNvPr>
-          <p:cNvPicPr>
-            <a:picLocks noChangeAspect="1"/>
-          </p:cNvPicPr>
-          <p:nvPr/>
-        </p:nvPicPr>
-        <p:blipFill>
-          <a:blip r:embed="rId2"/>
-          <a:srcRect r="4290" b="271"/>
-          <a:stretch/>
-        </p:blipFill>
+          <p:cNvSpPr>
+            <a:spLocks noGrp="1"/>
+          </p:cNvSpPr>
+          <p:nvPr>
+            <p:ph idx="1"/>
+          </p:nvPr>
+        </p:nvSpPr>
         <p:spPr>
           <a:xfrm>
-            <a:off x="880688" y="1518693"/>
-            <a:ext cx="10430624" cy="4816792"/>
+            <a:off x="1877483" y="1765488"/>
+            <a:ext cx="8056033" cy="4351338"/>
           </a:xfrm>
-          <a:prstGeom prst="rect">
-            <a:avLst/>
-          </a:prstGeom>
         </p:spPr>
-      </p:pic>
-    </p:spTree>
-    <p:extLst>
-      <p:ext uri="{BB962C8B-B14F-4D97-AF65-F5344CB8AC3E}">
-        <p14:creationId xmlns:p14="http://schemas.microsoft.com/office/powerpoint/2010/main" val="1637101933"/>
-      </p:ext>
-    </p:extLst>
-  </p:cSld>
-  <p:clrMapOvr>
-    <a:masterClrMapping/>
-  </p:clrMapOvr>
-</p:sld>
-</file>
-
-<file path=ppt/slides/slide11.xml><?xml version="1.0" encoding="utf-8"?>
-<p:sld xmlns:a="http://schemas.openxmlformats.org/drawingml/2006/main" xmlns:r="http://schemas.openxmlformats.org/officeDocument/2006/relationships" xmlns:p="http://schemas.openxmlformats.org/presentationml/2006/main">
-  <p:cSld>
-    <p:spTree>
-      <p:nvGrpSpPr>
-        <p:cNvPr id="1" name=""/>
-        <p:cNvGrpSpPr/>
-        <p:nvPr/>
-      </p:nvGrpSpPr>
-      <p:grpSpPr>
-        <a:xfrm>
-          <a:off x="0" y="0"/>
-          <a:ext cx="0" cy="0"/>
-          <a:chOff x="0" y="0"/>
-          <a:chExt cx="0" cy="0"/>
-        </a:xfrm>
-      </p:grpSpPr>
-      <p:sp>
-        <p:nvSpPr>
-          <p:cNvPr id="2" name="Title 1"/>
-          <p:cNvSpPr>
-            <a:spLocks noGrp="1"/>
-          </p:cNvSpPr>
-          <p:nvPr>
-            <p:ph type="title"/>
-          </p:nvPr>
-        </p:nvSpPr>
-        <p:spPr/>
         <p:txBody>
           <a:bodyPr/>
           <a:lstStyle/>
           <a:p>
-            <a:pPr algn="ctr" fontAlgn="auto"/>
-            <a:r>
-              <a:rPr lang="de-DE" altLang="en-US" dirty="0">
-                <a:solidFill>
-                  <a:srgbClr val="61A5C2"/>
-                </a:solidFill>
-                <a:latin typeface="Calibri" charset="0"/>
-              </a:rPr>
-              <a:t>Cross Validation </a:t>
-            </a:r>
-            <a:r>
-              <a:rPr lang="de-DE" altLang="en-US" dirty="0" err="1">
-                <a:solidFill>
-                  <a:srgbClr val="61A5C2"/>
-                </a:solidFill>
-                <a:latin typeface="Calibri" charset="0"/>
-              </a:rPr>
-              <a:t>Results</a:t>
-            </a:r>
-            <a:r>
-              <a:rPr lang="de-DE" altLang="en-US" dirty="0">
-                <a:solidFill>
-                  <a:srgbClr val="61A5C2"/>
-                </a:solidFill>
-                <a:latin typeface="Calibri" charset="0"/>
-              </a:rPr>
-              <a:t> - </a:t>
-            </a:r>
-            <a:r>
-              <a:rPr lang="de-DE" altLang="en-US" dirty="0" err="1">
-                <a:solidFill>
-                  <a:srgbClr val="61A5C2"/>
-                </a:solidFill>
-                <a:latin typeface="Calibri" charset="0"/>
-              </a:rPr>
-              <a:t>Concrete</a:t>
-            </a:r>
-            <a:r>
-              <a:rPr lang="de-DE" altLang="en-US" dirty="0">
-                <a:solidFill>
-                  <a:srgbClr val="61A5C2"/>
-                </a:solidFill>
-                <a:latin typeface="Calibri" charset="0"/>
-              </a:rPr>
-              <a:t> Dataset</a:t>
-            </a:r>
-          </a:p>
-        </p:txBody>
-      </p:sp>
-      <p:pic>
-        <p:nvPicPr>
-          <p:cNvPr id="12" name="Content Placeholder 11"/>
-          <p:cNvPicPr>
-            <a:picLocks noGrp="1" noChangeAspect="1"/>
-          </p:cNvPicPr>
-          <p:nvPr>
-            <p:ph idx="1"/>
-          </p:nvPr>
-        </p:nvPicPr>
-        <p:blipFill>
-          <a:blip r:embed="rId2"/>
-          <a:stretch>
-            <a:fillRect/>
-          </a:stretch>
-        </p:blipFill>
-        <p:spPr>
-          <a:xfrm>
-            <a:off x="3873500" y="1688465"/>
-            <a:ext cx="4445000" cy="4500880"/>
-          </a:xfrm>
-          <a:prstGeom prst="rect">
-            <a:avLst/>
-          </a:prstGeom>
-        </p:spPr>
-      </p:pic>
-    </p:spTree>
-  </p:cSld>
-  <p:clrMapOvr>
-    <a:masterClrMapping/>
-  </p:clrMapOvr>
-</p:sld>
-</file>
-
-<file path=ppt/slides/slide12.xml><?xml version="1.0" encoding="utf-8"?>
-<p:sld xmlns:a="http://schemas.openxmlformats.org/drawingml/2006/main" xmlns:r="http://schemas.openxmlformats.org/officeDocument/2006/relationships" xmlns:p="http://schemas.openxmlformats.org/presentationml/2006/main">
-  <p:cSld>
-    <p:spTree>
-      <p:nvGrpSpPr>
-        <p:cNvPr id="1" name=""/>
-        <p:cNvGrpSpPr/>
-        <p:nvPr/>
-      </p:nvGrpSpPr>
-      <p:grpSpPr>
-        <a:xfrm>
-          <a:off x="0" y="0"/>
-          <a:ext cx="0" cy="0"/>
-          <a:chOff x="0" y="0"/>
-          <a:chExt cx="0" cy="0"/>
-        </a:xfrm>
-      </p:grpSpPr>
-      <p:sp>
-        <p:nvSpPr>
-          <p:cNvPr id="2" name="Title 1"/>
-          <p:cNvSpPr>
-            <a:spLocks noGrp="1"/>
-          </p:cNvSpPr>
-          <p:nvPr>
-            <p:ph type="title"/>
-          </p:nvPr>
-        </p:nvSpPr>
-        <p:spPr/>
-        <p:txBody>
-          <a:bodyPr/>
-          <a:lstStyle/>
-          <a:p>
-            <a:pPr algn="ctr" fontAlgn="auto"/>
-            <a:r>
-              <a:rPr lang="de-DE" altLang="en-US" dirty="0">
-                <a:solidFill>
-                  <a:srgbClr val="61A5C2"/>
-                </a:solidFill>
-                <a:effectLst/>
-                <a:latin typeface="Calibri" charset="0"/>
-              </a:rPr>
-              <a:t>MSE </a:t>
-            </a:r>
-            <a:r>
-              <a:rPr lang="de-DE" altLang="en-US" dirty="0" err="1">
-                <a:solidFill>
-                  <a:srgbClr val="61A5C2"/>
-                </a:solidFill>
-                <a:effectLst/>
-                <a:latin typeface="Calibri" charset="0"/>
-              </a:rPr>
-              <a:t>Comparison</a:t>
-            </a:r>
-            <a:r>
-              <a:rPr lang="de-DE" altLang="en-US" dirty="0">
-                <a:solidFill>
-                  <a:srgbClr val="61A5C2"/>
-                </a:solidFill>
-                <a:effectLst/>
-                <a:latin typeface="Calibri" charset="0"/>
-              </a:rPr>
-              <a:t> - </a:t>
-            </a:r>
-            <a:r>
-              <a:rPr lang="de-DE" altLang="en-US" dirty="0" err="1">
-                <a:solidFill>
-                  <a:srgbClr val="61A5C2"/>
-                </a:solidFill>
-                <a:effectLst/>
-                <a:latin typeface="Calibri" charset="0"/>
-              </a:rPr>
-              <a:t>Concrete</a:t>
-            </a:r>
-            <a:r>
-              <a:rPr lang="de-DE" altLang="en-US" dirty="0">
-                <a:solidFill>
-                  <a:srgbClr val="61A5C2"/>
-                </a:solidFill>
-                <a:effectLst/>
-                <a:latin typeface="Calibri" charset="0"/>
-              </a:rPr>
-              <a:t> Dataset</a:t>
-            </a:r>
-          </a:p>
-        </p:txBody>
-      </p:sp>
-      <p:pic>
-        <p:nvPicPr>
-          <p:cNvPr id="4" name="Content Placeholder 3"/>
-          <p:cNvPicPr>
-            <a:picLocks noGrp="1" noChangeAspect="1"/>
-          </p:cNvPicPr>
-          <p:nvPr>
-            <p:ph idx="1"/>
-          </p:nvPr>
-        </p:nvPicPr>
-        <p:blipFill>
-          <a:blip r:embed="rId2"/>
-          <a:stretch>
-            <a:fillRect/>
-          </a:stretch>
-        </p:blipFill>
-        <p:spPr>
-          <a:xfrm>
-            <a:off x="2297430" y="1825625"/>
-            <a:ext cx="7215505" cy="4351655"/>
-          </a:xfrm>
-          <a:prstGeom prst="rect">
-            <a:avLst/>
-          </a:prstGeom>
-        </p:spPr>
-      </p:pic>
-    </p:spTree>
-  </p:cSld>
-  <p:clrMapOvr>
-    <a:masterClrMapping/>
-  </p:clrMapOvr>
-</p:sld>
-</file>
-
-<file path=ppt/slides/slide13.xml><?xml version="1.0" encoding="utf-8"?>
-<p:sld xmlns:a="http://schemas.openxmlformats.org/drawingml/2006/main" xmlns:r="http://schemas.openxmlformats.org/officeDocument/2006/relationships" xmlns:p="http://schemas.openxmlformats.org/presentationml/2006/main">
-  <p:cSld>
-    <p:bg>
-      <p:bgPr>
-        <a:solidFill>
-          <a:srgbClr val="1F1F1F"/>
-        </a:solidFill>
-        <a:effectLst/>
-      </p:bgPr>
-    </p:bg>
-    <p:spTree>
-      <p:nvGrpSpPr>
-        <p:cNvPr id="1" name=""/>
-        <p:cNvGrpSpPr/>
-        <p:nvPr/>
-      </p:nvGrpSpPr>
-      <p:grpSpPr>
-        <a:xfrm>
-          <a:off x="0" y="0"/>
-          <a:ext cx="0" cy="0"/>
-          <a:chOff x="0" y="0"/>
-          <a:chExt cx="0" cy="0"/>
-        </a:xfrm>
-      </p:grpSpPr>
-      <p:sp>
-        <p:nvSpPr>
-          <p:cNvPr id="20" name="Rechteck 19"/>
-          <p:cNvSpPr/>
-          <p:nvPr/>
-        </p:nvSpPr>
-        <p:spPr>
-          <a:xfrm>
-            <a:off x="0" y="1"/>
-            <a:ext cx="8123068" cy="6858000"/>
-          </a:xfrm>
-          <a:prstGeom prst="rect">
-            <a:avLst/>
-          </a:prstGeom>
-        </p:spPr>
-        <p:style>
-          <a:lnRef idx="2">
-            <a:schemeClr val="dk1"/>
-          </a:lnRef>
-          <a:fillRef idx="1">
-            <a:schemeClr val="lt1"/>
-          </a:fillRef>
-          <a:effectRef idx="0">
-            <a:schemeClr val="dk1"/>
-          </a:effectRef>
-          <a:fontRef idx="minor">
-            <a:schemeClr val="dk1"/>
-          </a:fontRef>
-        </p:style>
-        <p:txBody>
-          <a:bodyPr rtlCol="0" anchor="ctr"/>
-          <a:lstStyle/>
-          <a:p>
-            <a:pPr algn="ctr"/>
-            <a:endParaRPr lang="en-US"/>
-          </a:p>
-        </p:txBody>
-      </p:sp>
-      <p:pic>
-        <p:nvPicPr>
-          <p:cNvPr id="10" name="Grafik 9" descr="Ein Bild, das Text, Diagramm, Reihe, Screenshot enthält.&#10;&#10;Automatisch generierte Beschreibung"/>
-          <p:cNvPicPr>
-            <a:picLocks noChangeAspect="1"/>
-          </p:cNvPicPr>
-          <p:nvPr/>
-        </p:nvPicPr>
-        <p:blipFill>
-          <a:blip r:embed="rId2" cstate="print">
-            <a:extLst>
-              <a:ext uri="{28A0092B-C50C-407E-A947-70E740481C1C}">
-                <a14:useLocalDpi xmlns:a14="http://schemas.microsoft.com/office/drawing/2010/main" val="0"/>
-              </a:ext>
-            </a:extLst>
-          </a:blip>
-          <a:srcRect t="2171" b="-1"/>
-          <a:stretch>
-            <a:fillRect/>
-          </a:stretch>
-        </p:blipFill>
-        <p:spPr>
-          <a:xfrm>
-            <a:off x="178828" y="808239"/>
-            <a:ext cx="3997363" cy="2796095"/>
-          </a:xfrm>
-          <a:prstGeom prst="rect">
-            <a:avLst/>
-          </a:prstGeom>
-        </p:spPr>
-      </p:pic>
-      <p:pic>
-        <p:nvPicPr>
-          <p:cNvPr id="14" name="Grafik 13" descr="Ein Bild, das Text, Screenshot, Reihe, Diagramm enthält.&#10;&#10;Automatisch generierte Beschreibung"/>
-          <p:cNvPicPr>
-            <a:picLocks noChangeAspect="1"/>
-          </p:cNvPicPr>
-          <p:nvPr/>
-        </p:nvPicPr>
-        <p:blipFill>
-          <a:blip r:embed="rId3" cstate="print">
-            <a:extLst>
-              <a:ext uri="{28A0092B-C50C-407E-A947-70E740481C1C}">
-                <a14:useLocalDpi xmlns:a14="http://schemas.microsoft.com/office/drawing/2010/main" val="0"/>
-              </a:ext>
-            </a:extLst>
-          </a:blip>
-          <a:srcRect t="1953" b="-1"/>
-          <a:stretch>
-            <a:fillRect/>
-          </a:stretch>
-        </p:blipFill>
-        <p:spPr>
-          <a:xfrm>
-            <a:off x="4067452" y="808239"/>
-            <a:ext cx="3988474" cy="2796095"/>
-          </a:xfrm>
-          <a:prstGeom prst="rect">
-            <a:avLst/>
-          </a:prstGeom>
-        </p:spPr>
-      </p:pic>
-      <p:pic>
-        <p:nvPicPr>
-          <p:cNvPr id="18" name="Grafik 17" descr="Ein Bild, das Text, Diagramm, Reihe, Screenshot enthält.&#10;&#10;Automatisch generierte Beschreibung"/>
-          <p:cNvPicPr>
-            <a:picLocks noChangeAspect="1"/>
-          </p:cNvPicPr>
-          <p:nvPr/>
-        </p:nvPicPr>
-        <p:blipFill>
-          <a:blip r:embed="rId4" cstate="print">
-            <a:extLst>
-              <a:ext uri="{28A0092B-C50C-407E-A947-70E740481C1C}">
-                <a14:useLocalDpi xmlns:a14="http://schemas.microsoft.com/office/drawing/2010/main" val="0"/>
-              </a:ext>
-            </a:extLst>
-          </a:blip>
-          <a:srcRect t="2764" b="-811"/>
-          <a:stretch>
-            <a:fillRect/>
-          </a:stretch>
-        </p:blipFill>
-        <p:spPr>
-          <a:xfrm>
-            <a:off x="178828" y="3833120"/>
-            <a:ext cx="3988516" cy="2796094"/>
-          </a:xfrm>
-          <a:prstGeom prst="rect">
-            <a:avLst/>
-          </a:prstGeom>
-        </p:spPr>
-      </p:pic>
-      <p:sp>
-        <p:nvSpPr>
-          <p:cNvPr id="2" name="Title 1"/>
-          <p:cNvSpPr>
-            <a:spLocks noGrp="1"/>
-          </p:cNvSpPr>
-          <p:nvPr>
-            <p:ph type="ctrTitle"/>
-          </p:nvPr>
-        </p:nvSpPr>
-        <p:spPr>
-          <a:xfrm>
-            <a:off x="8520112" y="2745578"/>
-            <a:ext cx="3334970" cy="1366841"/>
-          </a:xfrm>
-        </p:spPr>
-        <p:txBody>
-          <a:bodyPr vert="horz" lIns="91440" tIns="45720" rIns="91440" bIns="45720" rtlCol="0" anchor="b">
-            <a:normAutofit fontScale="90000"/>
-          </a:bodyPr>
-          <a:lstStyle/>
-          <a:p>
-            <a:pPr fontAlgn="auto"/>
-            <a:r>
-              <a:rPr lang="en-US" altLang="en-US" sz="2400" b="1" dirty="0">
-                <a:solidFill>
-                  <a:srgbClr val="61A5C2"/>
-                </a:solidFill>
-                <a:latin typeface="Calibri" charset="0"/>
-              </a:rPr>
-              <a:t>Sensitivity Plots</a:t>
-            </a:r>
-            <a:br>
-              <a:rPr lang="en-US" altLang="en-US" sz="2400" b="1" dirty="0">
-                <a:solidFill>
-                  <a:srgbClr val="61A5C2"/>
-                </a:solidFill>
-                <a:latin typeface="Calibri" charset="0"/>
-              </a:rPr>
-            </a:br>
-            <a:r>
-              <a:rPr lang="en-US" altLang="en-US" sz="2400" b="1" dirty="0">
-                <a:solidFill>
-                  <a:srgbClr val="61A5C2"/>
-                </a:solidFill>
-                <a:latin typeface="Calibri" charset="0"/>
-              </a:rPr>
-              <a:t> Concrete Dataset</a:t>
-            </a:r>
-            <a:br>
-              <a:rPr lang="en-US" altLang="en-US" sz="2400" b="1" dirty="0">
-                <a:solidFill>
-                  <a:srgbClr val="61A5C2"/>
-                </a:solidFill>
-                <a:latin typeface="Calibri" charset="0"/>
-              </a:rPr>
-            </a:br>
-            <a:r>
-              <a:rPr lang="en-US" altLang="en-US" sz="2400" b="1" dirty="0">
-                <a:solidFill>
-                  <a:srgbClr val="61A5C2"/>
-                </a:solidFill>
-                <a:latin typeface="Calibri" charset="0"/>
-              </a:rPr>
-              <a:t> Our Implementation</a:t>
-            </a:r>
-          </a:p>
-        </p:txBody>
-      </p:sp>
-      <p:pic>
-        <p:nvPicPr>
-          <p:cNvPr id="8" name="Inhaltsplatzhalter 7" descr="Ein Bild, das Text, Reihe, Diagramm, Zahl enthält.&#10;&#10;Automatisch generierte Beschreibung"/>
-          <p:cNvPicPr>
-            <a:picLocks noGrp="1" noChangeAspect="1"/>
-          </p:cNvPicPr>
-          <p:nvPr>
-            <p:ph idx="4294967295"/>
-          </p:nvPr>
-        </p:nvPicPr>
-        <p:blipFill>
-          <a:blip r:embed="rId5" cstate="print">
-            <a:extLst>
-              <a:ext uri="{28A0092B-C50C-407E-A947-70E740481C1C}">
-                <a14:useLocalDpi xmlns:a14="http://schemas.microsoft.com/office/drawing/2010/main" val="0"/>
-              </a:ext>
-            </a:extLst>
-          </a:blip>
-          <a:srcRect t="2171" b="-1"/>
-          <a:stretch>
-            <a:fillRect/>
-          </a:stretch>
-        </p:blipFill>
-        <p:spPr>
-          <a:xfrm>
-            <a:off x="4067452" y="3879103"/>
-            <a:ext cx="3872001" cy="2706642"/>
-          </a:xfrm>
-          <a:prstGeom prst="rect">
-            <a:avLst/>
-          </a:prstGeom>
-        </p:spPr>
-      </p:pic>
-    </p:spTree>
-  </p:cSld>
-  <p:clrMapOvr>
-    <a:masterClrMapping/>
-  </p:clrMapOvr>
-</p:sld>
-</file>
-
-<file path=ppt/slides/slide14.xml><?xml version="1.0" encoding="utf-8"?>
-<p:sld xmlns:a="http://schemas.openxmlformats.org/drawingml/2006/main" xmlns:r="http://schemas.openxmlformats.org/officeDocument/2006/relationships" xmlns:p="http://schemas.openxmlformats.org/presentationml/2006/main">
-  <p:cSld>
-    <p:spTree>
-      <p:nvGrpSpPr>
-        <p:cNvPr id="1" name=""/>
-        <p:cNvGrpSpPr/>
-        <p:nvPr/>
-      </p:nvGrpSpPr>
-      <p:grpSpPr>
-        <a:xfrm>
-          <a:off x="0" y="0"/>
-          <a:ext cx="0" cy="0"/>
-          <a:chOff x="0" y="0"/>
-          <a:chExt cx="0" cy="0"/>
-        </a:xfrm>
-      </p:grpSpPr>
-      <p:sp>
-        <p:nvSpPr>
-          <p:cNvPr id="20" name="Rechteck 19"/>
-          <p:cNvSpPr/>
-          <p:nvPr/>
-        </p:nvSpPr>
-        <p:spPr>
-          <a:xfrm>
-            <a:off x="0" y="1"/>
-            <a:ext cx="8123068" cy="6858000"/>
-          </a:xfrm>
-          <a:prstGeom prst="rect">
-            <a:avLst/>
-          </a:prstGeom>
-        </p:spPr>
-        <p:style>
-          <a:lnRef idx="2">
-            <a:schemeClr val="dk1"/>
-          </a:lnRef>
-          <a:fillRef idx="1">
-            <a:schemeClr val="lt1"/>
-          </a:fillRef>
-          <a:effectRef idx="0">
-            <a:schemeClr val="dk1"/>
-          </a:effectRef>
-          <a:fontRef idx="minor">
-            <a:schemeClr val="dk1"/>
-          </a:fontRef>
-        </p:style>
-        <p:txBody>
-          <a:bodyPr rtlCol="0" anchor="ctr"/>
-          <a:lstStyle/>
-          <a:p>
-            <a:pPr algn="ctr"/>
-            <a:endParaRPr lang="en-US"/>
-          </a:p>
-        </p:txBody>
-      </p:sp>
-      <p:sp>
-        <p:nvSpPr>
-          <p:cNvPr id="2" name="Title 1"/>
-          <p:cNvSpPr>
-            <a:spLocks noGrp="1"/>
-          </p:cNvSpPr>
-          <p:nvPr>
-            <p:ph type="ctrTitle"/>
-          </p:nvPr>
-        </p:nvSpPr>
-        <p:spPr>
-          <a:xfrm>
-            <a:off x="8520112" y="2745578"/>
-            <a:ext cx="3334970" cy="1366841"/>
-          </a:xfrm>
-        </p:spPr>
-        <p:txBody>
-          <a:bodyPr vert="horz" lIns="91440" tIns="45720" rIns="91440" bIns="45720" rtlCol="0" anchor="b">
-            <a:normAutofit fontScale="90000"/>
-          </a:bodyPr>
-          <a:lstStyle/>
-          <a:p>
-            <a:pPr fontAlgn="auto"/>
-            <a:r>
-              <a:rPr lang="en-US" altLang="en-US" sz="2400" b="1" dirty="0">
-                <a:solidFill>
-                  <a:srgbClr val="61A5C2"/>
-                </a:solidFill>
-                <a:latin typeface="Calibri" charset="0"/>
-              </a:rPr>
-              <a:t>Sensitivity Plots</a:t>
-            </a:r>
-            <a:br>
-              <a:rPr lang="en-US" altLang="en-US" sz="2400" b="1" dirty="0">
-                <a:solidFill>
-                  <a:srgbClr val="61A5C2"/>
-                </a:solidFill>
-                <a:latin typeface="Calibri" charset="0"/>
-              </a:rPr>
-            </a:br>
-            <a:r>
-              <a:rPr lang="en-US" altLang="en-US" sz="2400" b="1" dirty="0">
-                <a:solidFill>
-                  <a:srgbClr val="61A5C2"/>
-                </a:solidFill>
-                <a:latin typeface="Calibri" charset="0"/>
-              </a:rPr>
-              <a:t> Concrete Dataset</a:t>
-            </a:r>
-            <a:br>
-              <a:rPr lang="en-US" altLang="en-US" sz="2400" b="1" dirty="0">
-                <a:solidFill>
-                  <a:srgbClr val="61A5C2"/>
-                </a:solidFill>
-                <a:latin typeface="Calibri" charset="0"/>
-              </a:rPr>
-            </a:br>
-            <a:r>
-              <a:rPr lang="en-US" altLang="en-US" sz="2400" b="1" dirty="0">
-                <a:solidFill>
-                  <a:srgbClr val="61A5C2"/>
-                </a:solidFill>
-                <a:latin typeface="Calibri" charset="0"/>
-              </a:rPr>
-              <a:t> LLM</a:t>
-            </a:r>
-          </a:p>
-        </p:txBody>
-      </p:sp>
-      <p:pic>
-        <p:nvPicPr>
-          <p:cNvPr id="4" name="Grafik 3" descr="Ein Bild, das Text, Diagramm, Reihe, Screenshot enthält.&#10;&#10;Automatisch generierte Beschreibung"/>
-          <p:cNvPicPr>
-            <a:picLocks noChangeAspect="1"/>
-          </p:cNvPicPr>
-          <p:nvPr/>
-        </p:nvPicPr>
-        <p:blipFill>
-          <a:blip r:embed="rId2" cstate="print">
-            <a:extLst>
-              <a:ext uri="{28A0092B-C50C-407E-A947-70E740481C1C}">
-                <a14:useLocalDpi xmlns:a14="http://schemas.microsoft.com/office/drawing/2010/main" val="0"/>
-              </a:ext>
-            </a:extLst>
-          </a:blip>
-          <a:srcRect l="-1793" t="2185" r="1793"/>
-          <a:stretch>
-            <a:fillRect/>
-          </a:stretch>
-        </p:blipFill>
-        <p:spPr>
-          <a:xfrm>
-            <a:off x="3986962" y="665825"/>
-            <a:ext cx="3835227" cy="2677946"/>
-          </a:xfrm>
-          <a:prstGeom prst="rect">
-            <a:avLst/>
-          </a:prstGeom>
-        </p:spPr>
-      </p:pic>
-      <p:pic>
-        <p:nvPicPr>
-          <p:cNvPr id="6" name="Grafik 5"/>
-          <p:cNvPicPr>
-            <a:picLocks noChangeAspect="1"/>
-          </p:cNvPicPr>
-          <p:nvPr/>
-        </p:nvPicPr>
-        <p:blipFill>
-          <a:blip r:embed="rId3" cstate="print">
-            <a:extLst>
-              <a:ext uri="{28A0092B-C50C-407E-A947-70E740481C1C}">
-                <a14:useLocalDpi xmlns:a14="http://schemas.microsoft.com/office/drawing/2010/main" val="0"/>
-              </a:ext>
-            </a:extLst>
-          </a:blip>
-          <a:srcRect t="2379"/>
-          <a:stretch>
-            <a:fillRect/>
-          </a:stretch>
-        </p:blipFill>
-        <p:spPr>
-          <a:xfrm>
-            <a:off x="3907950" y="3781725"/>
-            <a:ext cx="3914239" cy="2729381"/>
-          </a:xfrm>
-          <a:prstGeom prst="rect">
-            <a:avLst/>
-          </a:prstGeom>
-        </p:spPr>
-      </p:pic>
-      <p:pic>
-        <p:nvPicPr>
-          <p:cNvPr id="9" name="Grafik 8" descr="Ein Bild, das Text, Reihe, Diagramm, Screenshot enthält.&#10;&#10;Automatisch generierte Beschreibung"/>
-          <p:cNvPicPr>
-            <a:picLocks noChangeAspect="1"/>
-          </p:cNvPicPr>
-          <p:nvPr/>
-        </p:nvPicPr>
-        <p:blipFill>
-          <a:blip r:embed="rId4" cstate="print">
-            <a:extLst>
-              <a:ext uri="{28A0092B-C50C-407E-A947-70E740481C1C}">
-                <a14:useLocalDpi xmlns:a14="http://schemas.microsoft.com/office/drawing/2010/main" val="0"/>
-              </a:ext>
-            </a:extLst>
-          </a:blip>
-          <a:srcRect t="2379"/>
-          <a:stretch>
-            <a:fillRect/>
-          </a:stretch>
-        </p:blipFill>
-        <p:spPr>
-          <a:xfrm>
-            <a:off x="222152" y="3781725"/>
-            <a:ext cx="3764809" cy="2625184"/>
-          </a:xfrm>
-          <a:prstGeom prst="rect">
-            <a:avLst/>
-          </a:prstGeom>
-        </p:spPr>
-      </p:pic>
-      <p:pic>
-        <p:nvPicPr>
-          <p:cNvPr id="13" name="Grafik 12" descr="Ein Bild, das Text, Reihe, Diagramm, Steigung enthält.&#10;&#10;Automatisch generierte Beschreibung"/>
-          <p:cNvPicPr>
-            <a:picLocks noChangeAspect="1"/>
-          </p:cNvPicPr>
-          <p:nvPr/>
-        </p:nvPicPr>
-        <p:blipFill>
-          <a:blip r:embed="rId5" cstate="print">
-            <a:extLst>
-              <a:ext uri="{28A0092B-C50C-407E-A947-70E740481C1C}">
-                <a14:useLocalDpi xmlns:a14="http://schemas.microsoft.com/office/drawing/2010/main" val="0"/>
-              </a:ext>
-            </a:extLst>
-          </a:blip>
-          <a:srcRect t="2573"/>
-          <a:stretch>
-            <a:fillRect/>
-          </a:stretch>
-        </p:blipFill>
-        <p:spPr>
-          <a:xfrm>
-            <a:off x="222152" y="665825"/>
-            <a:ext cx="3768855" cy="2622777"/>
-          </a:xfrm>
-          <a:prstGeom prst="rect">
-            <a:avLst/>
-          </a:prstGeom>
-        </p:spPr>
-      </p:pic>
-    </p:spTree>
-  </p:cSld>
-  <p:clrMapOvr>
-    <a:masterClrMapping/>
-  </p:clrMapOvr>
-</p:sld>
-</file>
-
-<file path=ppt/slides/slide15.xml><?xml version="1.0" encoding="utf-8"?>
-<p:sld xmlns:a="http://schemas.openxmlformats.org/drawingml/2006/main" xmlns:r="http://schemas.openxmlformats.org/officeDocument/2006/relationships" xmlns:p="http://schemas.openxmlformats.org/presentationml/2006/main">
-  <p:cSld>
-    <p:spTree>
-      <p:nvGrpSpPr>
-        <p:cNvPr id="1" name=""/>
-        <p:cNvGrpSpPr/>
-        <p:nvPr/>
-      </p:nvGrpSpPr>
-      <p:grpSpPr>
-        <a:xfrm>
-          <a:off x="0" y="0"/>
-          <a:ext cx="0" cy="0"/>
-          <a:chOff x="0" y="0"/>
-          <a:chExt cx="0" cy="0"/>
-        </a:xfrm>
-      </p:grpSpPr>
-      <p:sp>
-        <p:nvSpPr>
-          <p:cNvPr id="20" name="Rechteck 19"/>
-          <p:cNvSpPr/>
-          <p:nvPr/>
-        </p:nvSpPr>
-        <p:spPr>
-          <a:xfrm>
-            <a:off x="0" y="1"/>
-            <a:ext cx="8123068" cy="6858000"/>
-          </a:xfrm>
-          <a:prstGeom prst="rect">
-            <a:avLst/>
-          </a:prstGeom>
-        </p:spPr>
-        <p:style>
-          <a:lnRef idx="2">
-            <a:schemeClr val="dk1"/>
-          </a:lnRef>
-          <a:fillRef idx="1">
-            <a:schemeClr val="lt1"/>
-          </a:fillRef>
-          <a:effectRef idx="0">
-            <a:schemeClr val="dk1"/>
-          </a:effectRef>
-          <a:fontRef idx="minor">
-            <a:schemeClr val="dk1"/>
-          </a:fontRef>
-        </p:style>
-        <p:txBody>
-          <a:bodyPr rtlCol="0" anchor="ctr"/>
-          <a:lstStyle/>
-          <a:p>
-            <a:pPr algn="ctr"/>
-            <a:endParaRPr lang="en-US"/>
-          </a:p>
-        </p:txBody>
-      </p:sp>
-      <p:sp>
-        <p:nvSpPr>
-          <p:cNvPr id="2" name="Title 1"/>
-          <p:cNvSpPr>
-            <a:spLocks noGrp="1"/>
-          </p:cNvSpPr>
-          <p:nvPr>
-            <p:ph type="ctrTitle"/>
-          </p:nvPr>
-        </p:nvSpPr>
-        <p:spPr>
-          <a:xfrm>
-            <a:off x="8520112" y="2745578"/>
-            <a:ext cx="3334970" cy="1366841"/>
-          </a:xfrm>
-        </p:spPr>
-        <p:txBody>
-          <a:bodyPr vert="horz" lIns="91440" tIns="45720" rIns="91440" bIns="45720" rtlCol="0" anchor="b">
-            <a:normAutofit fontScale="90000"/>
-          </a:bodyPr>
-          <a:lstStyle/>
-          <a:p>
-            <a:pPr fontAlgn="auto"/>
-            <a:r>
-              <a:rPr lang="en-US" altLang="en-US" sz="2400" b="1" dirty="0">
-                <a:solidFill>
-                  <a:srgbClr val="61A5C2"/>
-                </a:solidFill>
-                <a:latin typeface="Calibri" charset="0"/>
-              </a:rPr>
-              <a:t>Sensitivity Plots</a:t>
-            </a:r>
-            <a:br>
-              <a:rPr lang="en-US" altLang="en-US" sz="2400" b="1" dirty="0">
-                <a:solidFill>
-                  <a:srgbClr val="61A5C2"/>
-                </a:solidFill>
-                <a:latin typeface="Calibri" charset="0"/>
-              </a:rPr>
-            </a:br>
-            <a:r>
-              <a:rPr lang="en-US" altLang="en-US" sz="2400" b="1" dirty="0">
-                <a:solidFill>
-                  <a:srgbClr val="61A5C2"/>
-                </a:solidFill>
-                <a:latin typeface="Calibri" charset="0"/>
-              </a:rPr>
-              <a:t> Concrete Dataset</a:t>
-            </a:r>
-            <a:br>
-              <a:rPr lang="en-US" altLang="en-US" sz="2400" b="1" dirty="0">
-                <a:solidFill>
-                  <a:srgbClr val="61A5C2"/>
-                </a:solidFill>
-                <a:latin typeface="Calibri" charset="0"/>
-              </a:rPr>
-            </a:br>
-            <a:r>
-              <a:rPr lang="en-US" altLang="en-US" sz="2400" b="1" dirty="0">
-                <a:solidFill>
-                  <a:srgbClr val="61A5C2"/>
-                </a:solidFill>
-                <a:latin typeface="Calibri" charset="0"/>
-              </a:rPr>
-              <a:t> scikit-rf</a:t>
-            </a:r>
-          </a:p>
-        </p:txBody>
-      </p:sp>
-      <p:pic>
-        <p:nvPicPr>
-          <p:cNvPr id="6" name="Grafik 5" descr="Ein Bild, das Text, Screenshot, Reihe, Diagramm enthält.&#10;&#10;Automatisch generierte Beschreibung"/>
-          <p:cNvPicPr>
-            <a:picLocks noChangeAspect="1"/>
-          </p:cNvPicPr>
-          <p:nvPr/>
-        </p:nvPicPr>
-        <p:blipFill>
-          <a:blip r:embed="rId2" cstate="print">
-            <a:extLst>
-              <a:ext uri="{28A0092B-C50C-407E-A947-70E740481C1C}">
-                <a14:useLocalDpi xmlns:a14="http://schemas.microsoft.com/office/drawing/2010/main" val="0"/>
-              </a:ext>
-            </a:extLst>
-          </a:blip>
-          <a:srcRect t="3155"/>
-          <a:stretch>
-            <a:fillRect/>
-          </a:stretch>
-        </p:blipFill>
-        <p:spPr>
-          <a:xfrm>
-            <a:off x="87004" y="3761450"/>
-            <a:ext cx="4041113" cy="2795430"/>
-          </a:xfrm>
-          <a:prstGeom prst="rect">
-            <a:avLst/>
-          </a:prstGeom>
-        </p:spPr>
-      </p:pic>
-      <p:pic>
-        <p:nvPicPr>
-          <p:cNvPr id="9" name="Grafik 8" descr="Ein Bild, das Text, Reihe, Diagramm, Screenshot enthält.&#10;&#10;Automatisch generierte Beschreibung"/>
-          <p:cNvPicPr>
-            <a:picLocks noChangeAspect="1"/>
-          </p:cNvPicPr>
-          <p:nvPr/>
-        </p:nvPicPr>
-        <p:blipFill>
-          <a:blip r:embed="rId3" cstate="print">
-            <a:extLst>
-              <a:ext uri="{28A0092B-C50C-407E-A947-70E740481C1C}">
-                <a14:useLocalDpi xmlns:a14="http://schemas.microsoft.com/office/drawing/2010/main" val="0"/>
-              </a:ext>
-            </a:extLst>
-          </a:blip>
-          <a:srcRect t="2379"/>
-          <a:stretch>
-            <a:fillRect/>
-          </a:stretch>
-        </p:blipFill>
-        <p:spPr>
-          <a:xfrm>
-            <a:off x="4117226" y="3761449"/>
-            <a:ext cx="3946659" cy="2751987"/>
-          </a:xfrm>
-          <a:prstGeom prst="rect">
-            <a:avLst/>
-          </a:prstGeom>
-        </p:spPr>
-      </p:pic>
-      <p:pic>
-        <p:nvPicPr>
-          <p:cNvPr id="13" name="Grafik 12" descr="Ein Bild, das Text, Reihe, Diagramm, Screenshot enthält.&#10;&#10;Automatisch generierte Beschreibung"/>
-          <p:cNvPicPr>
-            <a:picLocks noChangeAspect="1"/>
-          </p:cNvPicPr>
-          <p:nvPr/>
-        </p:nvPicPr>
-        <p:blipFill>
-          <a:blip r:embed="rId4" cstate="print">
-            <a:extLst>
-              <a:ext uri="{28A0092B-C50C-407E-A947-70E740481C1C}">
-                <a14:useLocalDpi xmlns:a14="http://schemas.microsoft.com/office/drawing/2010/main" val="0"/>
-              </a:ext>
-            </a:extLst>
-          </a:blip>
-          <a:srcRect t="3155"/>
-          <a:stretch>
-            <a:fillRect/>
-          </a:stretch>
-        </p:blipFill>
-        <p:spPr>
-          <a:xfrm>
-            <a:off x="4117226" y="481426"/>
-            <a:ext cx="3978312" cy="2751987"/>
-          </a:xfrm>
-          <a:prstGeom prst="rect">
-            <a:avLst/>
-          </a:prstGeom>
-        </p:spPr>
-      </p:pic>
-      <p:pic>
-        <p:nvPicPr>
-          <p:cNvPr id="17" name="Grafik 16" descr="Ein Bild, das Text, Diagramm, Reihe, Screenshot enthält.&#10;&#10;Automatisch generierte Beschreibung"/>
-          <p:cNvPicPr>
-            <a:picLocks noChangeAspect="1"/>
-          </p:cNvPicPr>
-          <p:nvPr/>
-        </p:nvPicPr>
-        <p:blipFill>
-          <a:blip r:embed="rId5" cstate="print">
-            <a:extLst>
-              <a:ext uri="{28A0092B-C50C-407E-A947-70E740481C1C}">
-                <a14:useLocalDpi xmlns:a14="http://schemas.microsoft.com/office/drawing/2010/main" val="0"/>
-              </a:ext>
-            </a:extLst>
-          </a:blip>
-          <a:srcRect t="2185"/>
-          <a:stretch>
-            <a:fillRect/>
-          </a:stretch>
-        </p:blipFill>
-        <p:spPr>
-          <a:xfrm>
-            <a:off x="256005" y="528036"/>
-            <a:ext cx="3872112" cy="2705377"/>
-          </a:xfrm>
-          <a:prstGeom prst="rect">
-            <a:avLst/>
-          </a:prstGeom>
-        </p:spPr>
-      </p:pic>
-    </p:spTree>
-  </p:cSld>
-  <p:clrMapOvr>
-    <a:masterClrMapping/>
-  </p:clrMapOvr>
-</p:sld>
-</file>
-
-<file path=ppt/slides/slide16.xml><?xml version="1.0" encoding="utf-8"?>
-<p:sld xmlns:a="http://schemas.openxmlformats.org/drawingml/2006/main" xmlns:r="http://schemas.openxmlformats.org/officeDocument/2006/relationships" xmlns:p="http://schemas.openxmlformats.org/presentationml/2006/main">
-  <p:cSld>
-    <p:spTree>
-      <p:nvGrpSpPr>
-        <p:cNvPr id="1" name=""/>
-        <p:cNvGrpSpPr/>
-        <p:nvPr/>
-      </p:nvGrpSpPr>
-      <p:grpSpPr>
-        <a:xfrm>
-          <a:off x="0" y="0"/>
-          <a:ext cx="0" cy="0"/>
-          <a:chOff x="0" y="0"/>
-          <a:chExt cx="0" cy="0"/>
-        </a:xfrm>
-      </p:grpSpPr>
-      <p:sp>
-        <p:nvSpPr>
-          <p:cNvPr id="20" name="Rechteck 19"/>
-          <p:cNvSpPr/>
-          <p:nvPr/>
-        </p:nvSpPr>
-        <p:spPr>
-          <a:xfrm>
-            <a:off x="0" y="1"/>
-            <a:ext cx="8123068" cy="6858000"/>
-          </a:xfrm>
-          <a:prstGeom prst="rect">
-            <a:avLst/>
-          </a:prstGeom>
-        </p:spPr>
-        <p:style>
-          <a:lnRef idx="2">
-            <a:schemeClr val="dk1"/>
-          </a:lnRef>
-          <a:fillRef idx="1">
-            <a:schemeClr val="lt1"/>
-          </a:fillRef>
-          <a:effectRef idx="0">
-            <a:schemeClr val="dk1"/>
-          </a:effectRef>
-          <a:fontRef idx="minor">
-            <a:schemeClr val="dk1"/>
-          </a:fontRef>
-        </p:style>
-        <p:txBody>
-          <a:bodyPr rtlCol="0" anchor="ctr"/>
-          <a:lstStyle/>
-          <a:p>
-            <a:pPr algn="ctr"/>
-            <a:endParaRPr lang="en-US"/>
-          </a:p>
-        </p:txBody>
-      </p:sp>
-      <p:sp>
-        <p:nvSpPr>
-          <p:cNvPr id="2" name="Title 1"/>
-          <p:cNvSpPr>
-            <a:spLocks noGrp="1"/>
-          </p:cNvSpPr>
-          <p:nvPr>
-            <p:ph type="ctrTitle"/>
-          </p:nvPr>
-        </p:nvSpPr>
-        <p:spPr>
-          <a:xfrm>
-            <a:off x="8519080" y="2665679"/>
-            <a:ext cx="3334970" cy="1366841"/>
-          </a:xfrm>
-        </p:spPr>
-        <p:txBody>
-          <a:bodyPr vert="horz" lIns="91440" tIns="45720" rIns="91440" bIns="45720" rtlCol="0" anchor="b">
-            <a:normAutofit fontScale="90000"/>
-          </a:bodyPr>
-          <a:lstStyle/>
-          <a:p>
-            <a:pPr fontAlgn="auto"/>
-            <a:r>
-              <a:rPr lang="en-US" altLang="en-US" sz="2400" b="1" dirty="0">
-                <a:solidFill>
-                  <a:srgbClr val="61A5C2"/>
-                </a:solidFill>
-                <a:latin typeface="Calibri" charset="0"/>
-              </a:rPr>
-              <a:t>Sensitivity Plots</a:t>
-            </a:r>
-            <a:br>
-              <a:rPr lang="en-US" altLang="en-US" sz="2400" b="1" dirty="0">
-                <a:solidFill>
-                  <a:srgbClr val="61A5C2"/>
-                </a:solidFill>
-                <a:latin typeface="Calibri" charset="0"/>
-              </a:rPr>
-            </a:br>
-            <a:r>
-              <a:rPr lang="en-US" altLang="en-US" sz="2400" b="1" dirty="0">
-                <a:solidFill>
-                  <a:srgbClr val="61A5C2"/>
-                </a:solidFill>
-                <a:latin typeface="Calibri" charset="0"/>
-              </a:rPr>
-              <a:t> Concrete Dataset</a:t>
-            </a:r>
-            <a:br>
-              <a:rPr lang="en-US" altLang="en-US" sz="2400" b="1" dirty="0">
-                <a:solidFill>
-                  <a:srgbClr val="61A5C2"/>
-                </a:solidFill>
-                <a:latin typeface="Calibri" charset="0"/>
-              </a:rPr>
-            </a:br>
-            <a:r>
-              <a:rPr lang="en-US" altLang="en-US" sz="2400" b="1" dirty="0">
-                <a:solidFill>
-                  <a:srgbClr val="61A5C2"/>
-                </a:solidFill>
-                <a:latin typeface="Calibri" charset="0"/>
-              </a:rPr>
-              <a:t> </a:t>
-            </a:r>
-            <a:r>
-              <a:rPr lang="en-US" altLang="en-US" sz="2400" b="1" dirty="0" err="1">
-                <a:solidFill>
-                  <a:srgbClr val="61A5C2"/>
-                </a:solidFill>
-                <a:latin typeface="Calibri" charset="0"/>
-              </a:rPr>
-              <a:t>kNN</a:t>
-            </a:r>
-            <a:endParaRPr lang="en-US" altLang="en-US" sz="2400" b="1" dirty="0">
+            <a:pPr marL="457200" lvl="1" indent="0">
+              <a:buNone/>
+            </a:pPr>
+            <a:endParaRPr lang="en-GB" sz="1400" dirty="0">
               <a:solidFill>
                 <a:srgbClr val="61A5C2"/>
               </a:solidFill>
               <a:latin typeface="Calibri" charset="0"/>
             </a:endParaRPr>
           </a:p>
-        </p:txBody>
-      </p:sp>
-      <p:pic>
-        <p:nvPicPr>
-          <p:cNvPr id="17" name="Grafik 16" descr="Ein Bild, das Text, Reihe, Diagramm, Screenshot enthält.&#10;&#10;Automatisch generierte Beschreibung"/>
-          <p:cNvPicPr>
-            <a:picLocks noChangeAspect="1"/>
-          </p:cNvPicPr>
-          <p:nvPr/>
-        </p:nvPicPr>
-        <p:blipFill>
-          <a:blip r:embed="rId2" cstate="print">
-            <a:extLst>
-              <a:ext uri="{28A0092B-C50C-407E-A947-70E740481C1C}">
-                <a14:useLocalDpi xmlns:a14="http://schemas.microsoft.com/office/drawing/2010/main" val="0"/>
-              </a:ext>
-            </a:extLst>
-          </a:blip>
-          <a:srcRect t="2452"/>
-          <a:stretch>
-            <a:fillRect/>
-          </a:stretch>
-        </p:blipFill>
-        <p:spPr>
-          <a:xfrm>
-            <a:off x="4044681" y="730186"/>
-            <a:ext cx="3987964" cy="2778716"/>
-          </a:xfrm>
-          <a:prstGeom prst="rect">
-            <a:avLst/>
-          </a:prstGeom>
-        </p:spPr>
-      </p:pic>
-      <p:pic>
-        <p:nvPicPr>
-          <p:cNvPr id="21" name="Grafik 20" descr="Ein Bild, das Text, Reihe, Screenshot, Diagramm enthält.&#10;&#10;Automatisch generierte Beschreibung"/>
-          <p:cNvPicPr>
-            <a:picLocks noChangeAspect="1"/>
-          </p:cNvPicPr>
-          <p:nvPr/>
-        </p:nvPicPr>
-        <p:blipFill>
-          <a:blip r:embed="rId3" cstate="print">
-            <a:extLst>
-              <a:ext uri="{28A0092B-C50C-407E-A947-70E740481C1C}">
-                <a14:useLocalDpi xmlns:a14="http://schemas.microsoft.com/office/drawing/2010/main" val="0"/>
-              </a:ext>
-            </a:extLst>
-          </a:blip>
-          <a:srcRect t="2452"/>
-          <a:stretch>
-            <a:fillRect/>
-          </a:stretch>
-        </p:blipFill>
-        <p:spPr>
-          <a:xfrm>
-            <a:off x="2088815" y="3826435"/>
-            <a:ext cx="3873290" cy="2698814"/>
-          </a:xfrm>
-          <a:prstGeom prst="rect">
-            <a:avLst/>
-          </a:prstGeom>
-        </p:spPr>
-      </p:pic>
-      <p:pic>
-        <p:nvPicPr>
-          <p:cNvPr id="23" name="Grafik 22" descr="Ein Bild, das Text, Diagramm, Reihe, Screenshot enthält.&#10;&#10;Automatisch generierte Beschreibung"/>
-          <p:cNvPicPr>
-            <a:picLocks noChangeAspect="1"/>
-          </p:cNvPicPr>
-          <p:nvPr/>
-        </p:nvPicPr>
-        <p:blipFill>
-          <a:blip r:embed="rId4" cstate="print">
-            <a:extLst>
-              <a:ext uri="{28A0092B-C50C-407E-A947-70E740481C1C}">
-                <a14:useLocalDpi xmlns:a14="http://schemas.microsoft.com/office/drawing/2010/main" val="0"/>
-              </a:ext>
-            </a:extLst>
-          </a:blip>
-          <a:srcRect t="2452"/>
-          <a:stretch>
-            <a:fillRect/>
-          </a:stretch>
-        </p:blipFill>
-        <p:spPr>
-          <a:xfrm>
-            <a:off x="215569" y="730186"/>
-            <a:ext cx="3873290" cy="2698814"/>
-          </a:xfrm>
-          <a:prstGeom prst="rect">
-            <a:avLst/>
-          </a:prstGeom>
-        </p:spPr>
-      </p:pic>
-    </p:spTree>
-  </p:cSld>
-  <p:clrMapOvr>
-    <a:masterClrMapping/>
-  </p:clrMapOvr>
-</p:sld>
-</file>
-
-<file path=ppt/slides/slide17.xml><?xml version="1.0" encoding="utf-8"?>
-<p:sld xmlns:a="http://schemas.openxmlformats.org/drawingml/2006/main" xmlns:r="http://schemas.openxmlformats.org/officeDocument/2006/relationships" xmlns:p="http://schemas.openxmlformats.org/presentationml/2006/main">
-  <p:cSld>
-    <p:spTree>
-      <p:nvGrpSpPr>
-        <p:cNvPr id="1" name=""/>
-        <p:cNvGrpSpPr/>
-        <p:nvPr/>
-      </p:nvGrpSpPr>
-      <p:grpSpPr>
-        <a:xfrm>
-          <a:off x="0" y="0"/>
-          <a:ext cx="0" cy="0"/>
-          <a:chOff x="0" y="0"/>
-          <a:chExt cx="0" cy="0"/>
-        </a:xfrm>
-      </p:grpSpPr>
-      <p:sp>
-        <p:nvSpPr>
-          <p:cNvPr id="2" name="Title 1"/>
-          <p:cNvSpPr>
-            <a:spLocks noGrp="1"/>
-          </p:cNvSpPr>
-          <p:nvPr>
-            <p:ph type="title"/>
-          </p:nvPr>
-        </p:nvSpPr>
-        <p:spPr/>
-        <p:txBody>
-          <a:bodyPr/>
-          <a:lstStyle/>
-          <a:p>
-            <a:pPr algn="ctr" fontAlgn="auto"/>
-            <a:r>
-              <a:rPr lang="de-DE" altLang="en-US">
-                <a:solidFill>
-                  <a:srgbClr val="61A5C2"/>
-                </a:solidFill>
-                <a:latin typeface="Calibri" charset="0"/>
-              </a:rPr>
-              <a:t>Runtime - Concrete Dataset</a:t>
-            </a:r>
-          </a:p>
-        </p:txBody>
-      </p:sp>
-      <p:pic>
-        <p:nvPicPr>
-          <p:cNvPr id="4" name="Content Placeholder 3"/>
-          <p:cNvPicPr>
-            <a:picLocks noGrp="1" noChangeAspect="1"/>
-          </p:cNvPicPr>
-          <p:nvPr>
-            <p:ph idx="1"/>
-          </p:nvPr>
-        </p:nvPicPr>
-        <p:blipFill>
-          <a:blip r:embed="rId2"/>
-          <a:srcRect l="10783" t="18797"/>
-          <a:stretch>
-            <a:fillRect/>
-          </a:stretch>
-        </p:blipFill>
-        <p:spPr>
-          <a:xfrm>
-            <a:off x="2538095" y="2538095"/>
-            <a:ext cx="7115175" cy="2453005"/>
-          </a:xfrm>
-          <a:prstGeom prst="rect">
-            <a:avLst/>
-          </a:prstGeom>
-        </p:spPr>
-      </p:pic>
-    </p:spTree>
-  </p:cSld>
-  <p:clrMapOvr>
-    <a:masterClrMapping/>
-  </p:clrMapOvr>
-</p:sld>
-</file>
-
-<file path=ppt/slides/slide18.xml><?xml version="1.0" encoding="utf-8"?>
-<p:sld xmlns:a="http://schemas.openxmlformats.org/drawingml/2006/main" xmlns:r="http://schemas.openxmlformats.org/officeDocument/2006/relationships" xmlns:p="http://schemas.openxmlformats.org/presentationml/2006/main">
-  <p:cSld>
-    <p:spTree>
-      <p:nvGrpSpPr>
-        <p:cNvPr id="1" name=""/>
-        <p:cNvGrpSpPr/>
-        <p:nvPr/>
-      </p:nvGrpSpPr>
-      <p:grpSpPr>
-        <a:xfrm>
-          <a:off x="0" y="0"/>
-          <a:ext cx="0" cy="0"/>
-          <a:chOff x="0" y="0"/>
-          <a:chExt cx="0" cy="0"/>
-        </a:xfrm>
-      </p:grpSpPr>
-      <p:sp>
-        <p:nvSpPr>
-          <p:cNvPr id="2" name="Title 1"/>
-          <p:cNvSpPr>
-            <a:spLocks noGrp="1"/>
-          </p:cNvSpPr>
-          <p:nvPr>
-            <p:ph type="title"/>
-          </p:nvPr>
-        </p:nvSpPr>
-        <p:spPr/>
-        <p:txBody>
-          <a:bodyPr/>
-          <a:lstStyle/>
-          <a:p>
-            <a:pPr algn="ctr" fontAlgn="auto"/>
-            <a:r>
-              <a:rPr lang="de-DE" altLang="en-US" dirty="0">
-                <a:solidFill>
-                  <a:srgbClr val="61A5C2"/>
-                </a:solidFill>
-                <a:latin typeface="Calibri" charset="0"/>
-              </a:rPr>
-              <a:t>Cross Validation </a:t>
-            </a:r>
-            <a:r>
-              <a:rPr lang="de-DE" altLang="en-US" dirty="0" err="1">
-                <a:solidFill>
-                  <a:srgbClr val="61A5C2"/>
-                </a:solidFill>
-                <a:latin typeface="Calibri" charset="0"/>
-              </a:rPr>
-              <a:t>Results</a:t>
-            </a:r>
-            <a:r>
-              <a:rPr lang="de-DE" altLang="en-US" dirty="0">
-                <a:solidFill>
-                  <a:srgbClr val="61A5C2"/>
-                </a:solidFill>
-                <a:latin typeface="Calibri" charset="0"/>
-              </a:rPr>
-              <a:t> - </a:t>
-            </a:r>
-            <a:r>
-              <a:rPr lang="de-DE" altLang="en-US" dirty="0" err="1">
-                <a:solidFill>
-                  <a:srgbClr val="61A5C2"/>
-                </a:solidFill>
-                <a:latin typeface="Calibri" charset="0"/>
-              </a:rPr>
-              <a:t>Superconductivity</a:t>
-            </a:r>
-            <a:r>
-              <a:rPr lang="de-DE" altLang="en-US" dirty="0">
-                <a:solidFill>
-                  <a:srgbClr val="61A5C2"/>
-                </a:solidFill>
-                <a:latin typeface="Calibri" charset="0"/>
-              </a:rPr>
-              <a:t> Dataset</a:t>
-            </a:r>
-          </a:p>
-        </p:txBody>
-      </p:sp>
-      <p:pic>
-        <p:nvPicPr>
-          <p:cNvPr id="4" name="Content Placeholder 3"/>
-          <p:cNvPicPr>
-            <a:picLocks noGrp="1" noChangeAspect="1"/>
-          </p:cNvPicPr>
-          <p:nvPr>
-            <p:ph idx="1"/>
-          </p:nvPr>
-        </p:nvPicPr>
-        <p:blipFill>
-          <a:blip r:embed="rId2"/>
-          <a:stretch>
-            <a:fillRect/>
-          </a:stretch>
-        </p:blipFill>
-        <p:spPr>
-          <a:xfrm>
-            <a:off x="4104640" y="2515235"/>
-            <a:ext cx="3600450" cy="2971800"/>
-          </a:xfrm>
-          <a:prstGeom prst="rect">
-            <a:avLst/>
-          </a:prstGeom>
-        </p:spPr>
-      </p:pic>
-    </p:spTree>
-  </p:cSld>
-  <p:clrMapOvr>
-    <a:masterClrMapping/>
-  </p:clrMapOvr>
-</p:sld>
-</file>
-
-<file path=ppt/slides/slide19.xml><?xml version="1.0" encoding="utf-8"?>
-<p:sld xmlns:a="http://schemas.openxmlformats.org/drawingml/2006/main" xmlns:r="http://schemas.openxmlformats.org/officeDocument/2006/relationships" xmlns:p="http://schemas.openxmlformats.org/presentationml/2006/main">
-  <p:cSld>
-    <p:spTree>
-      <p:nvGrpSpPr>
-        <p:cNvPr id="1" name=""/>
-        <p:cNvGrpSpPr/>
-        <p:nvPr/>
-      </p:nvGrpSpPr>
-      <p:grpSpPr>
-        <a:xfrm>
-          <a:off x="0" y="0"/>
-          <a:ext cx="0" cy="0"/>
-          <a:chOff x="0" y="0"/>
-          <a:chExt cx="0" cy="0"/>
-        </a:xfrm>
-      </p:grpSpPr>
-      <p:sp>
-        <p:nvSpPr>
-          <p:cNvPr id="2" name="Title 1"/>
-          <p:cNvSpPr>
-            <a:spLocks noGrp="1"/>
-          </p:cNvSpPr>
-          <p:nvPr>
-            <p:ph type="title"/>
-          </p:nvPr>
-        </p:nvSpPr>
-        <p:spPr/>
-        <p:txBody>
-          <a:bodyPr/>
-          <a:lstStyle/>
-          <a:p>
-            <a:pPr algn="ctr" fontAlgn="auto"/>
-            <a:r>
-              <a:rPr lang="de-DE" altLang="en-US">
-                <a:solidFill>
-                  <a:srgbClr val="61A5C2"/>
-                </a:solidFill>
-                <a:latin typeface="Calibri" charset="0"/>
-              </a:rPr>
-              <a:t>Cross Validation Results - Superconductivity</a:t>
-            </a:r>
-          </a:p>
-        </p:txBody>
-      </p:sp>
-      <p:sp>
-        <p:nvSpPr>
-          <p:cNvPr id="9" name="Text Box 8"/>
-          <p:cNvSpPr txBox="1"/>
-          <p:nvPr/>
-        </p:nvSpPr>
-        <p:spPr>
-          <a:xfrm>
-            <a:off x="8300085" y="1632585"/>
-            <a:ext cx="2640659" cy="338554"/>
-          </a:xfrm>
-          <a:prstGeom prst="rect">
-            <a:avLst/>
-          </a:prstGeom>
-          <a:noFill/>
-        </p:spPr>
-        <p:txBody>
-          <a:bodyPr wrap="none" rtlCol="0">
-            <a:spAutoFit/>
-          </a:bodyPr>
-          <a:lstStyle/>
-          <a:p>
-            <a:pPr algn="l"/>
-            <a:r>
-              <a:rPr lang="de-DE" altLang="en-US" sz="1600" dirty="0">
-                <a:solidFill>
-                  <a:srgbClr val="61A5C2"/>
-                </a:solidFill>
-                <a:latin typeface="Calibri" charset="0"/>
-                <a:sym typeface="+mn-ea"/>
-              </a:rPr>
-              <a:t>(</a:t>
-            </a:r>
-            <a:r>
-              <a:rPr lang="de-DE" altLang="en-US" sz="1600" dirty="0" err="1">
-                <a:solidFill>
-                  <a:srgbClr val="61A5C2"/>
-                </a:solidFill>
-                <a:latin typeface="Calibri" charset="0"/>
-                <a:sym typeface="+mn-ea"/>
-              </a:rPr>
-              <a:t>no</a:t>
-            </a:r>
-            <a:r>
-              <a:rPr lang="de-DE" altLang="en-US" sz="1600" dirty="0">
-                <a:solidFill>
-                  <a:srgbClr val="61A5C2"/>
-                </a:solidFill>
-                <a:latin typeface="Calibri" charset="0"/>
-                <a:sym typeface="+mn-ea"/>
-              </a:rPr>
-              <a:t> </a:t>
-            </a:r>
-            <a:r>
-              <a:rPr lang="de-DE" altLang="en-US" sz="1600" dirty="0" err="1">
-                <a:solidFill>
-                  <a:srgbClr val="61A5C2"/>
-                </a:solidFill>
-                <a:latin typeface="Calibri" charset="0"/>
-                <a:sym typeface="+mn-ea"/>
-              </a:rPr>
-              <a:t>repetitions</a:t>
-            </a:r>
-            <a:r>
-              <a:rPr lang="de-DE" altLang="en-US" sz="1600" dirty="0">
-                <a:solidFill>
-                  <a:srgbClr val="61A5C2"/>
-                </a:solidFill>
-                <a:latin typeface="Calibri" charset="0"/>
-                <a:sym typeface="+mn-ea"/>
-              </a:rPr>
-              <a:t> and </a:t>
-            </a:r>
-            <a:r>
-              <a:rPr lang="de-DE" altLang="en-US" sz="1600" dirty="0" err="1">
-                <a:solidFill>
-                  <a:srgbClr val="61A5C2"/>
-                </a:solidFill>
-                <a:latin typeface="Calibri" charset="0"/>
-                <a:sym typeface="+mn-ea"/>
-              </a:rPr>
-              <a:t>few</a:t>
-            </a:r>
-            <a:r>
-              <a:rPr lang="de-DE" altLang="en-US" sz="1600" dirty="0">
-                <a:solidFill>
-                  <a:srgbClr val="61A5C2"/>
-                </a:solidFill>
-                <a:latin typeface="Calibri" charset="0"/>
-                <a:sym typeface="+mn-ea"/>
-              </a:rPr>
-              <a:t> </a:t>
-            </a:r>
-            <a:r>
-              <a:rPr lang="de-DE" altLang="en-US" sz="1600" dirty="0" err="1">
-                <a:solidFill>
-                  <a:srgbClr val="61A5C2"/>
-                </a:solidFill>
-                <a:latin typeface="Calibri" charset="0"/>
-                <a:sym typeface="+mn-ea"/>
-              </a:rPr>
-              <a:t>folds</a:t>
-            </a:r>
-            <a:r>
-              <a:rPr lang="de-DE" altLang="en-US" sz="1600" dirty="0">
-                <a:solidFill>
-                  <a:srgbClr val="61A5C2"/>
-                </a:solidFill>
-                <a:latin typeface="Calibri" charset="0"/>
-                <a:sym typeface="+mn-ea"/>
-              </a:rPr>
-              <a:t>)</a:t>
-            </a:r>
-            <a:endParaRPr lang="de-DE" altLang="en-US" sz="1600" dirty="0">
+          <a:p>
+            <a:r>
+              <a:rPr lang="en-GB" sz="1800" dirty="0">
+                <a:solidFill>
+                  <a:srgbClr val="61A5C2"/>
+                </a:solidFill>
+                <a:latin typeface="Calibri" charset="0"/>
+              </a:rPr>
+              <a:t>Performance:</a:t>
+            </a:r>
+          </a:p>
+          <a:p>
+            <a:pPr lvl="1"/>
+            <a:r>
+              <a:rPr lang="en-GB" sz="1600" dirty="0">
+                <a:solidFill>
+                  <a:srgbClr val="61A5C2"/>
+                </a:solidFill>
+                <a:latin typeface="Calibri" charset="0"/>
+              </a:rPr>
+              <a:t>implementing the </a:t>
+            </a:r>
+            <a:r>
+              <a:rPr lang="en-GB" sz="1600" dirty="0" err="1">
+                <a:solidFill>
+                  <a:srgbClr val="61A5C2"/>
+                </a:solidFill>
+                <a:latin typeface="Calibri" charset="0"/>
+              </a:rPr>
+              <a:t>max_features</a:t>
+            </a:r>
+            <a:r>
+              <a:rPr lang="en-GB" sz="1600" dirty="0">
+                <a:solidFill>
+                  <a:srgbClr val="61A5C2"/>
+                </a:solidFill>
+                <a:latin typeface="Calibri" charset="0"/>
+              </a:rPr>
+              <a:t> functionality boosts both efficiency and effectiveness</a:t>
+            </a:r>
+          </a:p>
+          <a:p>
+            <a:pPr lvl="2"/>
+            <a:r>
+              <a:rPr lang="en-GB" dirty="0">
+                <a:solidFill>
+                  <a:srgbClr val="61A5C2"/>
+                </a:solidFill>
+                <a:latin typeface="Calibri" charset="0"/>
+              </a:rPr>
+              <a:t>especially choosing a random subset at every node</a:t>
+            </a:r>
+          </a:p>
+          <a:p>
+            <a:pPr lvl="2"/>
+            <a:r>
+              <a:rPr lang="en-GB" dirty="0">
+                <a:solidFill>
+                  <a:srgbClr val="61A5C2"/>
+                </a:solidFill>
+                <a:latin typeface="Calibri" charset="0"/>
+              </a:rPr>
+              <a:t>biggest difference between LLM  and our/Scikit’s RF</a:t>
+            </a:r>
+          </a:p>
+          <a:p>
+            <a:pPr lvl="1"/>
+            <a:r>
+              <a:rPr lang="en-GB" sz="1600" dirty="0">
+                <a:solidFill>
+                  <a:srgbClr val="61A5C2"/>
+                </a:solidFill>
+                <a:latin typeface="Calibri" charset="0"/>
+              </a:rPr>
+              <a:t>randomising the subsets of instances for each tree improves performance</a:t>
+            </a:r>
+          </a:p>
+          <a:p>
+            <a:pPr lvl="1"/>
+            <a:r>
+              <a:rPr lang="en-GB" sz="1600" dirty="0" err="1">
+                <a:solidFill>
+                  <a:srgbClr val="61A5C2"/>
+                </a:solidFill>
+                <a:latin typeface="Calibri" charset="0"/>
+              </a:rPr>
+              <a:t>min_samples_split</a:t>
+            </a:r>
+            <a:r>
+              <a:rPr lang="en-GB" sz="1600" dirty="0">
+                <a:solidFill>
+                  <a:srgbClr val="61A5C2"/>
+                </a:solidFill>
+                <a:latin typeface="Calibri" charset="0"/>
+              </a:rPr>
+              <a:t> can have a big influence depending on the implementation</a:t>
+            </a:r>
+          </a:p>
+          <a:p>
+            <a:pPr marL="457200" lvl="1" indent="0">
+              <a:buNone/>
+            </a:pPr>
+            <a:endParaRPr lang="en-GB" sz="1600" dirty="0">
               <a:solidFill>
                 <a:srgbClr val="61A5C2"/>
               </a:solidFill>
               <a:latin typeface="Calibri" charset="0"/>
             </a:endParaRPr>
           </a:p>
-        </p:txBody>
-      </p:sp>
-      <p:pic>
-        <p:nvPicPr>
-          <p:cNvPr id="11" name="Content Placeholder 10"/>
-          <p:cNvPicPr>
-            <a:picLocks noGrp="1" noChangeAspect="1"/>
-          </p:cNvPicPr>
-          <p:nvPr>
-            <p:ph idx="1"/>
-          </p:nvPr>
-        </p:nvPicPr>
-        <p:blipFill>
-          <a:blip r:embed="rId2"/>
-          <a:stretch>
-            <a:fillRect/>
-          </a:stretch>
-        </p:blipFill>
-        <p:spPr>
-          <a:xfrm>
-            <a:off x="4213860" y="1459865"/>
-            <a:ext cx="3763645" cy="4437380"/>
-          </a:xfrm>
-          <a:prstGeom prst="rect">
-            <a:avLst/>
-          </a:prstGeom>
-        </p:spPr>
-      </p:pic>
+          <a:p>
+            <a:r>
+              <a:rPr lang="en-GB" sz="1800" dirty="0">
+                <a:solidFill>
+                  <a:srgbClr val="61A5C2"/>
+                </a:solidFill>
+                <a:latin typeface="Calibri" charset="0"/>
+              </a:rPr>
+              <a:t>Efficiency:</a:t>
+            </a:r>
+          </a:p>
+          <a:p>
+            <a:pPr lvl="1"/>
+            <a:r>
+              <a:rPr lang="en-GB" sz="1600" dirty="0">
+                <a:solidFill>
+                  <a:srgbClr val="61A5C2"/>
+                </a:solidFill>
+                <a:latin typeface="Calibri" charset="0"/>
+              </a:rPr>
+              <a:t>parallelisation is necessary for application on bigger datasets</a:t>
+            </a:r>
+            <a:endParaRPr lang="en-GB" sz="1400" dirty="0">
+              <a:solidFill>
+                <a:srgbClr val="61A5C2"/>
+              </a:solidFill>
+              <a:latin typeface="Calibri" charset="0"/>
+            </a:endParaRPr>
+          </a:p>
+          <a:p>
+            <a:pPr lvl="1"/>
+            <a:r>
+              <a:rPr lang="en-GB" sz="1600" dirty="0">
+                <a:solidFill>
+                  <a:srgbClr val="61A5C2"/>
+                </a:solidFill>
+                <a:latin typeface="Calibri" charset="0"/>
+              </a:rPr>
+              <a:t>Scikit-Learn is very efficient; bigger difference in efficiency, not effectiveness</a:t>
+            </a:r>
+          </a:p>
+          <a:p>
+            <a:pPr lvl="1"/>
+            <a:r>
+              <a:rPr lang="en-GB" sz="1600" dirty="0" err="1">
+                <a:solidFill>
+                  <a:srgbClr val="61A5C2"/>
+                </a:solidFill>
+                <a:latin typeface="Calibri" charset="0"/>
+              </a:rPr>
+              <a:t>kNN</a:t>
+            </a:r>
+            <a:r>
+              <a:rPr lang="en-GB" sz="1600" dirty="0">
+                <a:solidFill>
+                  <a:srgbClr val="61A5C2"/>
+                </a:solidFill>
+                <a:latin typeface="Calibri" charset="0"/>
+              </a:rPr>
+              <a:t> is very fast, but lacks in effectiveness</a:t>
+            </a:r>
+          </a:p>
+          <a:p>
+            <a:pPr lvl="2"/>
+            <a:r>
+              <a:rPr lang="en-GB" dirty="0">
+                <a:solidFill>
+                  <a:srgbClr val="61A5C2"/>
+                </a:solidFill>
+                <a:latin typeface="Calibri" charset="0"/>
+              </a:rPr>
+              <a:t>even a single regression tree outperforms it</a:t>
+            </a:r>
+          </a:p>
+          <a:p>
+            <a:pPr lvl="2"/>
+            <a:r>
+              <a:rPr lang="en-GB" dirty="0">
+                <a:solidFill>
+                  <a:srgbClr val="61A5C2"/>
+                </a:solidFill>
+                <a:latin typeface="Calibri" charset="0"/>
+              </a:rPr>
+              <a:t>Interestingly the metric had a very big influence</a:t>
+            </a:r>
+          </a:p>
+        </p:txBody>
+      </p:sp>
     </p:spTree>
+    <p:extLst>
+      <p:ext uri="{BB962C8B-B14F-4D97-AF65-F5344CB8AC3E}">
+        <p14:creationId xmlns:p14="http://schemas.microsoft.com/office/powerpoint/2010/main" val="2885314201"/>
+      </p:ext>
+    </p:extLst>
   </p:cSld>
   <p:clrMapOvr>
     <a:masterClrMapping/>
@@ -5580,949 +4100,6 @@
 </p:sld>
 </file>
 
-<file path=ppt/slides/slide20.xml><?xml version="1.0" encoding="utf-8"?>
-<p:sld xmlns:a="http://schemas.openxmlformats.org/drawingml/2006/main" xmlns:r="http://schemas.openxmlformats.org/officeDocument/2006/relationships" xmlns:p="http://schemas.openxmlformats.org/presentationml/2006/main">
-  <p:cSld>
-    <p:spTree>
-      <p:nvGrpSpPr>
-        <p:cNvPr id="1" name=""/>
-        <p:cNvGrpSpPr/>
-        <p:nvPr/>
-      </p:nvGrpSpPr>
-      <p:grpSpPr>
-        <a:xfrm>
-          <a:off x="0" y="0"/>
-          <a:ext cx="0" cy="0"/>
-          <a:chOff x="0" y="0"/>
-          <a:chExt cx="0" cy="0"/>
-        </a:xfrm>
-      </p:grpSpPr>
-      <p:sp>
-        <p:nvSpPr>
-          <p:cNvPr id="2" name="Title 1"/>
-          <p:cNvSpPr>
-            <a:spLocks noGrp="1"/>
-          </p:cNvSpPr>
-          <p:nvPr>
-            <p:ph type="title"/>
-          </p:nvPr>
-        </p:nvSpPr>
-        <p:spPr/>
-        <p:txBody>
-          <a:bodyPr/>
-          <a:lstStyle/>
-          <a:p>
-            <a:pPr algn="ctr" fontAlgn="auto"/>
-            <a:r>
-              <a:rPr lang="de-DE" altLang="en-US">
-                <a:solidFill>
-                  <a:srgbClr val="61A5C2"/>
-                </a:solidFill>
-                <a:latin typeface="Calibri" charset="0"/>
-              </a:rPr>
-              <a:t>Relative Squared Error - Superconductivity Dataset</a:t>
-            </a:r>
-          </a:p>
-        </p:txBody>
-      </p:sp>
-      <p:pic>
-        <p:nvPicPr>
-          <p:cNvPr id="4" name="Content Placeholder 3"/>
-          <p:cNvPicPr>
-            <a:picLocks noGrp="1" noChangeAspect="1"/>
-          </p:cNvPicPr>
-          <p:nvPr>
-            <p:ph idx="1"/>
-          </p:nvPr>
-        </p:nvPicPr>
-        <p:blipFill>
-          <a:blip r:embed="rId2"/>
-          <a:stretch>
-            <a:fillRect/>
-          </a:stretch>
-        </p:blipFill>
-        <p:spPr>
-          <a:xfrm>
-            <a:off x="2270125" y="1825625"/>
-            <a:ext cx="7270115" cy="4351655"/>
-          </a:xfrm>
-          <a:prstGeom prst="rect">
-            <a:avLst/>
-          </a:prstGeom>
-        </p:spPr>
-      </p:pic>
-    </p:spTree>
-  </p:cSld>
-  <p:clrMapOvr>
-    <a:masterClrMapping/>
-  </p:clrMapOvr>
-</p:sld>
-</file>
-
-<file path=ppt/slides/slide21.xml><?xml version="1.0" encoding="utf-8"?>
-<p:sld xmlns:a="http://schemas.openxmlformats.org/drawingml/2006/main" xmlns:r="http://schemas.openxmlformats.org/officeDocument/2006/relationships" xmlns:p="http://schemas.openxmlformats.org/presentationml/2006/main">
-  <p:cSld>
-    <p:spTree>
-      <p:nvGrpSpPr>
-        <p:cNvPr id="1" name=""/>
-        <p:cNvGrpSpPr/>
-        <p:nvPr/>
-      </p:nvGrpSpPr>
-      <p:grpSpPr>
-        <a:xfrm>
-          <a:off x="0" y="0"/>
-          <a:ext cx="0" cy="0"/>
-          <a:chOff x="0" y="0"/>
-          <a:chExt cx="0" cy="0"/>
-        </a:xfrm>
-      </p:grpSpPr>
-      <p:sp>
-        <p:nvSpPr>
-          <p:cNvPr id="2" name="Titel 1"/>
-          <p:cNvSpPr>
-            <a:spLocks noGrp="1"/>
-          </p:cNvSpPr>
-          <p:nvPr>
-            <p:ph type="title"/>
-          </p:nvPr>
-        </p:nvSpPr>
-        <p:spPr>
-          <a:xfrm>
-            <a:off x="838200" y="134157"/>
-            <a:ext cx="10515600" cy="1325563"/>
-          </a:xfrm>
-        </p:spPr>
-        <p:txBody>
-          <a:bodyPr/>
-          <a:lstStyle/>
-          <a:p>
-            <a:pPr algn="ctr"/>
-            <a:r>
-              <a:rPr lang="de-AT" dirty="0" err="1">
-                <a:solidFill>
-                  <a:srgbClr val="61A5C2"/>
-                </a:solidFill>
-                <a:latin typeface="Calibri" charset="0"/>
-              </a:rPr>
-              <a:t>Sensitivity</a:t>
-            </a:r>
-            <a:r>
-              <a:rPr lang="de-AT" dirty="0">
-                <a:solidFill>
-                  <a:srgbClr val="61A5C2"/>
-                </a:solidFill>
-                <a:latin typeface="Calibri" charset="0"/>
-              </a:rPr>
-              <a:t> Plots – </a:t>
-            </a:r>
-            <a:r>
-              <a:rPr lang="de-AT" dirty="0" err="1">
-                <a:solidFill>
-                  <a:srgbClr val="61A5C2"/>
-                </a:solidFill>
-                <a:latin typeface="Calibri" charset="0"/>
-              </a:rPr>
-              <a:t>Superconductivity</a:t>
-            </a:r>
-            <a:r>
-              <a:rPr lang="de-AT" dirty="0">
-                <a:solidFill>
-                  <a:srgbClr val="61A5C2"/>
-                </a:solidFill>
-                <a:latin typeface="Calibri" charset="0"/>
-              </a:rPr>
-              <a:t> Dataset </a:t>
-            </a:r>
-            <a:br>
-              <a:rPr lang="de-AT" dirty="0">
-                <a:solidFill>
-                  <a:srgbClr val="61A5C2"/>
-                </a:solidFill>
-                <a:latin typeface="Calibri" charset="0"/>
-              </a:rPr>
-            </a:br>
-            <a:r>
-              <a:rPr lang="de-AT" dirty="0" err="1">
-                <a:solidFill>
-                  <a:srgbClr val="61A5C2"/>
-                </a:solidFill>
-                <a:latin typeface="Calibri" charset="0"/>
-              </a:rPr>
-              <a:t>min_samples_split</a:t>
-            </a:r>
-            <a:r>
-              <a:rPr lang="de-AT" dirty="0">
-                <a:solidFill>
-                  <a:srgbClr val="61A5C2"/>
-                </a:solidFill>
-                <a:latin typeface="Calibri" charset="0"/>
-              </a:rPr>
-              <a:t>, </a:t>
-            </a:r>
-            <a:r>
-              <a:rPr lang="de-AT" dirty="0" err="1">
-                <a:solidFill>
-                  <a:srgbClr val="61A5C2"/>
-                </a:solidFill>
-                <a:latin typeface="Calibri" charset="0"/>
-              </a:rPr>
-              <a:t>nb_estimators</a:t>
-            </a:r>
-            <a:r>
-              <a:rPr lang="de-AT" dirty="0">
-                <a:solidFill>
-                  <a:srgbClr val="61A5C2"/>
-                </a:solidFill>
-                <a:latin typeface="Calibri" charset="0"/>
-              </a:rPr>
-              <a:t>/</a:t>
-            </a:r>
-            <a:r>
-              <a:rPr lang="de-AT" dirty="0" err="1">
-                <a:solidFill>
-                  <a:srgbClr val="61A5C2"/>
-                </a:solidFill>
-                <a:latin typeface="Calibri" charset="0"/>
-              </a:rPr>
-              <a:t>trees</a:t>
-            </a:r>
-            <a:endParaRPr lang="de-AT" dirty="0">
-              <a:solidFill>
-                <a:srgbClr val="61A5C2"/>
-              </a:solidFill>
-              <a:latin typeface="Calibri" charset="0"/>
-            </a:endParaRPr>
-          </a:p>
-        </p:txBody>
-      </p:sp>
-      <p:sp>
-        <p:nvSpPr>
-          <p:cNvPr id="4" name="Textfeld 3"/>
-          <p:cNvSpPr txBox="1"/>
-          <p:nvPr/>
-        </p:nvSpPr>
-        <p:spPr>
-          <a:xfrm>
-            <a:off x="1764660" y="1256885"/>
-            <a:ext cx="2432845" cy="400110"/>
-          </a:xfrm>
-          <a:prstGeom prst="rect">
-            <a:avLst/>
-          </a:prstGeom>
-          <a:noFill/>
-        </p:spPr>
-        <p:txBody>
-          <a:bodyPr wrap="none" rtlCol="0">
-            <a:spAutoFit/>
-          </a:bodyPr>
-          <a:lstStyle/>
-          <a:p>
-            <a:pPr algn="ctr"/>
-            <a:r>
-              <a:rPr lang="de-AT" sz="2000" b="1" dirty="0" err="1">
-                <a:solidFill>
-                  <a:srgbClr val="61A5C2"/>
-                </a:solidFill>
-                <a:effectLst>
-                  <a:outerShdw blurRad="38100" dist="38100" dir="2700000" algn="tl">
-                    <a:srgbClr val="000000">
-                      <a:alpha val="43137"/>
-                    </a:srgbClr>
-                  </a:outerShdw>
-                </a:effectLst>
-                <a:latin typeface="Calibri" charset="0"/>
-                <a:ea typeface="+mj-ea"/>
-                <a:cs typeface="+mj-cs"/>
-              </a:rPr>
-              <a:t>Our</a:t>
-            </a:r>
-            <a:r>
-              <a:rPr lang="de-AT" sz="2000" b="1" dirty="0">
-                <a:solidFill>
-                  <a:srgbClr val="61A5C2"/>
-                </a:solidFill>
-                <a:effectLst>
-                  <a:outerShdw blurRad="38100" dist="38100" dir="2700000" algn="tl">
-                    <a:srgbClr val="000000">
-                      <a:alpha val="43137"/>
-                    </a:srgbClr>
-                  </a:outerShdw>
-                </a:effectLst>
-                <a:latin typeface="Calibri" charset="0"/>
-                <a:ea typeface="+mj-ea"/>
-                <a:cs typeface="+mj-cs"/>
-              </a:rPr>
-              <a:t> Implementation</a:t>
-            </a:r>
-          </a:p>
-        </p:txBody>
-      </p:sp>
-      <p:sp>
-        <p:nvSpPr>
-          <p:cNvPr id="5" name="Textfeld 4"/>
-          <p:cNvSpPr txBox="1"/>
-          <p:nvPr/>
-        </p:nvSpPr>
-        <p:spPr>
-          <a:xfrm>
-            <a:off x="8067700" y="1256885"/>
-            <a:ext cx="1069524" cy="400110"/>
-          </a:xfrm>
-          <a:prstGeom prst="rect">
-            <a:avLst/>
-          </a:prstGeom>
-          <a:noFill/>
-        </p:spPr>
-        <p:txBody>
-          <a:bodyPr wrap="none" rtlCol="0">
-            <a:spAutoFit/>
-          </a:bodyPr>
-          <a:lstStyle/>
-          <a:p>
-            <a:pPr algn="ctr"/>
-            <a:r>
-              <a:rPr lang="de-AT" sz="2000" b="1" dirty="0" err="1">
-                <a:solidFill>
-                  <a:srgbClr val="61A5C2"/>
-                </a:solidFill>
-                <a:effectLst>
-                  <a:outerShdw blurRad="38100" dist="38100" dir="2700000" algn="tl">
-                    <a:srgbClr val="000000">
-                      <a:alpha val="43137"/>
-                    </a:srgbClr>
-                  </a:outerShdw>
-                </a:effectLst>
-                <a:latin typeface="Calibri" charset="0"/>
-                <a:ea typeface="+mj-ea"/>
-                <a:cs typeface="+mj-cs"/>
-              </a:rPr>
-              <a:t>Scikit</a:t>
-            </a:r>
-            <a:r>
-              <a:rPr lang="de-AT" sz="2000" b="1" dirty="0">
-                <a:solidFill>
-                  <a:srgbClr val="61A5C2"/>
-                </a:solidFill>
-                <a:effectLst>
-                  <a:outerShdw blurRad="38100" dist="38100" dir="2700000" algn="tl">
-                    <a:srgbClr val="000000">
-                      <a:alpha val="43137"/>
-                    </a:srgbClr>
-                  </a:outerShdw>
-                </a:effectLst>
-                <a:latin typeface="Calibri" charset="0"/>
-                <a:ea typeface="+mj-ea"/>
-                <a:cs typeface="+mj-cs"/>
-              </a:rPr>
-              <a:t> RF</a:t>
-            </a:r>
-          </a:p>
-        </p:txBody>
-      </p:sp>
-      <p:sp>
-        <p:nvSpPr>
-          <p:cNvPr id="7" name="Rechteck 6"/>
-          <p:cNvSpPr/>
-          <p:nvPr/>
-        </p:nvSpPr>
-        <p:spPr>
-          <a:xfrm>
-            <a:off x="1047565" y="1730153"/>
-            <a:ext cx="3870664" cy="4993690"/>
-          </a:xfrm>
-          <a:prstGeom prst="rect">
-            <a:avLst/>
-          </a:prstGeom>
-        </p:spPr>
-        <p:style>
-          <a:lnRef idx="2">
-            <a:schemeClr val="dk1"/>
-          </a:lnRef>
-          <a:fillRef idx="1">
-            <a:schemeClr val="lt1"/>
-          </a:fillRef>
-          <a:effectRef idx="0">
-            <a:schemeClr val="dk1"/>
-          </a:effectRef>
-          <a:fontRef idx="minor">
-            <a:schemeClr val="dk1"/>
-          </a:fontRef>
-        </p:style>
-        <p:txBody>
-          <a:bodyPr rtlCol="0" anchor="ctr"/>
-          <a:lstStyle/>
-          <a:p>
-            <a:pPr algn="ctr"/>
-            <a:endParaRPr lang="en-US"/>
-          </a:p>
-        </p:txBody>
-      </p:sp>
-      <p:sp>
-        <p:nvSpPr>
-          <p:cNvPr id="8" name="Rechteck 7"/>
-          <p:cNvSpPr/>
-          <p:nvPr/>
-        </p:nvSpPr>
-        <p:spPr>
-          <a:xfrm>
-            <a:off x="6596109" y="1730153"/>
-            <a:ext cx="4012707" cy="4993690"/>
-          </a:xfrm>
-          <a:prstGeom prst="rect">
-            <a:avLst/>
-          </a:prstGeom>
-        </p:spPr>
-        <p:style>
-          <a:lnRef idx="2">
-            <a:schemeClr val="dk1"/>
-          </a:lnRef>
-          <a:fillRef idx="1">
-            <a:schemeClr val="lt1"/>
-          </a:fillRef>
-          <a:effectRef idx="0">
-            <a:schemeClr val="dk1"/>
-          </a:effectRef>
-          <a:fontRef idx="minor">
-            <a:schemeClr val="dk1"/>
-          </a:fontRef>
-        </p:style>
-        <p:txBody>
-          <a:bodyPr rtlCol="0" anchor="ctr"/>
-          <a:lstStyle/>
-          <a:p>
-            <a:pPr algn="ctr"/>
-            <a:endParaRPr lang="en-US"/>
-          </a:p>
-        </p:txBody>
-      </p:sp>
-      <p:pic>
-        <p:nvPicPr>
-          <p:cNvPr id="11" name="Grafik 10"/>
-          <p:cNvPicPr>
-            <a:picLocks noChangeAspect="1"/>
-          </p:cNvPicPr>
-          <p:nvPr/>
-        </p:nvPicPr>
-        <p:blipFill>
-          <a:blip r:embed="rId2"/>
-          <a:stretch>
-            <a:fillRect/>
-          </a:stretch>
-        </p:blipFill>
-        <p:spPr>
-          <a:xfrm>
-            <a:off x="1265878" y="1812381"/>
-            <a:ext cx="3430410" cy="2385575"/>
-          </a:xfrm>
-          <a:prstGeom prst="rect">
-            <a:avLst/>
-          </a:prstGeom>
-        </p:spPr>
-      </p:pic>
-      <p:pic>
-        <p:nvPicPr>
-          <p:cNvPr id="13" name="Grafik 12"/>
-          <p:cNvPicPr>
-            <a:picLocks noChangeAspect="1"/>
-          </p:cNvPicPr>
-          <p:nvPr/>
-        </p:nvPicPr>
-        <p:blipFill>
-          <a:blip r:embed="rId3"/>
-          <a:stretch>
-            <a:fillRect/>
-          </a:stretch>
-        </p:blipFill>
-        <p:spPr>
-          <a:xfrm>
-            <a:off x="1266530" y="4197956"/>
-            <a:ext cx="3429758" cy="2385575"/>
-          </a:xfrm>
-          <a:prstGeom prst="rect">
-            <a:avLst/>
-          </a:prstGeom>
-        </p:spPr>
-      </p:pic>
-      <p:pic>
-        <p:nvPicPr>
-          <p:cNvPr id="15" name="Grafik 14"/>
-          <p:cNvPicPr>
-            <a:picLocks noChangeAspect="1"/>
-          </p:cNvPicPr>
-          <p:nvPr/>
-        </p:nvPicPr>
-        <p:blipFill>
-          <a:blip r:embed="rId4"/>
-          <a:stretch>
-            <a:fillRect/>
-          </a:stretch>
-        </p:blipFill>
-        <p:spPr>
-          <a:xfrm>
-            <a:off x="6848153" y="1831844"/>
-            <a:ext cx="3489176" cy="2433381"/>
-          </a:xfrm>
-          <a:prstGeom prst="rect">
-            <a:avLst/>
-          </a:prstGeom>
-        </p:spPr>
-      </p:pic>
-      <p:pic>
-        <p:nvPicPr>
-          <p:cNvPr id="17" name="Grafik 16"/>
-          <p:cNvPicPr>
-            <a:picLocks noChangeAspect="1"/>
-          </p:cNvPicPr>
-          <p:nvPr/>
-        </p:nvPicPr>
-        <p:blipFill>
-          <a:blip r:embed="rId5"/>
-          <a:stretch>
-            <a:fillRect/>
-          </a:stretch>
-        </p:blipFill>
-        <p:spPr>
-          <a:xfrm>
-            <a:off x="6872081" y="4320214"/>
-            <a:ext cx="3441319" cy="2403629"/>
-          </a:xfrm>
-          <a:prstGeom prst="rect">
-            <a:avLst/>
-          </a:prstGeom>
-        </p:spPr>
-      </p:pic>
-    </p:spTree>
-  </p:cSld>
-  <p:clrMapOvr>
-    <a:masterClrMapping/>
-  </p:clrMapOvr>
-</p:sld>
-</file>
-
-<file path=ppt/slides/slide22.xml><?xml version="1.0" encoding="utf-8"?>
-<p:sld xmlns:a="http://schemas.openxmlformats.org/drawingml/2006/main" xmlns:r="http://schemas.openxmlformats.org/officeDocument/2006/relationships" xmlns:p="http://schemas.openxmlformats.org/presentationml/2006/main">
-  <p:cSld>
-    <p:spTree>
-      <p:nvGrpSpPr>
-        <p:cNvPr id="1" name=""/>
-        <p:cNvGrpSpPr/>
-        <p:nvPr/>
-      </p:nvGrpSpPr>
-      <p:grpSpPr>
-        <a:xfrm>
-          <a:off x="0" y="0"/>
-          <a:ext cx="0" cy="0"/>
-          <a:chOff x="0" y="0"/>
-          <a:chExt cx="0" cy="0"/>
-        </a:xfrm>
-      </p:grpSpPr>
-      <p:sp>
-        <p:nvSpPr>
-          <p:cNvPr id="2" name="Title 1"/>
-          <p:cNvSpPr>
-            <a:spLocks noGrp="1"/>
-          </p:cNvSpPr>
-          <p:nvPr>
-            <p:ph type="title"/>
-          </p:nvPr>
-        </p:nvSpPr>
-        <p:spPr/>
-        <p:txBody>
-          <a:bodyPr/>
-          <a:lstStyle/>
-          <a:p>
-            <a:pPr algn="ctr" fontAlgn="auto"/>
-            <a:r>
-              <a:rPr lang="de-DE" altLang="en-US" dirty="0" err="1">
-                <a:solidFill>
-                  <a:srgbClr val="61A5C2"/>
-                </a:solidFill>
-                <a:latin typeface="Calibri" charset="0"/>
-              </a:rPr>
-              <a:t>Runtime</a:t>
-            </a:r>
-            <a:r>
-              <a:rPr lang="de-DE" altLang="en-US" dirty="0">
-                <a:solidFill>
-                  <a:srgbClr val="61A5C2"/>
-                </a:solidFill>
-                <a:latin typeface="Calibri" charset="0"/>
-              </a:rPr>
-              <a:t> – </a:t>
-            </a:r>
-            <a:r>
-              <a:rPr lang="de-DE" altLang="en-US" dirty="0" err="1">
-                <a:solidFill>
-                  <a:srgbClr val="61A5C2"/>
-                </a:solidFill>
-                <a:latin typeface="Calibri" charset="0"/>
-              </a:rPr>
-              <a:t>Superconductivity</a:t>
-            </a:r>
-            <a:r>
-              <a:rPr lang="de-DE" altLang="en-US" dirty="0">
-                <a:solidFill>
-                  <a:srgbClr val="61A5C2"/>
-                </a:solidFill>
-                <a:latin typeface="Calibri" charset="0"/>
-              </a:rPr>
-              <a:t> Dataset</a:t>
-            </a:r>
-          </a:p>
-        </p:txBody>
-      </p:sp>
-      <p:pic>
-        <p:nvPicPr>
-          <p:cNvPr id="4" name="Content Placeholder 3"/>
-          <p:cNvPicPr>
-            <a:picLocks noGrp="1" noChangeAspect="1"/>
-          </p:cNvPicPr>
-          <p:nvPr>
-            <p:ph idx="1"/>
-          </p:nvPr>
-        </p:nvPicPr>
-        <p:blipFill>
-          <a:blip r:embed="rId2"/>
-          <a:stretch>
-            <a:fillRect/>
-          </a:stretch>
-        </p:blipFill>
-        <p:spPr>
-          <a:xfrm>
-            <a:off x="3442970" y="3067685"/>
-            <a:ext cx="4924425" cy="1866900"/>
-          </a:xfrm>
-          <a:prstGeom prst="rect">
-            <a:avLst/>
-          </a:prstGeom>
-        </p:spPr>
-      </p:pic>
-    </p:spTree>
-  </p:cSld>
-  <p:clrMapOvr>
-    <a:masterClrMapping/>
-  </p:clrMapOvr>
-</p:sld>
-</file>
-
-<file path=ppt/slides/slide23.xml><?xml version="1.0" encoding="utf-8"?>
-<p:sld xmlns:a="http://schemas.openxmlformats.org/drawingml/2006/main" xmlns:r="http://schemas.openxmlformats.org/officeDocument/2006/relationships" xmlns:p="http://schemas.openxmlformats.org/presentationml/2006/main">
-  <p:cSld>
-    <p:spTree>
-      <p:nvGrpSpPr>
-        <p:cNvPr id="1" name="">
-          <a:extLst>
-            <a:ext uri="{FF2B5EF4-FFF2-40B4-BE49-F238E27FC236}">
-              <a16:creationId xmlns:a16="http://schemas.microsoft.com/office/drawing/2014/main" id="{9E93301C-F36B-6ECA-8D1D-62A89FA7A359}"/>
-            </a:ext>
-          </a:extLst>
-        </p:cNvPr>
-        <p:cNvGrpSpPr/>
-        <p:nvPr/>
-      </p:nvGrpSpPr>
-      <p:grpSpPr>
-        <a:xfrm>
-          <a:off x="0" y="0"/>
-          <a:ext cx="0" cy="0"/>
-          <a:chOff x="0" y="0"/>
-          <a:chExt cx="0" cy="0"/>
-        </a:xfrm>
-      </p:grpSpPr>
-      <p:sp>
-        <p:nvSpPr>
-          <p:cNvPr id="2" name="Titel 1">
-            <a:extLst>
-              <a:ext uri="{FF2B5EF4-FFF2-40B4-BE49-F238E27FC236}">
-                <a16:creationId xmlns:a16="http://schemas.microsoft.com/office/drawing/2014/main" id="{0906D398-1A48-055F-E330-9ED83DB6DE95}"/>
-              </a:ext>
-            </a:extLst>
-          </p:cNvPr>
-          <p:cNvSpPr>
-            <a:spLocks noGrp="1"/>
-          </p:cNvSpPr>
-          <p:nvPr>
-            <p:ph type="title"/>
-          </p:nvPr>
-        </p:nvSpPr>
-        <p:spPr>
-          <a:xfrm>
-            <a:off x="647700" y="283845"/>
-            <a:ext cx="10515600" cy="1325563"/>
-          </a:xfrm>
-        </p:spPr>
-        <p:txBody>
-          <a:bodyPr/>
-          <a:lstStyle/>
-          <a:p>
-            <a:pPr algn="ctr"/>
-            <a:r>
-              <a:rPr lang="de-DE" altLang="en-US" dirty="0" err="1">
-                <a:solidFill>
-                  <a:srgbClr val="61A5C2"/>
-                </a:solidFill>
-                <a:latin typeface="Calibri" charset="0"/>
-              </a:rPr>
-              <a:t>Conclusion</a:t>
-            </a:r>
-            <a:r>
-              <a:rPr lang="de-DE" altLang="en-US" dirty="0">
-                <a:solidFill>
-                  <a:srgbClr val="61A5C2"/>
-                </a:solidFill>
-                <a:latin typeface="Calibri" charset="0"/>
-              </a:rPr>
-              <a:t> – Key Takeaways</a:t>
-            </a:r>
-            <a:endParaRPr lang="en-AT" dirty="0"/>
-          </a:p>
-        </p:txBody>
-      </p:sp>
-      <p:sp>
-        <p:nvSpPr>
-          <p:cNvPr id="3" name="Inhaltsplatzhalter 2">
-            <a:extLst>
-              <a:ext uri="{FF2B5EF4-FFF2-40B4-BE49-F238E27FC236}">
-                <a16:creationId xmlns:a16="http://schemas.microsoft.com/office/drawing/2014/main" id="{92AECB86-0977-EB92-9AF0-B0A5B11A3974}"/>
-              </a:ext>
-            </a:extLst>
-          </p:cNvPr>
-          <p:cNvSpPr>
-            <a:spLocks noGrp="1"/>
-          </p:cNvSpPr>
-          <p:nvPr>
-            <p:ph idx="1"/>
-          </p:nvPr>
-        </p:nvSpPr>
-        <p:spPr>
-          <a:xfrm>
-            <a:off x="1877483" y="1765488"/>
-            <a:ext cx="8056033" cy="4351338"/>
-          </a:xfrm>
-        </p:spPr>
-        <p:txBody>
-          <a:bodyPr/>
-          <a:lstStyle/>
-          <a:p>
-            <a:pPr marL="457200" lvl="1" indent="0">
-              <a:buNone/>
-            </a:pPr>
-            <a:endParaRPr lang="en-GB" sz="1400" dirty="0">
-              <a:solidFill>
-                <a:srgbClr val="61A5C2"/>
-              </a:solidFill>
-              <a:latin typeface="Calibri" charset="0"/>
-            </a:endParaRPr>
-          </a:p>
-          <a:p>
-            <a:r>
-              <a:rPr lang="en-GB" sz="1800" dirty="0">
-                <a:solidFill>
-                  <a:srgbClr val="61A5C2"/>
-                </a:solidFill>
-                <a:latin typeface="Calibri" charset="0"/>
-              </a:rPr>
-              <a:t>Performance:</a:t>
-            </a:r>
-          </a:p>
-          <a:p>
-            <a:pPr lvl="1"/>
-            <a:r>
-              <a:rPr lang="en-GB" sz="1600" dirty="0">
-                <a:solidFill>
-                  <a:srgbClr val="61A5C2"/>
-                </a:solidFill>
-                <a:latin typeface="Calibri" charset="0"/>
-              </a:rPr>
-              <a:t>implementing the </a:t>
-            </a:r>
-            <a:r>
-              <a:rPr lang="en-GB" sz="1600" dirty="0" err="1">
-                <a:solidFill>
-                  <a:srgbClr val="61A5C2"/>
-                </a:solidFill>
-                <a:latin typeface="Calibri" charset="0"/>
-              </a:rPr>
-              <a:t>max_features</a:t>
-            </a:r>
-            <a:r>
-              <a:rPr lang="en-GB" sz="1600" dirty="0">
-                <a:solidFill>
-                  <a:srgbClr val="61A5C2"/>
-                </a:solidFill>
-                <a:latin typeface="Calibri" charset="0"/>
-              </a:rPr>
-              <a:t> functionality boosts both efficiency and effectiveness</a:t>
-            </a:r>
-          </a:p>
-          <a:p>
-            <a:pPr lvl="2"/>
-            <a:r>
-              <a:rPr lang="en-GB" dirty="0">
-                <a:solidFill>
-                  <a:srgbClr val="61A5C2"/>
-                </a:solidFill>
-                <a:latin typeface="Calibri" charset="0"/>
-              </a:rPr>
-              <a:t>especially choosing a random subset at every node</a:t>
-            </a:r>
-          </a:p>
-          <a:p>
-            <a:pPr lvl="2"/>
-            <a:r>
-              <a:rPr lang="en-GB" dirty="0">
-                <a:solidFill>
-                  <a:srgbClr val="61A5C2"/>
-                </a:solidFill>
-                <a:latin typeface="Calibri" charset="0"/>
-              </a:rPr>
-              <a:t>biggest difference between LLM  and our/Scikit’s RF</a:t>
-            </a:r>
-          </a:p>
-          <a:p>
-            <a:pPr lvl="1"/>
-            <a:r>
-              <a:rPr lang="en-GB" sz="1600" dirty="0">
-                <a:solidFill>
-                  <a:srgbClr val="61A5C2"/>
-                </a:solidFill>
-                <a:latin typeface="Calibri" charset="0"/>
-              </a:rPr>
-              <a:t>randomising the subsets of instances for each tree improves performance</a:t>
-            </a:r>
-          </a:p>
-          <a:p>
-            <a:pPr lvl="1"/>
-            <a:r>
-              <a:rPr lang="en-GB" sz="1600" dirty="0" err="1">
-                <a:solidFill>
-                  <a:srgbClr val="61A5C2"/>
-                </a:solidFill>
-                <a:latin typeface="Calibri" charset="0"/>
-              </a:rPr>
-              <a:t>min_samples_split</a:t>
-            </a:r>
-            <a:r>
-              <a:rPr lang="en-GB" sz="1600" dirty="0">
-                <a:solidFill>
-                  <a:srgbClr val="61A5C2"/>
-                </a:solidFill>
-                <a:latin typeface="Calibri" charset="0"/>
-              </a:rPr>
-              <a:t> can have a big influence depending on the implementation</a:t>
-            </a:r>
-          </a:p>
-          <a:p>
-            <a:pPr marL="457200" lvl="1" indent="0">
-              <a:buNone/>
-            </a:pPr>
-            <a:endParaRPr lang="en-GB" sz="1600" dirty="0">
-              <a:solidFill>
-                <a:srgbClr val="61A5C2"/>
-              </a:solidFill>
-              <a:latin typeface="Calibri" charset="0"/>
-            </a:endParaRPr>
-          </a:p>
-          <a:p>
-            <a:r>
-              <a:rPr lang="en-GB" sz="1800" dirty="0">
-                <a:solidFill>
-                  <a:srgbClr val="61A5C2"/>
-                </a:solidFill>
-                <a:latin typeface="Calibri" charset="0"/>
-              </a:rPr>
-              <a:t>Efficiency:</a:t>
-            </a:r>
-          </a:p>
-          <a:p>
-            <a:pPr lvl="1"/>
-            <a:r>
-              <a:rPr lang="en-GB" sz="1600" dirty="0">
-                <a:solidFill>
-                  <a:srgbClr val="61A5C2"/>
-                </a:solidFill>
-                <a:latin typeface="Calibri" charset="0"/>
-              </a:rPr>
-              <a:t>parallelisation is necessary for application on bigger datasets</a:t>
-            </a:r>
-            <a:endParaRPr lang="en-GB" sz="1400" dirty="0">
-              <a:solidFill>
-                <a:srgbClr val="61A5C2"/>
-              </a:solidFill>
-              <a:latin typeface="Calibri" charset="0"/>
-            </a:endParaRPr>
-          </a:p>
-          <a:p>
-            <a:pPr lvl="1"/>
-            <a:r>
-              <a:rPr lang="en-GB" sz="1600" dirty="0">
-                <a:solidFill>
-                  <a:srgbClr val="61A5C2"/>
-                </a:solidFill>
-                <a:latin typeface="Calibri" charset="0"/>
-              </a:rPr>
-              <a:t>Scikit-Learn is very efficient; bigger difference in efficiency, not effectiveness</a:t>
-            </a:r>
-          </a:p>
-          <a:p>
-            <a:pPr lvl="1"/>
-            <a:r>
-              <a:rPr lang="en-GB" sz="1600" dirty="0" err="1">
-                <a:solidFill>
-                  <a:srgbClr val="61A5C2"/>
-                </a:solidFill>
-                <a:latin typeface="Calibri" charset="0"/>
-              </a:rPr>
-              <a:t>kNN</a:t>
-            </a:r>
-            <a:r>
-              <a:rPr lang="en-GB" sz="1600" dirty="0">
-                <a:solidFill>
-                  <a:srgbClr val="61A5C2"/>
-                </a:solidFill>
-                <a:latin typeface="Calibri" charset="0"/>
-              </a:rPr>
-              <a:t> is very fast, but lacks in effectiveness</a:t>
-            </a:r>
-          </a:p>
-          <a:p>
-            <a:pPr lvl="2"/>
-            <a:r>
-              <a:rPr lang="en-GB" dirty="0">
-                <a:solidFill>
-                  <a:srgbClr val="61A5C2"/>
-                </a:solidFill>
-                <a:latin typeface="Calibri" charset="0"/>
-              </a:rPr>
-              <a:t>even a single regression tree outperforms it</a:t>
-            </a:r>
-          </a:p>
-          <a:p>
-            <a:pPr lvl="2"/>
-            <a:r>
-              <a:rPr lang="en-GB" dirty="0">
-                <a:solidFill>
-                  <a:srgbClr val="61A5C2"/>
-                </a:solidFill>
-                <a:latin typeface="Calibri" charset="0"/>
-              </a:rPr>
-              <a:t>Interestingly the metric had a very big influence</a:t>
-            </a:r>
-          </a:p>
-        </p:txBody>
-      </p:sp>
-    </p:spTree>
-    <p:extLst>
-      <p:ext uri="{BB962C8B-B14F-4D97-AF65-F5344CB8AC3E}">
-        <p14:creationId xmlns:p14="http://schemas.microsoft.com/office/powerpoint/2010/main" val="2885314201"/>
-      </p:ext>
-    </p:extLst>
-  </p:cSld>
-  <p:clrMapOvr>
-    <a:masterClrMapping/>
-  </p:clrMapOvr>
-</p:sld>
-</file>
-
 <file path=ppt/slides/slide3.xml><?xml version="1.0" encoding="utf-8"?>
 <p:sld xmlns:a="http://schemas.openxmlformats.org/drawingml/2006/main" xmlns:r="http://schemas.openxmlformats.org/officeDocument/2006/relationships" xmlns:p="http://schemas.openxmlformats.org/presentationml/2006/main">
   <p:cSld>
@@ -6542,7 +4119,13 @@
       </p:grpSpPr>
       <p:sp>
         <p:nvSpPr>
-          <p:cNvPr id="2" name="Title 1"/>
+          <p:cNvPr id="2" name="Titel 1">
+            <a:extLst>
+              <a:ext uri="{FF2B5EF4-FFF2-40B4-BE49-F238E27FC236}">
+                <a16:creationId xmlns:a16="http://schemas.microsoft.com/office/drawing/2014/main" id="{78C1ED49-3585-C58D-2146-BBDDBBE1B751}"/>
+              </a:ext>
+            </a:extLst>
+          </p:cNvPr>
           <p:cNvSpPr>
             <a:spLocks noGrp="1"/>
           </p:cNvSpPr>
@@ -6555,6 +4138,669 @@
           <a:bodyPr/>
           <a:lstStyle/>
           <a:p>
+            <a:pPr algn="ctr"/>
+            <a:r>
+              <a:rPr lang="de-DE" altLang="en-US" dirty="0" err="1">
+                <a:solidFill>
+                  <a:srgbClr val="61A5C2"/>
+                </a:solidFill>
+                <a:latin typeface="Calibri" charset="0"/>
+              </a:rPr>
+              <a:t>Choosing</a:t>
+            </a:r>
+            <a:r>
+              <a:rPr lang="de-DE" altLang="en-US" dirty="0">
+                <a:solidFill>
+                  <a:srgbClr val="61A5C2"/>
+                </a:solidFill>
+                <a:latin typeface="Calibri" charset="0"/>
+              </a:rPr>
+              <a:t> </a:t>
+            </a:r>
+            <a:r>
+              <a:rPr lang="de-DE" altLang="en-US" dirty="0" err="1">
+                <a:solidFill>
+                  <a:srgbClr val="61A5C2"/>
+                </a:solidFill>
+                <a:latin typeface="Calibri" charset="0"/>
+              </a:rPr>
+              <a:t>next</a:t>
+            </a:r>
+            <a:r>
+              <a:rPr lang="de-DE" altLang="en-US" dirty="0">
+                <a:solidFill>
+                  <a:srgbClr val="61A5C2"/>
+                </a:solidFill>
+                <a:latin typeface="Calibri" charset="0"/>
+              </a:rPr>
+              <a:t> </a:t>
+            </a:r>
+            <a:r>
+              <a:rPr lang="de-DE" altLang="en-US" dirty="0" err="1">
+                <a:solidFill>
+                  <a:srgbClr val="61A5C2"/>
+                </a:solidFill>
+                <a:latin typeface="Calibri" charset="0"/>
+              </a:rPr>
+              <a:t>parameters</a:t>
+            </a:r>
+            <a:endParaRPr lang="de-AT" dirty="0"/>
+          </a:p>
+        </p:txBody>
+      </p:sp>
+      <p:sp>
+        <p:nvSpPr>
+          <p:cNvPr id="3" name="Inhaltsplatzhalter 2">
+            <a:extLst>
+              <a:ext uri="{FF2B5EF4-FFF2-40B4-BE49-F238E27FC236}">
+                <a16:creationId xmlns:a16="http://schemas.microsoft.com/office/drawing/2014/main" id="{48B97EE3-C457-7612-94C7-4F5498069992}"/>
+              </a:ext>
+            </a:extLst>
+          </p:cNvPr>
+          <p:cNvSpPr>
+            <a:spLocks noGrp="1"/>
+          </p:cNvSpPr>
+          <p:nvPr>
+            <p:ph idx="1"/>
+          </p:nvPr>
+        </p:nvSpPr>
+        <p:spPr>
+          <a:xfrm>
+            <a:off x="838200" y="1825625"/>
+            <a:ext cx="10515600" cy="4351338"/>
+          </a:xfrm>
+        </p:spPr>
+        <p:txBody>
+          <a:bodyPr>
+            <a:normAutofit/>
+          </a:bodyPr>
+          <a:lstStyle/>
+          <a:p>
+            <a:pPr>
+              <a:lnSpc>
+                <a:spcPct val="150000"/>
+              </a:lnSpc>
+            </a:pPr>
+            <a:r>
+              <a:rPr lang="de-AT" sz="2200" dirty="0" err="1">
+                <a:solidFill>
+                  <a:srgbClr val="61A5C2"/>
+                </a:solidFill>
+                <a:latin typeface="Calibri" charset="0"/>
+              </a:rPr>
+              <a:t>How</a:t>
+            </a:r>
+            <a:r>
+              <a:rPr lang="de-AT" sz="2200" dirty="0">
+                <a:solidFill>
+                  <a:srgbClr val="61A5C2"/>
+                </a:solidFill>
+                <a:latin typeface="Calibri" charset="0"/>
+              </a:rPr>
+              <a:t> </a:t>
+            </a:r>
+            <a:r>
+              <a:rPr lang="de-AT" sz="2200" dirty="0" err="1">
+                <a:solidFill>
+                  <a:srgbClr val="61A5C2"/>
+                </a:solidFill>
+                <a:latin typeface="Calibri" charset="0"/>
+              </a:rPr>
+              <a:t>to</a:t>
+            </a:r>
+            <a:r>
+              <a:rPr lang="de-AT" sz="2200" dirty="0">
+                <a:solidFill>
+                  <a:srgbClr val="61A5C2"/>
+                </a:solidFill>
+                <a:latin typeface="Calibri" charset="0"/>
+              </a:rPr>
+              <a:t> </a:t>
+            </a:r>
+            <a:r>
+              <a:rPr lang="de-AT" sz="2200" dirty="0" err="1">
+                <a:solidFill>
+                  <a:srgbClr val="61A5C2"/>
+                </a:solidFill>
+                <a:latin typeface="Calibri" charset="0"/>
+              </a:rPr>
+              <a:t>determine</a:t>
+            </a:r>
+            <a:r>
+              <a:rPr lang="de-AT" sz="2200" dirty="0">
+                <a:solidFill>
+                  <a:srgbClr val="61A5C2"/>
+                </a:solidFill>
+                <a:latin typeface="Calibri" charset="0"/>
+              </a:rPr>
+              <a:t> </a:t>
+            </a:r>
+            <a:r>
+              <a:rPr lang="de-AT" sz="2200" dirty="0" err="1">
+                <a:solidFill>
+                  <a:srgbClr val="61A5C2"/>
+                </a:solidFill>
+                <a:latin typeface="Calibri" charset="0"/>
+              </a:rPr>
+              <a:t>the</a:t>
+            </a:r>
+            <a:r>
+              <a:rPr lang="de-AT" sz="2200" dirty="0">
+                <a:solidFill>
+                  <a:srgbClr val="61A5C2"/>
+                </a:solidFill>
+                <a:latin typeface="Calibri" charset="0"/>
+              </a:rPr>
+              <a:t> </a:t>
+            </a:r>
+            <a:r>
+              <a:rPr lang="de-AT" sz="2200" dirty="0" err="1">
+                <a:solidFill>
+                  <a:srgbClr val="61A5C2"/>
+                </a:solidFill>
+                <a:latin typeface="Calibri" charset="0"/>
+              </a:rPr>
+              <a:t>neighbourhood</a:t>
+            </a:r>
+            <a:r>
+              <a:rPr lang="de-AT" sz="2200" dirty="0">
+                <a:solidFill>
+                  <a:srgbClr val="61A5C2"/>
+                </a:solidFill>
+                <a:latin typeface="Calibri" charset="0"/>
+              </a:rPr>
+              <a:t> </a:t>
+            </a:r>
+            <a:r>
+              <a:rPr lang="de-AT" sz="2200" dirty="0" err="1">
+                <a:solidFill>
+                  <a:srgbClr val="61A5C2"/>
+                </a:solidFill>
+                <a:latin typeface="Calibri" charset="0"/>
+              </a:rPr>
+              <a:t>of</a:t>
+            </a:r>
+            <a:r>
+              <a:rPr lang="de-AT" sz="2200" dirty="0">
+                <a:solidFill>
+                  <a:srgbClr val="61A5C2"/>
+                </a:solidFill>
+                <a:latin typeface="Calibri" charset="0"/>
+              </a:rPr>
+              <a:t> </a:t>
+            </a:r>
+            <a:r>
+              <a:rPr lang="de-AT" sz="2200" dirty="0" err="1">
+                <a:solidFill>
+                  <a:srgbClr val="61A5C2"/>
+                </a:solidFill>
+                <a:latin typeface="Calibri" charset="0"/>
+              </a:rPr>
+              <a:t>current</a:t>
+            </a:r>
+            <a:r>
+              <a:rPr lang="de-AT" sz="2200" dirty="0">
+                <a:solidFill>
+                  <a:srgbClr val="61A5C2"/>
+                </a:solidFill>
+                <a:latin typeface="Calibri" charset="0"/>
+              </a:rPr>
+              <a:t> </a:t>
+            </a:r>
+            <a:r>
+              <a:rPr lang="de-AT" sz="2200" dirty="0" err="1">
+                <a:solidFill>
+                  <a:srgbClr val="61A5C2"/>
+                </a:solidFill>
+                <a:latin typeface="Calibri" charset="0"/>
+              </a:rPr>
+              <a:t>parameters</a:t>
+            </a:r>
+            <a:r>
+              <a:rPr lang="de-AT" sz="2200" dirty="0">
+                <a:solidFill>
+                  <a:srgbClr val="61A5C2"/>
+                </a:solidFill>
+                <a:latin typeface="Calibri" charset="0"/>
+              </a:rPr>
+              <a:t>?</a:t>
+            </a:r>
+          </a:p>
+          <a:p>
+            <a:pPr>
+              <a:lnSpc>
+                <a:spcPct val="150000"/>
+              </a:lnSpc>
+            </a:pPr>
+            <a:r>
+              <a:rPr lang="de-AT" sz="2200" dirty="0" err="1">
+                <a:solidFill>
+                  <a:srgbClr val="61A5C2"/>
+                </a:solidFill>
+                <a:latin typeface="Calibri" charset="0"/>
+              </a:rPr>
+              <a:t>How</a:t>
+            </a:r>
+            <a:r>
+              <a:rPr lang="de-AT" sz="2200" dirty="0">
+                <a:solidFill>
+                  <a:srgbClr val="61A5C2"/>
+                </a:solidFill>
+                <a:latin typeface="Calibri" charset="0"/>
+              </a:rPr>
+              <a:t> do </a:t>
+            </a:r>
+            <a:r>
+              <a:rPr lang="de-AT" sz="2200" dirty="0" err="1">
+                <a:solidFill>
+                  <a:srgbClr val="61A5C2"/>
+                </a:solidFill>
+                <a:latin typeface="Calibri" charset="0"/>
+              </a:rPr>
+              <a:t>neighbourhoods</a:t>
+            </a:r>
+            <a:r>
+              <a:rPr lang="de-AT" sz="2200" dirty="0">
+                <a:solidFill>
+                  <a:srgbClr val="61A5C2"/>
+                </a:solidFill>
+                <a:latin typeface="Calibri" charset="0"/>
+              </a:rPr>
+              <a:t> </a:t>
+            </a:r>
+            <a:r>
+              <a:rPr lang="de-AT" sz="2200" dirty="0" err="1">
+                <a:solidFill>
+                  <a:srgbClr val="61A5C2"/>
+                </a:solidFill>
+                <a:latin typeface="Calibri" charset="0"/>
+              </a:rPr>
+              <a:t>change</a:t>
+            </a:r>
+            <a:r>
+              <a:rPr lang="de-AT" sz="2200" dirty="0">
+                <a:solidFill>
+                  <a:srgbClr val="61A5C2"/>
+                </a:solidFill>
+                <a:latin typeface="Calibri" charset="0"/>
+              </a:rPr>
+              <a:t> </a:t>
+            </a:r>
+            <a:r>
+              <a:rPr lang="de-AT" sz="2200" dirty="0" err="1">
+                <a:solidFill>
+                  <a:srgbClr val="61A5C2"/>
+                </a:solidFill>
+                <a:latin typeface="Calibri" charset="0"/>
+              </a:rPr>
+              <a:t>with</a:t>
+            </a:r>
+            <a:r>
+              <a:rPr lang="de-AT" sz="2200" dirty="0">
+                <a:solidFill>
+                  <a:srgbClr val="61A5C2"/>
+                </a:solidFill>
+                <a:latin typeface="Calibri" charset="0"/>
+              </a:rPr>
+              <a:t> </a:t>
+            </a:r>
+            <a:r>
+              <a:rPr lang="de-AT" sz="2200" dirty="0" err="1">
+                <a:solidFill>
+                  <a:srgbClr val="61A5C2"/>
+                </a:solidFill>
+                <a:latin typeface="Calibri" charset="0"/>
+              </a:rPr>
+              <a:t>temperature</a:t>
+            </a:r>
+            <a:r>
+              <a:rPr lang="de-AT" sz="2200" dirty="0">
+                <a:solidFill>
+                  <a:srgbClr val="61A5C2"/>
+                </a:solidFill>
+                <a:latin typeface="Calibri" charset="0"/>
+              </a:rPr>
+              <a:t>?</a:t>
+            </a:r>
+          </a:p>
+          <a:p>
+            <a:pPr>
+              <a:lnSpc>
+                <a:spcPct val="150000"/>
+              </a:lnSpc>
+            </a:pPr>
+            <a:r>
+              <a:rPr lang="de-AT" sz="2200" dirty="0" err="1">
+                <a:solidFill>
+                  <a:srgbClr val="61A5C2"/>
+                </a:solidFill>
+                <a:latin typeface="Calibri" charset="0"/>
+              </a:rPr>
+              <a:t>How</a:t>
+            </a:r>
+            <a:r>
+              <a:rPr lang="de-AT" sz="2200" dirty="0">
+                <a:solidFill>
+                  <a:srgbClr val="61A5C2"/>
+                </a:solidFill>
+                <a:latin typeface="Calibri" charset="0"/>
+              </a:rPr>
+              <a:t> </a:t>
+            </a:r>
+            <a:r>
+              <a:rPr lang="de-AT" sz="2200" dirty="0" err="1">
+                <a:solidFill>
+                  <a:srgbClr val="61A5C2"/>
+                </a:solidFill>
+                <a:latin typeface="Calibri" charset="0"/>
+              </a:rPr>
+              <a:t>to</a:t>
+            </a:r>
+            <a:r>
+              <a:rPr lang="de-AT" sz="2200" dirty="0">
+                <a:solidFill>
+                  <a:srgbClr val="61A5C2"/>
+                </a:solidFill>
+                <a:latin typeface="Calibri" charset="0"/>
+              </a:rPr>
+              <a:t> deal </a:t>
+            </a:r>
+            <a:r>
+              <a:rPr lang="de-AT" sz="2200" dirty="0" err="1">
+                <a:solidFill>
+                  <a:srgbClr val="61A5C2"/>
+                </a:solidFill>
+                <a:latin typeface="Calibri" charset="0"/>
+              </a:rPr>
+              <a:t>with</a:t>
+            </a:r>
+            <a:r>
+              <a:rPr lang="de-AT" sz="2200" dirty="0">
+                <a:solidFill>
+                  <a:srgbClr val="61A5C2"/>
+                </a:solidFill>
+                <a:latin typeface="Calibri" charset="0"/>
+              </a:rPr>
+              <a:t> nominal </a:t>
+            </a:r>
+            <a:r>
+              <a:rPr lang="de-AT" sz="2200" dirty="0" err="1">
+                <a:solidFill>
+                  <a:srgbClr val="61A5C2"/>
+                </a:solidFill>
+                <a:latin typeface="Calibri" charset="0"/>
+              </a:rPr>
+              <a:t>parameters</a:t>
+            </a:r>
+            <a:r>
+              <a:rPr lang="de-AT" sz="2200" dirty="0">
+                <a:solidFill>
+                  <a:srgbClr val="61A5C2"/>
+                </a:solidFill>
+                <a:latin typeface="Calibri" charset="0"/>
+              </a:rPr>
+              <a:t>?</a:t>
+            </a:r>
+          </a:p>
+          <a:p>
+            <a:pPr>
+              <a:lnSpc>
+                <a:spcPct val="150000"/>
+              </a:lnSpc>
+            </a:pPr>
+            <a:r>
+              <a:rPr lang="de-AT" sz="2200" dirty="0" err="1">
+                <a:solidFill>
+                  <a:srgbClr val="61A5C2"/>
+                </a:solidFill>
+                <a:latin typeface="Calibri" charset="0"/>
+              </a:rPr>
+              <a:t>What</a:t>
+            </a:r>
+            <a:r>
+              <a:rPr lang="de-AT" sz="2200" dirty="0">
+                <a:solidFill>
+                  <a:srgbClr val="61A5C2"/>
+                </a:solidFill>
+                <a:latin typeface="Calibri" charset="0"/>
+              </a:rPr>
+              <a:t> </a:t>
+            </a:r>
+            <a:r>
+              <a:rPr lang="de-AT" sz="2200" dirty="0" err="1">
+                <a:solidFill>
+                  <a:srgbClr val="61A5C2"/>
+                </a:solidFill>
+                <a:latin typeface="Calibri" charset="0"/>
+              </a:rPr>
+              <a:t>is</a:t>
+            </a:r>
+            <a:r>
+              <a:rPr lang="de-AT" sz="2200" dirty="0">
+                <a:solidFill>
+                  <a:srgbClr val="61A5C2"/>
+                </a:solidFill>
+                <a:latin typeface="Calibri" charset="0"/>
+              </a:rPr>
+              <a:t> </a:t>
+            </a:r>
+            <a:r>
+              <a:rPr lang="de-AT" sz="2200" dirty="0" err="1">
+                <a:solidFill>
+                  <a:srgbClr val="61A5C2"/>
+                </a:solidFill>
+                <a:latin typeface="Calibri" charset="0"/>
+              </a:rPr>
+              <a:t>the</a:t>
+            </a:r>
+            <a:r>
+              <a:rPr lang="de-AT" sz="2200" dirty="0">
+                <a:solidFill>
+                  <a:srgbClr val="61A5C2"/>
+                </a:solidFill>
+                <a:latin typeface="Calibri" charset="0"/>
+              </a:rPr>
+              <a:t> </a:t>
+            </a:r>
+            <a:r>
+              <a:rPr lang="de-AT" sz="2200" dirty="0" err="1">
+                <a:solidFill>
+                  <a:srgbClr val="61A5C2"/>
+                </a:solidFill>
+                <a:latin typeface="Calibri" charset="0"/>
+              </a:rPr>
+              <a:t>best</a:t>
+            </a:r>
+            <a:r>
+              <a:rPr lang="de-AT" sz="2200" dirty="0">
+                <a:solidFill>
+                  <a:srgbClr val="61A5C2"/>
+                </a:solidFill>
+                <a:latin typeface="Calibri" charset="0"/>
+              </a:rPr>
+              <a:t> </a:t>
+            </a:r>
+            <a:r>
+              <a:rPr lang="de-AT" sz="2200" dirty="0" err="1">
+                <a:solidFill>
+                  <a:srgbClr val="61A5C2"/>
+                </a:solidFill>
+                <a:latin typeface="Calibri" charset="0"/>
+              </a:rPr>
+              <a:t>searchspace</a:t>
+            </a:r>
+            <a:r>
+              <a:rPr lang="de-AT" sz="2200" dirty="0">
+                <a:solidFill>
+                  <a:srgbClr val="61A5C2"/>
+                </a:solidFill>
+                <a:latin typeface="Calibri" charset="0"/>
+              </a:rPr>
+              <a:t>?</a:t>
+            </a:r>
+          </a:p>
+          <a:p>
+            <a:pPr>
+              <a:lnSpc>
+                <a:spcPct val="150000"/>
+              </a:lnSpc>
+            </a:pPr>
+            <a:r>
+              <a:rPr lang="de-AT" sz="2200" dirty="0" err="1">
+                <a:solidFill>
+                  <a:srgbClr val="61A5C2"/>
+                </a:solidFill>
+                <a:latin typeface="Calibri" charset="0"/>
+              </a:rPr>
+              <a:t>How</a:t>
+            </a:r>
+            <a:r>
+              <a:rPr lang="de-AT" sz="2200" dirty="0">
+                <a:solidFill>
+                  <a:srgbClr val="61A5C2"/>
+                </a:solidFill>
+                <a:latin typeface="Calibri" charset="0"/>
+              </a:rPr>
+              <a:t> </a:t>
+            </a:r>
+            <a:r>
+              <a:rPr lang="de-AT" sz="2200" dirty="0" err="1">
+                <a:solidFill>
+                  <a:srgbClr val="61A5C2"/>
+                </a:solidFill>
+                <a:latin typeface="Calibri" charset="0"/>
+              </a:rPr>
+              <a:t>many</a:t>
+            </a:r>
+            <a:r>
+              <a:rPr lang="de-AT" sz="2200" dirty="0">
+                <a:solidFill>
+                  <a:srgbClr val="61A5C2"/>
+                </a:solidFill>
+                <a:latin typeface="Calibri" charset="0"/>
+              </a:rPr>
+              <a:t> </a:t>
+            </a:r>
+            <a:r>
+              <a:rPr lang="de-AT" sz="2200" dirty="0" err="1">
+                <a:solidFill>
+                  <a:srgbClr val="61A5C2"/>
+                </a:solidFill>
+                <a:latin typeface="Calibri" charset="0"/>
+              </a:rPr>
+              <a:t>parameters</a:t>
+            </a:r>
+            <a:r>
+              <a:rPr lang="de-AT" sz="2200" dirty="0">
+                <a:solidFill>
+                  <a:srgbClr val="61A5C2"/>
+                </a:solidFill>
+                <a:latin typeface="Calibri" charset="0"/>
+              </a:rPr>
+              <a:t> </a:t>
+            </a:r>
+            <a:r>
+              <a:rPr lang="de-AT" sz="2200" dirty="0" err="1">
+                <a:solidFill>
+                  <a:srgbClr val="61A5C2"/>
+                </a:solidFill>
+                <a:latin typeface="Calibri" charset="0"/>
+              </a:rPr>
+              <a:t>to</a:t>
+            </a:r>
+            <a:r>
+              <a:rPr lang="de-AT" sz="2200" dirty="0">
+                <a:solidFill>
+                  <a:srgbClr val="61A5C2"/>
+                </a:solidFill>
+                <a:latin typeface="Calibri" charset="0"/>
+              </a:rPr>
+              <a:t> </a:t>
+            </a:r>
+            <a:r>
+              <a:rPr lang="de-AT" sz="2200" dirty="0" err="1">
+                <a:solidFill>
+                  <a:srgbClr val="61A5C2"/>
+                </a:solidFill>
+                <a:latin typeface="Calibri" charset="0"/>
+              </a:rPr>
+              <a:t>change</a:t>
+            </a:r>
+            <a:r>
+              <a:rPr lang="de-AT" sz="2200" dirty="0">
+                <a:solidFill>
+                  <a:srgbClr val="61A5C2"/>
+                </a:solidFill>
+                <a:latin typeface="Calibri" charset="0"/>
+              </a:rPr>
+              <a:t> at </a:t>
+            </a:r>
+            <a:r>
+              <a:rPr lang="de-AT" sz="2200" dirty="0" err="1">
+                <a:solidFill>
+                  <a:srgbClr val="61A5C2"/>
+                </a:solidFill>
+                <a:latin typeface="Calibri" charset="0"/>
+              </a:rPr>
+              <a:t>once</a:t>
+            </a:r>
+            <a:r>
+              <a:rPr lang="de-AT" sz="2200" dirty="0">
+                <a:solidFill>
+                  <a:srgbClr val="61A5C2"/>
+                </a:solidFill>
+                <a:latin typeface="Calibri" charset="0"/>
+              </a:rPr>
+              <a:t>?</a:t>
+            </a:r>
+          </a:p>
+        </p:txBody>
+      </p:sp>
+    </p:spTree>
+    <p:extLst>
+      <p:ext uri="{BB962C8B-B14F-4D97-AF65-F5344CB8AC3E}">
+        <p14:creationId xmlns:p14="http://schemas.microsoft.com/office/powerpoint/2010/main" val="1222911649"/>
+      </p:ext>
+    </p:extLst>
+  </p:cSld>
+  <p:clrMapOvr>
+    <a:masterClrMapping/>
+  </p:clrMapOvr>
+</p:sld>
+</file>
+
+<file path=ppt/slides/slide4.xml><?xml version="1.0" encoding="utf-8"?>
+<p:sld xmlns:a="http://schemas.openxmlformats.org/drawingml/2006/main" xmlns:r="http://schemas.openxmlformats.org/officeDocument/2006/relationships" xmlns:p="http://schemas.openxmlformats.org/presentationml/2006/main">
+  <p:cSld>
+    <p:spTree>
+      <p:nvGrpSpPr>
+        <p:cNvPr id="1" name=""/>
+        <p:cNvGrpSpPr/>
+        <p:nvPr/>
+      </p:nvGrpSpPr>
+      <p:grpSpPr>
+        <a:xfrm>
+          <a:off x="0" y="0"/>
+          <a:ext cx="0" cy="0"/>
+          <a:chOff x="0" y="0"/>
+          <a:chExt cx="0" cy="0"/>
+        </a:xfrm>
+      </p:grpSpPr>
+      <p:sp>
+        <p:nvSpPr>
+          <p:cNvPr id="2" name="Title 1"/>
+          <p:cNvSpPr>
+            <a:spLocks noGrp="1"/>
+          </p:cNvSpPr>
+          <p:nvPr>
+            <p:ph type="title"/>
+          </p:nvPr>
+        </p:nvSpPr>
+        <p:spPr/>
+        <p:txBody>
+          <a:bodyPr/>
+          <a:lstStyle/>
+          <a:p>
             <a:pPr algn="ctr" fontAlgn="auto"/>
             <a:r>
               <a:rPr lang="de-DE" altLang="en-US" dirty="0" err="1">
@@ -6581,7 +4827,7 @@
                 </a:solidFill>
                 <a:latin typeface="Calibri" charset="0"/>
               </a:rPr>
-              <a:t>nect</a:t>
+              <a:t>next</a:t>
             </a:r>
             <a:r>
               <a:rPr lang="de-DE" altLang="en-US" dirty="0">
@@ -6645,7 +4891,7 @@
 </p:sld>
 </file>
 
-<file path=ppt/slides/slide4.xml><?xml version="1.0" encoding="utf-8"?>
+<file path=ppt/slides/slide5.xml><?xml version="1.0" encoding="utf-8"?>
 <p:sld xmlns:a="http://schemas.openxmlformats.org/drawingml/2006/main" xmlns:r="http://schemas.openxmlformats.org/officeDocument/2006/relationships" xmlns:p="http://schemas.openxmlformats.org/presentationml/2006/main">
   <p:cSld>
     <p:spTree>
@@ -6754,109 +5000,44 @@
         </p:blipFill>
         <p:spPr>
           <a:xfrm>
-            <a:off x="1252537" y="2216172"/>
-            <a:ext cx="9305925" cy="3028950"/>
+            <a:off x="1742042" y="1319848"/>
+            <a:ext cx="8707913" cy="2834305"/>
           </a:xfrm>
           <a:prstGeom prst="rect">
             <a:avLst/>
           </a:prstGeom>
         </p:spPr>
       </p:pic>
-    </p:spTree>
-  </p:cSld>
-  <p:clrMapOvr>
-    <a:masterClrMapping/>
-  </p:clrMapOvr>
-</p:sld>
-</file>
-
-<file path=ppt/slides/slide5.xml><?xml version="1.0" encoding="utf-8"?>
-<p:sld xmlns:a="http://schemas.openxmlformats.org/drawingml/2006/main" xmlns:r="http://schemas.openxmlformats.org/officeDocument/2006/relationships" xmlns:p="http://schemas.openxmlformats.org/presentationml/2006/main">
-  <p:cSld>
-    <p:spTree>
-      <p:nvGrpSpPr>
-        <p:cNvPr id="1" name=""/>
-        <p:cNvGrpSpPr/>
-        <p:nvPr/>
-      </p:nvGrpSpPr>
-      <p:grpSpPr>
-        <a:xfrm>
-          <a:off x="0" y="0"/>
-          <a:ext cx="0" cy="0"/>
-          <a:chOff x="0" y="0"/>
-          <a:chExt cx="0" cy="0"/>
-        </a:xfrm>
-      </p:grpSpPr>
-      <p:sp>
-        <p:nvSpPr>
-          <p:cNvPr id="2" name="Title 1"/>
-          <p:cNvSpPr>
-            <a:spLocks noGrp="1"/>
-          </p:cNvSpPr>
-          <p:nvPr>
-            <p:ph type="title"/>
-          </p:nvPr>
-        </p:nvSpPr>
-        <p:spPr/>
-        <p:txBody>
-          <a:bodyPr/>
-          <a:lstStyle/>
-          <a:p>
-            <a:pPr algn="ctr" fontAlgn="auto"/>
-            <a:r>
-              <a:rPr lang="de-DE" altLang="en-US" dirty="0" err="1">
-                <a:solidFill>
-                  <a:srgbClr val="61A5C2"/>
-                </a:solidFill>
-                <a:latin typeface="Calibri" charset="0"/>
-              </a:rPr>
-              <a:t>Simulated</a:t>
-            </a:r>
-            <a:r>
-              <a:rPr lang="de-DE" altLang="en-US" dirty="0">
-                <a:solidFill>
-                  <a:srgbClr val="61A5C2"/>
-                </a:solidFill>
-                <a:latin typeface="Calibri" charset="0"/>
-              </a:rPr>
-              <a:t> </a:t>
-            </a:r>
-            <a:r>
-              <a:rPr lang="de-DE" altLang="en-US">
-                <a:solidFill>
-                  <a:srgbClr val="61A5C2"/>
-                </a:solidFill>
-                <a:latin typeface="Calibri" charset="0"/>
-              </a:rPr>
-              <a:t>Annealing</a:t>
-            </a:r>
-            <a:r>
-              <a:rPr lang="de-DE" altLang="en-US" dirty="0">
-                <a:solidFill>
-                  <a:srgbClr val="61A5C2"/>
-                </a:solidFill>
-                <a:latin typeface="Calibri" charset="0"/>
-              </a:rPr>
-              <a:t> </a:t>
-            </a:r>
-            <a:r>
-              <a:rPr lang="de-DE" altLang="en-US" dirty="0" err="1">
-                <a:solidFill>
-                  <a:srgbClr val="61A5C2"/>
-                </a:solidFill>
-                <a:latin typeface="Calibri" charset="0"/>
-              </a:rPr>
-              <a:t>function</a:t>
-            </a:r>
-            <a:endParaRPr lang="de-DE" altLang="en-US" dirty="0">
-              <a:solidFill>
-                <a:srgbClr val="61A5C2"/>
-              </a:solidFill>
-              <a:latin typeface="Calibri" charset="0"/>
-            </a:endParaRPr>
-          </a:p>
-        </p:txBody>
-      </p:sp>
+      <p:pic>
+        <p:nvPicPr>
+          <p:cNvPr id="9" name="Grafik 8">
+            <a:extLst>
+              <a:ext uri="{FF2B5EF4-FFF2-40B4-BE49-F238E27FC236}">
+                <a16:creationId xmlns:a16="http://schemas.microsoft.com/office/drawing/2014/main" id="{4EA01A2D-7FB4-2266-6770-3028AFC5FBBF}"/>
+              </a:ext>
+            </a:extLst>
+          </p:cNvPr>
+          <p:cNvPicPr>
+            <a:picLocks noChangeAspect="1"/>
+          </p:cNvPicPr>
+          <p:nvPr/>
+        </p:nvPicPr>
+        <p:blipFill>
+          <a:blip r:embed="rId3"/>
+          <a:stretch>
+            <a:fillRect/>
+          </a:stretch>
+        </p:blipFill>
+        <p:spPr>
+          <a:xfrm>
+            <a:off x="2041048" y="4314847"/>
+            <a:ext cx="8109903" cy="2284708"/>
+          </a:xfrm>
+          <a:prstGeom prst="rect">
+            <a:avLst/>
+          </a:prstGeom>
+        </p:spPr>
+      </p:pic>
     </p:spTree>
   </p:cSld>
   <p:clrMapOvr>
@@ -6892,74 +5073,583 @@
             <p:ph type="title"/>
           </p:nvPr>
         </p:nvSpPr>
-        <p:spPr/>
+        <p:spPr>
+          <a:xfrm>
+            <a:off x="838200" y="258445"/>
+            <a:ext cx="10515600" cy="1325563"/>
+          </a:xfrm>
+        </p:spPr>
         <p:txBody>
           <a:bodyPr/>
           <a:lstStyle/>
           <a:p>
             <a:pPr algn="ctr" fontAlgn="auto"/>
             <a:r>
-              <a:rPr lang="de-DE" altLang="en-US">
-                <a:solidFill>
-                  <a:srgbClr val="61A5C2"/>
-                </a:solidFill>
-                <a:latin typeface="Calibri" charset="0"/>
-              </a:rPr>
-              <a:t>LLM Tree - _build_tree function</a:t>
-            </a:r>
-          </a:p>
-        </p:txBody>
-      </p:sp>
-      <p:pic>
-        <p:nvPicPr>
-          <p:cNvPr id="4" name="Content Placeholder 3"/>
-          <p:cNvPicPr>
-            <a:picLocks noGrp="1" noChangeAspect="1"/>
-          </p:cNvPicPr>
-          <p:nvPr>
-            <p:ph idx="1"/>
-          </p:nvPr>
-        </p:nvPicPr>
-        <p:blipFill>
-          <a:blip r:embed="rId2"/>
-          <a:stretch>
-            <a:fillRect/>
-          </a:stretch>
-        </p:blipFill>
+              <a:rPr lang="de-DE" altLang="en-US" dirty="0" err="1">
+                <a:solidFill>
+                  <a:srgbClr val="61A5C2"/>
+                </a:solidFill>
+                <a:latin typeface="Calibri" charset="0"/>
+              </a:rPr>
+              <a:t>Simulated</a:t>
+            </a:r>
+            <a:r>
+              <a:rPr lang="de-DE" altLang="en-US" dirty="0">
+                <a:solidFill>
+                  <a:srgbClr val="61A5C2"/>
+                </a:solidFill>
+                <a:latin typeface="Calibri" charset="0"/>
+              </a:rPr>
+              <a:t> </a:t>
+            </a:r>
+            <a:r>
+              <a:rPr lang="de-DE" altLang="en-US" dirty="0" err="1">
+                <a:solidFill>
+                  <a:srgbClr val="61A5C2"/>
+                </a:solidFill>
+                <a:latin typeface="Calibri" charset="0"/>
+              </a:rPr>
+              <a:t>Annealing</a:t>
+            </a:r>
+            <a:r>
+              <a:rPr lang="de-DE" altLang="en-US" dirty="0">
+                <a:solidFill>
+                  <a:srgbClr val="61A5C2"/>
+                </a:solidFill>
+                <a:latin typeface="Calibri" charset="0"/>
+              </a:rPr>
+              <a:t> </a:t>
+            </a:r>
+            <a:r>
+              <a:rPr lang="de-DE" altLang="en-US" dirty="0" err="1">
+                <a:solidFill>
+                  <a:srgbClr val="61A5C2"/>
+                </a:solidFill>
+                <a:latin typeface="Calibri" charset="0"/>
+              </a:rPr>
+              <a:t>function</a:t>
+            </a:r>
+            <a:endParaRPr lang="de-DE" altLang="en-US" dirty="0">
+              <a:solidFill>
+                <a:srgbClr val="61A5C2"/>
+              </a:solidFill>
+              <a:latin typeface="Calibri" charset="0"/>
+            </a:endParaRPr>
+          </a:p>
+        </p:txBody>
+      </p:sp>
+      <p:sp>
+        <p:nvSpPr>
+          <p:cNvPr id="8" name="Textfeld 7">
+            <a:extLst>
+              <a:ext uri="{FF2B5EF4-FFF2-40B4-BE49-F238E27FC236}">
+                <a16:creationId xmlns:a16="http://schemas.microsoft.com/office/drawing/2014/main" id="{27B6C69A-183F-5C56-6E36-EE9C81EC33B5}"/>
+              </a:ext>
+            </a:extLst>
+          </p:cNvPr>
+          <p:cNvSpPr txBox="1"/>
+          <p:nvPr/>
+        </p:nvSpPr>
         <p:spPr>
           <a:xfrm>
-            <a:off x="375285" y="1962150"/>
-            <a:ext cx="5963920" cy="2553970"/>
+            <a:off x="924560" y="1584008"/>
+            <a:ext cx="10515600" cy="3092000"/>
           </a:xfrm>
           <a:prstGeom prst="rect">
             <a:avLst/>
           </a:prstGeom>
+          <a:noFill/>
         </p:spPr>
-      </p:pic>
-      <p:pic>
-        <p:nvPicPr>
-          <p:cNvPr id="5" name="Picture 4"/>
-          <p:cNvPicPr>
-            <a:picLocks noChangeAspect="1"/>
-          </p:cNvPicPr>
-          <p:nvPr/>
-        </p:nvPicPr>
-        <p:blipFill>
-          <a:blip r:embed="rId3"/>
-          <a:stretch>
-            <a:fillRect/>
-          </a:stretch>
-        </p:blipFill>
-        <p:spPr>
-          <a:xfrm>
-            <a:off x="6339205" y="1346200"/>
-            <a:ext cx="5045710" cy="3786505"/>
-          </a:xfrm>
-          <a:prstGeom prst="rect">
-            <a:avLst/>
-          </a:prstGeom>
-        </p:spPr>
-      </p:pic>
+        <p:txBody>
+          <a:bodyPr wrap="square" rtlCol="0">
+            <a:spAutoFit/>
+          </a:bodyPr>
+          <a:lstStyle/>
+          <a:p>
+            <a:pPr marL="342900" indent="-342900">
+              <a:lnSpc>
+                <a:spcPct val="150000"/>
+              </a:lnSpc>
+              <a:spcBef>
+                <a:spcPts val="1000"/>
+              </a:spcBef>
+              <a:buFont typeface="Arial" panose="020B0604020202020204" pitchFamily="34" charset="0"/>
+              <a:buChar char="•"/>
+            </a:pPr>
+            <a:r>
+              <a:rPr lang="de-AT" sz="2200" dirty="0" err="1">
+                <a:solidFill>
+                  <a:srgbClr val="61A5C2"/>
+                </a:solidFill>
+                <a:latin typeface="Calibri" charset="0"/>
+              </a:rPr>
+              <a:t>How</a:t>
+            </a:r>
+            <a:r>
+              <a:rPr lang="de-AT" sz="2200" dirty="0">
+                <a:solidFill>
+                  <a:srgbClr val="61A5C2"/>
+                </a:solidFill>
+                <a:latin typeface="Calibri" charset="0"/>
+              </a:rPr>
+              <a:t> </a:t>
+            </a:r>
+            <a:r>
+              <a:rPr lang="de-AT" sz="2200" dirty="0" err="1">
+                <a:solidFill>
+                  <a:srgbClr val="61A5C2"/>
+                </a:solidFill>
+                <a:latin typeface="Calibri" charset="0"/>
+              </a:rPr>
+              <a:t>does</a:t>
+            </a:r>
+            <a:r>
+              <a:rPr lang="de-AT" sz="2200" dirty="0">
+                <a:solidFill>
+                  <a:srgbClr val="61A5C2"/>
+                </a:solidFill>
+                <a:latin typeface="Calibri" charset="0"/>
+              </a:rPr>
+              <a:t> </a:t>
+            </a:r>
+            <a:r>
+              <a:rPr lang="de-AT" sz="2200" dirty="0" err="1">
+                <a:solidFill>
+                  <a:srgbClr val="61A5C2"/>
+                </a:solidFill>
+                <a:latin typeface="Calibri" charset="0"/>
+              </a:rPr>
+              <a:t>the</a:t>
+            </a:r>
+            <a:r>
+              <a:rPr lang="de-AT" sz="2200" dirty="0">
+                <a:solidFill>
+                  <a:srgbClr val="61A5C2"/>
+                </a:solidFill>
+                <a:latin typeface="Calibri" charset="0"/>
+              </a:rPr>
+              <a:t> </a:t>
+            </a:r>
+            <a:r>
+              <a:rPr lang="de-AT" sz="2200" dirty="0" err="1">
+                <a:solidFill>
+                  <a:srgbClr val="61A5C2"/>
+                </a:solidFill>
+                <a:latin typeface="Calibri" charset="0"/>
+              </a:rPr>
+              <a:t>temperature</a:t>
+            </a:r>
+            <a:r>
+              <a:rPr lang="de-AT" sz="2200" dirty="0">
+                <a:solidFill>
+                  <a:srgbClr val="61A5C2"/>
+                </a:solidFill>
+                <a:latin typeface="Calibri" charset="0"/>
+              </a:rPr>
+              <a:t> </a:t>
+            </a:r>
+            <a:r>
+              <a:rPr lang="de-AT" sz="2200" dirty="0" err="1">
+                <a:solidFill>
+                  <a:srgbClr val="61A5C2"/>
+                </a:solidFill>
+                <a:latin typeface="Calibri" charset="0"/>
+              </a:rPr>
+              <a:t>decrease</a:t>
+            </a:r>
+            <a:r>
+              <a:rPr lang="de-AT" sz="2200" dirty="0">
+                <a:solidFill>
+                  <a:srgbClr val="61A5C2"/>
+                </a:solidFill>
+                <a:latin typeface="Calibri" charset="0"/>
+              </a:rPr>
+              <a:t>?</a:t>
+            </a:r>
+          </a:p>
+          <a:p>
+            <a:pPr marL="342900" indent="-342900">
+              <a:lnSpc>
+                <a:spcPct val="150000"/>
+              </a:lnSpc>
+              <a:spcBef>
+                <a:spcPts val="1000"/>
+              </a:spcBef>
+              <a:buFont typeface="Arial" panose="020B0604020202020204" pitchFamily="34" charset="0"/>
+              <a:buChar char="•"/>
+            </a:pPr>
+            <a:r>
+              <a:rPr lang="de-AT" sz="2200" dirty="0" err="1">
+                <a:solidFill>
+                  <a:srgbClr val="61A5C2"/>
+                </a:solidFill>
+                <a:latin typeface="Calibri" charset="0"/>
+              </a:rPr>
+              <a:t>How</a:t>
+            </a:r>
+            <a:r>
+              <a:rPr lang="de-AT" sz="2200" dirty="0">
+                <a:solidFill>
+                  <a:srgbClr val="61A5C2"/>
+                </a:solidFill>
+                <a:latin typeface="Calibri" charset="0"/>
+              </a:rPr>
+              <a:t> do </a:t>
+            </a:r>
+            <a:r>
+              <a:rPr lang="de-AT" sz="2200" dirty="0" err="1">
+                <a:solidFill>
+                  <a:srgbClr val="61A5C2"/>
+                </a:solidFill>
+                <a:latin typeface="Calibri" charset="0"/>
+              </a:rPr>
+              <a:t>we</a:t>
+            </a:r>
+            <a:r>
+              <a:rPr lang="de-AT" sz="2200" dirty="0">
+                <a:solidFill>
+                  <a:srgbClr val="61A5C2"/>
+                </a:solidFill>
+                <a:latin typeface="Calibri" charset="0"/>
+              </a:rPr>
+              <a:t> handle </a:t>
+            </a:r>
+            <a:r>
+              <a:rPr lang="de-AT" sz="2200" dirty="0" err="1">
+                <a:solidFill>
+                  <a:srgbClr val="61A5C2"/>
+                </a:solidFill>
+                <a:latin typeface="Calibri" charset="0"/>
+              </a:rPr>
+              <a:t>reheating</a:t>
+            </a:r>
+            <a:r>
+              <a:rPr lang="de-AT" sz="2200" dirty="0">
+                <a:solidFill>
+                  <a:srgbClr val="61A5C2"/>
+                </a:solidFill>
+                <a:latin typeface="Calibri" charset="0"/>
+              </a:rPr>
+              <a:t>?</a:t>
+            </a:r>
+          </a:p>
+          <a:p>
+            <a:pPr marL="342900" indent="-342900">
+              <a:lnSpc>
+                <a:spcPct val="150000"/>
+              </a:lnSpc>
+              <a:spcBef>
+                <a:spcPts val="1000"/>
+              </a:spcBef>
+              <a:buFont typeface="Arial" panose="020B0604020202020204" pitchFamily="34" charset="0"/>
+              <a:buChar char="•"/>
+            </a:pPr>
+            <a:r>
+              <a:rPr lang="de-AT" sz="2200" dirty="0" err="1">
+                <a:solidFill>
+                  <a:srgbClr val="61A5C2"/>
+                </a:solidFill>
+                <a:latin typeface="Calibri" charset="0"/>
+              </a:rPr>
+              <a:t>When</a:t>
+            </a:r>
+            <a:r>
+              <a:rPr lang="de-AT" sz="2200" dirty="0">
+                <a:solidFill>
+                  <a:srgbClr val="61A5C2"/>
+                </a:solidFill>
+                <a:latin typeface="Calibri" charset="0"/>
+              </a:rPr>
+              <a:t> do </a:t>
+            </a:r>
+            <a:r>
+              <a:rPr lang="de-AT" sz="2200" dirty="0" err="1">
+                <a:solidFill>
+                  <a:srgbClr val="61A5C2"/>
+                </a:solidFill>
+                <a:latin typeface="Calibri" charset="0"/>
+              </a:rPr>
+              <a:t>we</a:t>
+            </a:r>
+            <a:r>
+              <a:rPr lang="de-AT" sz="2200" dirty="0">
+                <a:solidFill>
+                  <a:srgbClr val="61A5C2"/>
+                </a:solidFill>
+                <a:latin typeface="Calibri" charset="0"/>
+              </a:rPr>
+              <a:t> </a:t>
+            </a:r>
+            <a:r>
+              <a:rPr lang="de-AT" sz="2200" dirty="0" err="1">
+                <a:solidFill>
+                  <a:srgbClr val="61A5C2"/>
+                </a:solidFill>
+                <a:latin typeface="Calibri" charset="0"/>
+              </a:rPr>
+              <a:t>stop</a:t>
+            </a:r>
+            <a:r>
+              <a:rPr lang="de-AT" sz="2200" dirty="0">
+                <a:solidFill>
+                  <a:srgbClr val="61A5C2"/>
+                </a:solidFill>
+                <a:latin typeface="Calibri" charset="0"/>
+              </a:rPr>
+              <a:t>?</a:t>
+            </a:r>
+          </a:p>
+          <a:p>
+            <a:pPr marL="342900" indent="-342900">
+              <a:lnSpc>
+                <a:spcPct val="150000"/>
+              </a:lnSpc>
+              <a:spcBef>
+                <a:spcPts val="1000"/>
+              </a:spcBef>
+              <a:buFont typeface="Arial" panose="020B0604020202020204" pitchFamily="34" charset="0"/>
+              <a:buChar char="•"/>
+            </a:pPr>
+            <a:r>
+              <a:rPr lang="de-AT" sz="2200" dirty="0" err="1">
+                <a:solidFill>
+                  <a:srgbClr val="61A5C2"/>
+                </a:solidFill>
+                <a:latin typeface="Calibri" charset="0"/>
+              </a:rPr>
+              <a:t>Is</a:t>
+            </a:r>
+            <a:r>
+              <a:rPr lang="de-AT" sz="2200" dirty="0">
+                <a:solidFill>
+                  <a:srgbClr val="61A5C2"/>
+                </a:solidFill>
+                <a:latin typeface="Calibri" charset="0"/>
+              </a:rPr>
+              <a:t> </a:t>
+            </a:r>
+            <a:r>
+              <a:rPr lang="de-AT" sz="2200" dirty="0" err="1">
+                <a:solidFill>
+                  <a:srgbClr val="61A5C2"/>
+                </a:solidFill>
+                <a:latin typeface="Calibri" charset="0"/>
+              </a:rPr>
+              <a:t>the</a:t>
+            </a:r>
+            <a:r>
+              <a:rPr lang="de-AT" sz="2200" dirty="0">
+                <a:solidFill>
+                  <a:srgbClr val="61A5C2"/>
+                </a:solidFill>
+                <a:latin typeface="Calibri" charset="0"/>
+              </a:rPr>
+              <a:t> last </a:t>
+            </a:r>
+            <a:r>
+              <a:rPr lang="de-AT" sz="2200" dirty="0" err="1">
+                <a:solidFill>
+                  <a:srgbClr val="61A5C2"/>
+                </a:solidFill>
+                <a:latin typeface="Calibri" charset="0"/>
+              </a:rPr>
+              <a:t>model</a:t>
+            </a:r>
+            <a:r>
+              <a:rPr lang="de-AT" sz="2200" dirty="0">
+                <a:solidFill>
+                  <a:srgbClr val="61A5C2"/>
+                </a:solidFill>
+                <a:latin typeface="Calibri" charset="0"/>
+              </a:rPr>
+              <a:t> </a:t>
+            </a:r>
+            <a:r>
+              <a:rPr lang="de-AT" sz="2200" dirty="0" err="1">
+                <a:solidFill>
+                  <a:srgbClr val="61A5C2"/>
+                </a:solidFill>
+                <a:latin typeface="Calibri" charset="0"/>
+              </a:rPr>
+              <a:t>the</a:t>
+            </a:r>
+            <a:r>
+              <a:rPr lang="de-AT" sz="2200" dirty="0">
+                <a:solidFill>
+                  <a:srgbClr val="61A5C2"/>
+                </a:solidFill>
+                <a:latin typeface="Calibri" charset="0"/>
+              </a:rPr>
+              <a:t> </a:t>
+            </a:r>
+            <a:r>
+              <a:rPr lang="de-AT" sz="2200" dirty="0" err="1">
+                <a:solidFill>
+                  <a:srgbClr val="61A5C2"/>
+                </a:solidFill>
+                <a:latin typeface="Calibri" charset="0"/>
+              </a:rPr>
+              <a:t>solution</a:t>
+            </a:r>
+            <a:r>
+              <a:rPr lang="de-AT" sz="2200" dirty="0">
+                <a:solidFill>
+                  <a:srgbClr val="61A5C2"/>
+                </a:solidFill>
+                <a:latin typeface="Calibri" charset="0"/>
+              </a:rPr>
+              <a:t>? The </a:t>
+            </a:r>
+            <a:r>
+              <a:rPr lang="de-AT" sz="2200" dirty="0" err="1">
+                <a:solidFill>
+                  <a:srgbClr val="61A5C2"/>
+                </a:solidFill>
+                <a:latin typeface="Calibri" charset="0"/>
+              </a:rPr>
+              <a:t>best</a:t>
+            </a:r>
+            <a:r>
+              <a:rPr lang="de-AT" sz="2200" dirty="0">
+                <a:solidFill>
+                  <a:srgbClr val="61A5C2"/>
+                </a:solidFill>
+                <a:latin typeface="Calibri" charset="0"/>
+              </a:rPr>
+              <a:t> </a:t>
+            </a:r>
+            <a:r>
+              <a:rPr lang="de-AT" sz="2200" dirty="0" err="1">
+                <a:solidFill>
+                  <a:srgbClr val="61A5C2"/>
+                </a:solidFill>
+                <a:latin typeface="Calibri" charset="0"/>
+              </a:rPr>
+              <a:t>model</a:t>
+            </a:r>
+            <a:r>
+              <a:rPr lang="de-AT" sz="2200" dirty="0">
+                <a:solidFill>
+                  <a:srgbClr val="61A5C2"/>
+                </a:solidFill>
+                <a:latin typeface="Calibri" charset="0"/>
+              </a:rPr>
+              <a:t>?</a:t>
+            </a:r>
+          </a:p>
+          <a:p>
+            <a:pPr marL="342900" indent="-342900">
+              <a:lnSpc>
+                <a:spcPct val="150000"/>
+              </a:lnSpc>
+              <a:spcBef>
+                <a:spcPts val="1000"/>
+              </a:spcBef>
+              <a:buFont typeface="Arial" panose="020B0604020202020204" pitchFamily="34" charset="0"/>
+              <a:buChar char="•"/>
+            </a:pPr>
+            <a:r>
+              <a:rPr lang="de-AT" sz="2200" dirty="0">
+                <a:solidFill>
+                  <a:srgbClr val="61A5C2"/>
+                </a:solidFill>
+                <a:latin typeface="Calibri" charset="0"/>
+              </a:rPr>
+              <a:t>Do </a:t>
+            </a:r>
+            <a:r>
+              <a:rPr lang="de-AT" sz="2200" dirty="0" err="1">
+                <a:solidFill>
+                  <a:srgbClr val="61A5C2"/>
+                </a:solidFill>
+                <a:latin typeface="Calibri" charset="0"/>
+              </a:rPr>
+              <a:t>we</a:t>
+            </a:r>
+            <a:r>
+              <a:rPr lang="de-AT" sz="2200" dirty="0">
+                <a:solidFill>
+                  <a:srgbClr val="61A5C2"/>
+                </a:solidFill>
+                <a:latin typeface="Calibri" charset="0"/>
+              </a:rPr>
+              <a:t> switch back </a:t>
+            </a:r>
+            <a:r>
+              <a:rPr lang="de-AT" sz="2200" dirty="0" err="1">
+                <a:solidFill>
+                  <a:srgbClr val="61A5C2"/>
+                </a:solidFill>
+                <a:latin typeface="Calibri" charset="0"/>
+              </a:rPr>
+              <a:t>to</a:t>
+            </a:r>
+            <a:r>
+              <a:rPr lang="de-AT" sz="2200" dirty="0">
+                <a:solidFill>
+                  <a:srgbClr val="61A5C2"/>
+                </a:solidFill>
+                <a:latin typeface="Calibri" charset="0"/>
+              </a:rPr>
+              <a:t> </a:t>
+            </a:r>
+            <a:r>
+              <a:rPr lang="de-AT" sz="2200" dirty="0" err="1">
+                <a:solidFill>
+                  <a:srgbClr val="61A5C2"/>
+                </a:solidFill>
+                <a:latin typeface="Calibri" charset="0"/>
+              </a:rPr>
+              <a:t>previously</a:t>
+            </a:r>
+            <a:r>
+              <a:rPr lang="de-AT" sz="2200" dirty="0">
+                <a:solidFill>
+                  <a:srgbClr val="61A5C2"/>
+                </a:solidFill>
+                <a:latin typeface="Calibri" charset="0"/>
+              </a:rPr>
+              <a:t> </a:t>
+            </a:r>
+            <a:r>
+              <a:rPr lang="de-AT" sz="2200" dirty="0" err="1">
+                <a:solidFill>
+                  <a:srgbClr val="61A5C2"/>
+                </a:solidFill>
+                <a:latin typeface="Calibri" charset="0"/>
+              </a:rPr>
+              <a:t>best</a:t>
+            </a:r>
+            <a:r>
+              <a:rPr lang="de-AT" sz="2200" dirty="0">
+                <a:solidFill>
+                  <a:srgbClr val="61A5C2"/>
+                </a:solidFill>
+                <a:latin typeface="Calibri" charset="0"/>
+              </a:rPr>
+              <a:t> </a:t>
+            </a:r>
+            <a:r>
+              <a:rPr lang="de-AT" sz="2200" dirty="0" err="1">
+                <a:solidFill>
+                  <a:srgbClr val="61A5C2"/>
+                </a:solidFill>
+                <a:latin typeface="Calibri" charset="0"/>
+              </a:rPr>
+              <a:t>models</a:t>
+            </a:r>
+            <a:r>
+              <a:rPr lang="de-AT" sz="2200" dirty="0">
+                <a:solidFill>
+                  <a:srgbClr val="61A5C2"/>
+                </a:solidFill>
+                <a:latin typeface="Calibri" charset="0"/>
+              </a:rPr>
+              <a:t>?</a:t>
+            </a:r>
+          </a:p>
+        </p:txBody>
+      </p:sp>
     </p:spTree>
   </p:cSld>
   <p:clrMapOvr>
@@ -6995,33 +5685,84 @@
             <p:ph type="title"/>
           </p:nvPr>
         </p:nvSpPr>
-        <p:spPr/>
+        <p:spPr>
+          <a:xfrm>
+            <a:off x="838199" y="258445"/>
+            <a:ext cx="10515600" cy="1325563"/>
+          </a:xfrm>
+        </p:spPr>
         <p:txBody>
           <a:bodyPr/>
           <a:lstStyle/>
           <a:p>
             <a:pPr algn="ctr" fontAlgn="auto"/>
             <a:r>
-              <a:rPr lang="de-DE" altLang="en-US">
-                <a:solidFill>
-                  <a:srgbClr val="61A5C2"/>
-                </a:solidFill>
-                <a:latin typeface="Calibri" charset="0"/>
-              </a:rPr>
-              <a:t>LLM - Random_Forest fit function</a:t>
-            </a:r>
+              <a:rPr lang="de-DE" altLang="en-US" dirty="0" err="1">
+                <a:solidFill>
+                  <a:srgbClr val="61A5C2"/>
+                </a:solidFill>
+                <a:latin typeface="Calibri" charset="0"/>
+              </a:rPr>
+              <a:t>Simulated</a:t>
+            </a:r>
+            <a:r>
+              <a:rPr lang="de-DE" altLang="en-US" dirty="0">
+                <a:solidFill>
+                  <a:srgbClr val="61A5C2"/>
+                </a:solidFill>
+                <a:latin typeface="Calibri" charset="0"/>
+              </a:rPr>
+              <a:t> </a:t>
+            </a:r>
+            <a:r>
+              <a:rPr lang="de-DE" altLang="en-US" dirty="0" err="1">
+                <a:solidFill>
+                  <a:srgbClr val="61A5C2"/>
+                </a:solidFill>
+                <a:latin typeface="Calibri" charset="0"/>
+              </a:rPr>
+              <a:t>Annealing</a:t>
+            </a:r>
+            <a:r>
+              <a:rPr lang="de-DE" altLang="en-US" dirty="0">
+                <a:solidFill>
+                  <a:srgbClr val="61A5C2"/>
+                </a:solidFill>
+                <a:latin typeface="Calibri" charset="0"/>
+              </a:rPr>
+              <a:t> </a:t>
+            </a:r>
+            <a:r>
+              <a:rPr lang="de-DE" altLang="en-US" dirty="0" err="1">
+                <a:solidFill>
+                  <a:srgbClr val="61A5C2"/>
+                </a:solidFill>
+                <a:latin typeface="Calibri" charset="0"/>
+              </a:rPr>
+              <a:t>function</a:t>
+            </a:r>
+            <a:endParaRPr lang="de-DE" altLang="en-US" dirty="0">
+              <a:solidFill>
+                <a:srgbClr val="61A5C2"/>
+              </a:solidFill>
+              <a:latin typeface="Calibri" charset="0"/>
+            </a:endParaRPr>
           </a:p>
         </p:txBody>
       </p:sp>
       <p:pic>
         <p:nvPicPr>
-          <p:cNvPr id="4" name="Content Placeholder 3"/>
+          <p:cNvPr id="12" name="Grafik 11">
+            <a:extLst>
+              <a:ext uri="{FF2B5EF4-FFF2-40B4-BE49-F238E27FC236}">
+                <a16:creationId xmlns:a16="http://schemas.microsoft.com/office/drawing/2014/main" id="{D5DD51A7-5FD6-EE6A-45B4-A874861A96A6}"/>
+              </a:ext>
+            </a:extLst>
+          </p:cNvPr>
           <p:cNvPicPr>
-            <a:picLocks noGrp="1" noChangeAspect="1"/>
+            <a:picLocks noChangeAspect="1"/>
           </p:cNvPicPr>
-          <p:nvPr>
-            <p:ph idx="1"/>
-          </p:nvPr>
+          <p:nvPr/>
         </p:nvPicPr>
         <p:blipFill>
           <a:blip r:embed="rId2"/>
@@ -7031,8 +5772,8 @@
         </p:blipFill>
         <p:spPr>
           <a:xfrm>
-            <a:off x="2926080" y="1825625"/>
-            <a:ext cx="5957570" cy="4351655"/>
+            <a:off x="2147887" y="1398905"/>
+            <a:ext cx="7896225" cy="5200650"/>
           </a:xfrm>
           <a:prstGeom prst="rect">
             <a:avLst/>
@@ -7066,7 +5807,13 @@
       </p:grpSpPr>
       <p:sp>
         <p:nvSpPr>
-          <p:cNvPr id="2" name="Title 1"/>
+          <p:cNvPr id="2" name="Titel 1">
+            <a:extLst>
+              <a:ext uri="{FF2B5EF4-FFF2-40B4-BE49-F238E27FC236}">
+                <a16:creationId xmlns:a16="http://schemas.microsoft.com/office/drawing/2014/main" id="{0C522985-E6CF-D7F3-44D2-0318767F61EC}"/>
+              </a:ext>
+            </a:extLst>
+          </p:cNvPr>
           <p:cNvSpPr>
             <a:spLocks noGrp="1"/>
           </p:cNvSpPr>
@@ -7074,12 +5821,26 @@
             <p:ph type="title"/>
           </p:nvPr>
         </p:nvSpPr>
-        <p:spPr/>
+        <p:spPr>
+          <a:xfrm>
+            <a:off x="838200" y="177165"/>
+            <a:ext cx="10515600" cy="1325563"/>
+          </a:xfrm>
+        </p:spPr>
         <p:txBody>
           <a:bodyPr/>
           <a:lstStyle/>
           <a:p>
-            <a:pPr algn="ctr" fontAlgn="auto"/>
+            <a:pPr algn="ctr"/>
+            <a:r>
+              <a:rPr lang="de-DE" altLang="en-US" dirty="0" err="1">
+                <a:solidFill>
+                  <a:srgbClr val="61A5C2"/>
+                </a:solidFill>
+                <a:latin typeface="Calibri" charset="0"/>
+              </a:rPr>
+              <a:t>Simulated</a:t>
+            </a:r>
             <a:r>
               <a:rPr lang="de-DE" altLang="en-US" dirty="0">
                 <a:solidFill>
@@ -7087,7 +5848,7 @@
                 </a:solidFill>
                 <a:latin typeface="Calibri" charset="0"/>
               </a:rPr>
-              <a:t>Key </a:t>
+              <a:t> </a:t>
             </a:r>
             <a:r>
               <a:rPr lang="de-DE" altLang="en-US" dirty="0" err="1">
@@ -7096,9 +5857,27 @@
                 </a:solidFill>
                 <a:latin typeface="Calibri" charset="0"/>
               </a:rPr>
-              <a:t>Differences</a:t>
-            </a:r>
-            <a:endParaRPr lang="de-DE" altLang="en-US" dirty="0">
+              <a:t>Annealing</a:t>
+            </a:r>
+            <a:r>
+              <a:rPr lang="de-DE" altLang="en-US" dirty="0">
+                <a:solidFill>
+                  <a:srgbClr val="61A5C2"/>
+                </a:solidFill>
+                <a:latin typeface="Calibri" charset="0"/>
+              </a:rPr>
+              <a:t> </a:t>
+            </a:r>
+            <a:r>
+              <a:rPr lang="de-DE" altLang="en-US" dirty="0" err="1">
+                <a:solidFill>
+                  <a:srgbClr val="61A5C2"/>
+                </a:solidFill>
+                <a:latin typeface="Calibri" charset="0"/>
+              </a:rPr>
+              <a:t>function</a:t>
+            </a:r>
+            <a:endParaRPr lang="de-AT" dirty="0">
               <a:solidFill>
                 <a:srgbClr val="61A5C2"/>
               </a:solidFill>
@@ -7107,790 +5886,41 @@
           </a:p>
         </p:txBody>
       </p:sp>
-      <p:sp>
-        <p:nvSpPr>
-          <p:cNvPr id="3" name="Content Placeholder 2"/>
-          <p:cNvSpPr>
-            <a:spLocks noGrp="1"/>
-          </p:cNvSpPr>
+      <p:pic>
+        <p:nvPicPr>
+          <p:cNvPr id="8" name="Inhaltsplatzhalter 7">
+            <a:extLst>
+              <a:ext uri="{FF2B5EF4-FFF2-40B4-BE49-F238E27FC236}">
+                <a16:creationId xmlns:a16="http://schemas.microsoft.com/office/drawing/2014/main" id="{0CAAD826-1D6B-7756-AFA7-84C08855F530}"/>
+              </a:ext>
+            </a:extLst>
+          </p:cNvPr>
+          <p:cNvPicPr>
+            <a:picLocks noGrp="1" noChangeAspect="1"/>
+          </p:cNvPicPr>
           <p:nvPr>
             <p:ph idx="1"/>
           </p:nvPr>
-        </p:nvSpPr>
-        <p:spPr/>
-        <p:txBody>
-          <a:bodyPr/>
-          <a:lstStyle/>
-          <a:p>
-            <a:r>
-              <a:rPr lang="de-DE" altLang="en-US" dirty="0" err="1">
-                <a:solidFill>
-                  <a:srgbClr val="61A5C2"/>
-                </a:solidFill>
-                <a:latin typeface="Calibri" charset="0"/>
-              </a:rPr>
-              <a:t>random</a:t>
-            </a:r>
-            <a:r>
-              <a:rPr lang="de-DE" altLang="en-US" dirty="0">
-                <a:solidFill>
-                  <a:srgbClr val="61A5C2"/>
-                </a:solidFill>
-                <a:latin typeface="Calibri" charset="0"/>
-              </a:rPr>
-              <a:t> feature </a:t>
-            </a:r>
-            <a:r>
-              <a:rPr lang="de-DE" altLang="en-US" dirty="0" err="1">
-                <a:solidFill>
-                  <a:srgbClr val="61A5C2"/>
-                </a:solidFill>
-                <a:latin typeface="Calibri" charset="0"/>
-              </a:rPr>
-              <a:t>selection</a:t>
-            </a:r>
-            <a:r>
-              <a:rPr lang="de-DE" altLang="en-US" dirty="0">
-                <a:solidFill>
-                  <a:srgbClr val="61A5C2"/>
-                </a:solidFill>
-                <a:latin typeface="Calibri" charset="0"/>
-              </a:rPr>
-              <a:t>: </a:t>
-            </a:r>
-          </a:p>
-          <a:p>
-            <a:pPr lvl="1"/>
-            <a:r>
-              <a:rPr lang="de-DE" altLang="en-US" dirty="0" err="1">
-                <a:solidFill>
-                  <a:srgbClr val="61A5C2"/>
-                </a:solidFill>
-                <a:latin typeface="Calibri" charset="0"/>
-              </a:rPr>
-              <a:t>we</a:t>
-            </a:r>
-            <a:r>
-              <a:rPr lang="de-DE" altLang="en-US" dirty="0">
-                <a:solidFill>
-                  <a:srgbClr val="61A5C2"/>
-                </a:solidFill>
-                <a:latin typeface="Calibri" charset="0"/>
-              </a:rPr>
-              <a:t> </a:t>
-            </a:r>
-            <a:r>
-              <a:rPr lang="de-DE" altLang="en-US" dirty="0" err="1">
-                <a:solidFill>
-                  <a:srgbClr val="61A5C2"/>
-                </a:solidFill>
-                <a:latin typeface="Calibri" charset="0"/>
-              </a:rPr>
-              <a:t>select</a:t>
-            </a:r>
-            <a:r>
-              <a:rPr lang="de-DE" altLang="en-US" dirty="0">
-                <a:solidFill>
-                  <a:srgbClr val="61A5C2"/>
-                </a:solidFill>
-                <a:latin typeface="Calibri" charset="0"/>
-              </a:rPr>
-              <a:t> a </a:t>
-            </a:r>
-            <a:r>
-              <a:rPr lang="de-DE" altLang="en-US" dirty="0" err="1">
-                <a:solidFill>
-                  <a:srgbClr val="61A5C2"/>
-                </a:solidFill>
-                <a:latin typeface="Calibri" charset="0"/>
-              </a:rPr>
-              <a:t>random</a:t>
-            </a:r>
-            <a:r>
-              <a:rPr lang="de-DE" altLang="en-US" dirty="0">
-                <a:solidFill>
-                  <a:srgbClr val="61A5C2"/>
-                </a:solidFill>
-                <a:latin typeface="Calibri" charset="0"/>
-              </a:rPr>
-              <a:t> feature </a:t>
-            </a:r>
-            <a:r>
-              <a:rPr lang="de-DE" altLang="en-US" dirty="0" err="1">
-                <a:solidFill>
-                  <a:srgbClr val="61A5C2"/>
-                </a:solidFill>
-                <a:latin typeface="Calibri" charset="0"/>
-              </a:rPr>
-              <a:t>subset</a:t>
-            </a:r>
-            <a:r>
-              <a:rPr lang="de-DE" altLang="en-US" dirty="0">
-                <a:solidFill>
-                  <a:srgbClr val="61A5C2"/>
-                </a:solidFill>
-                <a:latin typeface="Calibri" charset="0"/>
-              </a:rPr>
-              <a:t> at </a:t>
-            </a:r>
-            <a:r>
-              <a:rPr lang="de-DE" altLang="en-US" dirty="0" err="1">
-                <a:solidFill>
-                  <a:srgbClr val="61A5C2"/>
-                </a:solidFill>
-                <a:latin typeface="Calibri" charset="0"/>
-              </a:rPr>
-              <a:t>each</a:t>
-            </a:r>
-            <a:r>
-              <a:rPr lang="de-DE" altLang="en-US" dirty="0">
-                <a:solidFill>
-                  <a:srgbClr val="61A5C2"/>
-                </a:solidFill>
-                <a:latin typeface="Calibri" charset="0"/>
-              </a:rPr>
-              <a:t> </a:t>
-            </a:r>
-            <a:r>
-              <a:rPr lang="de-DE" altLang="en-US" dirty="0" err="1">
-                <a:solidFill>
-                  <a:srgbClr val="61A5C2"/>
-                </a:solidFill>
-                <a:latin typeface="Calibri" charset="0"/>
-              </a:rPr>
-              <a:t>tree</a:t>
-            </a:r>
-            <a:r>
-              <a:rPr lang="de-DE" altLang="en-US" dirty="0">
-                <a:solidFill>
-                  <a:srgbClr val="61A5C2"/>
-                </a:solidFill>
-                <a:latin typeface="Calibri" charset="0"/>
-              </a:rPr>
-              <a:t> </a:t>
-            </a:r>
-            <a:r>
-              <a:rPr lang="de-DE" altLang="en-US" dirty="0" err="1">
-                <a:solidFill>
-                  <a:srgbClr val="61A5C2"/>
-                </a:solidFill>
-                <a:latin typeface="Calibri" charset="0"/>
-              </a:rPr>
-              <a:t>node</a:t>
-            </a:r>
-            <a:endParaRPr lang="de-DE" altLang="en-US" dirty="0">
-              <a:solidFill>
-                <a:srgbClr val="61A5C2"/>
-              </a:solidFill>
-              <a:latin typeface="Calibri" charset="0"/>
-            </a:endParaRPr>
-          </a:p>
-          <a:p>
-            <a:pPr lvl="1"/>
-            <a:r>
-              <a:rPr lang="de-DE" altLang="en-US" dirty="0">
-                <a:solidFill>
-                  <a:srgbClr val="61A5C2"/>
-                </a:solidFill>
-                <a:latin typeface="Calibri" charset="0"/>
-              </a:rPr>
-              <a:t>LLM </a:t>
-            </a:r>
-            <a:r>
-              <a:rPr lang="de-DE" altLang="en-US" dirty="0" err="1">
-                <a:solidFill>
-                  <a:srgbClr val="61A5C2"/>
-                </a:solidFill>
-                <a:latin typeface="Calibri" charset="0"/>
-              </a:rPr>
-              <a:t>selects</a:t>
-            </a:r>
-            <a:r>
-              <a:rPr lang="de-DE" altLang="en-US" dirty="0">
-                <a:solidFill>
-                  <a:srgbClr val="61A5C2"/>
-                </a:solidFill>
-                <a:latin typeface="Calibri" charset="0"/>
-              </a:rPr>
-              <a:t> </a:t>
-            </a:r>
-            <a:r>
-              <a:rPr lang="de-DE" altLang="en-US" dirty="0" err="1">
-                <a:solidFill>
-                  <a:srgbClr val="61A5C2"/>
-                </a:solidFill>
-                <a:latin typeface="Calibri" charset="0"/>
-              </a:rPr>
-              <a:t>the</a:t>
-            </a:r>
-            <a:r>
-              <a:rPr lang="de-DE" altLang="en-US" dirty="0">
-                <a:solidFill>
-                  <a:srgbClr val="61A5C2"/>
-                </a:solidFill>
-                <a:latin typeface="Calibri" charset="0"/>
-              </a:rPr>
-              <a:t> </a:t>
-            </a:r>
-            <a:r>
-              <a:rPr lang="de-DE" altLang="en-US" dirty="0" err="1">
-                <a:solidFill>
-                  <a:srgbClr val="61A5C2"/>
-                </a:solidFill>
-                <a:latin typeface="Calibri" charset="0"/>
-              </a:rPr>
-              <a:t>random</a:t>
-            </a:r>
-            <a:r>
-              <a:rPr lang="de-DE" altLang="en-US" dirty="0">
-                <a:solidFill>
-                  <a:srgbClr val="61A5C2"/>
-                </a:solidFill>
-                <a:latin typeface="Calibri" charset="0"/>
-              </a:rPr>
-              <a:t> </a:t>
-            </a:r>
-            <a:r>
-              <a:rPr lang="de-DE" altLang="en-US" dirty="0" err="1">
-                <a:solidFill>
-                  <a:srgbClr val="61A5C2"/>
-                </a:solidFill>
-                <a:latin typeface="Calibri" charset="0"/>
-              </a:rPr>
-              <a:t>subset</a:t>
-            </a:r>
-            <a:r>
-              <a:rPr lang="de-DE" altLang="en-US" dirty="0">
-                <a:solidFill>
-                  <a:srgbClr val="61A5C2"/>
-                </a:solidFill>
-                <a:latin typeface="Calibri" charset="0"/>
-              </a:rPr>
-              <a:t> </a:t>
-            </a:r>
-            <a:r>
-              <a:rPr lang="de-DE" altLang="en-US" dirty="0" err="1">
-                <a:solidFill>
-                  <a:srgbClr val="61A5C2"/>
-                </a:solidFill>
-                <a:latin typeface="Calibri" charset="0"/>
-              </a:rPr>
-              <a:t>once</a:t>
-            </a:r>
-            <a:r>
-              <a:rPr lang="de-DE" altLang="en-US" dirty="0">
-                <a:solidFill>
-                  <a:srgbClr val="61A5C2"/>
-                </a:solidFill>
-                <a:latin typeface="Calibri" charset="0"/>
-              </a:rPr>
-              <a:t> </a:t>
-            </a:r>
-            <a:r>
-              <a:rPr lang="de-DE" altLang="en-US" dirty="0" err="1">
-                <a:solidFill>
-                  <a:srgbClr val="61A5C2"/>
-                </a:solidFill>
-                <a:latin typeface="Calibri" charset="0"/>
-              </a:rPr>
-              <a:t>for</a:t>
-            </a:r>
-            <a:r>
-              <a:rPr lang="de-DE" altLang="en-US" dirty="0">
-                <a:solidFill>
-                  <a:srgbClr val="61A5C2"/>
-                </a:solidFill>
-                <a:latin typeface="Calibri" charset="0"/>
-              </a:rPr>
-              <a:t> </a:t>
-            </a:r>
-            <a:r>
-              <a:rPr lang="de-DE" altLang="en-US" dirty="0" err="1">
-                <a:solidFill>
-                  <a:srgbClr val="61A5C2"/>
-                </a:solidFill>
-                <a:latin typeface="Calibri" charset="0"/>
-              </a:rPr>
-              <a:t>the</a:t>
-            </a:r>
-            <a:r>
-              <a:rPr lang="de-DE" altLang="en-US" dirty="0">
-                <a:solidFill>
-                  <a:srgbClr val="61A5C2"/>
-                </a:solidFill>
-                <a:latin typeface="Calibri" charset="0"/>
-              </a:rPr>
-              <a:t> </a:t>
-            </a:r>
-            <a:r>
-              <a:rPr lang="de-DE" altLang="en-US" dirty="0" err="1">
-                <a:solidFill>
-                  <a:srgbClr val="61A5C2"/>
-                </a:solidFill>
-                <a:latin typeface="Calibri" charset="0"/>
-              </a:rPr>
-              <a:t>whole</a:t>
-            </a:r>
-            <a:r>
-              <a:rPr lang="de-DE" altLang="en-US" dirty="0">
-                <a:solidFill>
-                  <a:srgbClr val="61A5C2"/>
-                </a:solidFill>
-                <a:latin typeface="Calibri" charset="0"/>
-              </a:rPr>
-              <a:t> </a:t>
-            </a:r>
-            <a:r>
-              <a:rPr lang="de-DE" altLang="en-US" dirty="0" err="1">
-                <a:solidFill>
-                  <a:srgbClr val="61A5C2"/>
-                </a:solidFill>
-                <a:latin typeface="Calibri" charset="0"/>
-              </a:rPr>
-              <a:t>tree</a:t>
-            </a:r>
-            <a:endParaRPr lang="de-DE" altLang="en-US" dirty="0">
-              <a:solidFill>
-                <a:srgbClr val="61A5C2"/>
-              </a:solidFill>
-              <a:latin typeface="Calibri" charset="0"/>
-            </a:endParaRPr>
-          </a:p>
-          <a:p>
-            <a:pPr lvl="0"/>
-            <a:r>
-              <a:rPr lang="de-DE" altLang="en-US" dirty="0">
-                <a:solidFill>
-                  <a:srgbClr val="61A5C2"/>
-                </a:solidFill>
-                <a:latin typeface="Calibri" charset="0"/>
-              </a:rPr>
-              <a:t>LLM </a:t>
-            </a:r>
-            <a:r>
-              <a:rPr lang="de-DE" altLang="en-US" dirty="0" err="1">
-                <a:solidFill>
-                  <a:srgbClr val="61A5C2"/>
-                </a:solidFill>
-                <a:latin typeface="Calibri" charset="0"/>
-              </a:rPr>
-              <a:t>did</a:t>
-            </a:r>
-            <a:r>
-              <a:rPr lang="de-DE" altLang="en-US" dirty="0">
-                <a:solidFill>
-                  <a:srgbClr val="61A5C2"/>
-                </a:solidFill>
-                <a:latin typeface="Calibri" charset="0"/>
-              </a:rPr>
-              <a:t> not </a:t>
-            </a:r>
-            <a:r>
-              <a:rPr lang="de-DE" altLang="en-US" dirty="0" err="1">
-                <a:solidFill>
-                  <a:srgbClr val="61A5C2"/>
-                </a:solidFill>
-                <a:latin typeface="Calibri" charset="0"/>
-              </a:rPr>
-              <a:t>parallelize</a:t>
-            </a:r>
-            <a:r>
-              <a:rPr lang="de-DE" altLang="en-US" dirty="0">
-                <a:solidFill>
-                  <a:srgbClr val="61A5C2"/>
-                </a:solidFill>
-                <a:latin typeface="Calibri" charset="0"/>
-              </a:rPr>
-              <a:t>, </a:t>
-            </a:r>
-            <a:r>
-              <a:rPr lang="de-DE" altLang="en-US" dirty="0" err="1">
-                <a:solidFill>
-                  <a:srgbClr val="61A5C2"/>
-                </a:solidFill>
-                <a:latin typeface="Calibri" charset="0"/>
-              </a:rPr>
-              <a:t>leading</a:t>
-            </a:r>
-            <a:r>
-              <a:rPr lang="de-DE" altLang="en-US" dirty="0">
-                <a:solidFill>
-                  <a:srgbClr val="61A5C2"/>
-                </a:solidFill>
-                <a:latin typeface="Calibri" charset="0"/>
-              </a:rPr>
-              <a:t> </a:t>
-            </a:r>
-            <a:r>
-              <a:rPr lang="de-DE" altLang="en-US" dirty="0" err="1">
-                <a:solidFill>
-                  <a:srgbClr val="61A5C2"/>
-                </a:solidFill>
-                <a:latin typeface="Calibri" charset="0"/>
-              </a:rPr>
-              <a:t>to</a:t>
-            </a:r>
-            <a:r>
-              <a:rPr lang="de-DE" altLang="en-US" dirty="0">
-                <a:solidFill>
-                  <a:srgbClr val="61A5C2"/>
-                </a:solidFill>
-                <a:latin typeface="Calibri" charset="0"/>
-              </a:rPr>
-              <a:t> </a:t>
-            </a:r>
-            <a:r>
-              <a:rPr lang="de-DE" altLang="en-US" dirty="0" err="1">
-                <a:solidFill>
-                  <a:srgbClr val="61A5C2"/>
-                </a:solidFill>
-                <a:latin typeface="Calibri" charset="0"/>
-              </a:rPr>
-              <a:t>worse</a:t>
-            </a:r>
-            <a:r>
-              <a:rPr lang="de-DE" altLang="en-US" dirty="0">
-                <a:solidFill>
-                  <a:srgbClr val="61A5C2"/>
-                </a:solidFill>
-                <a:latin typeface="Calibri" charset="0"/>
-              </a:rPr>
-              <a:t> </a:t>
-            </a:r>
-            <a:r>
-              <a:rPr lang="de-DE" altLang="en-US" dirty="0" err="1">
-                <a:solidFill>
-                  <a:srgbClr val="61A5C2"/>
-                </a:solidFill>
-                <a:latin typeface="Calibri" charset="0"/>
-              </a:rPr>
-              <a:t>performance</a:t>
-            </a:r>
-            <a:endParaRPr lang="de-DE" altLang="en-US" dirty="0">
-              <a:solidFill>
-                <a:srgbClr val="61A5C2"/>
-              </a:solidFill>
-              <a:latin typeface="Calibri" charset="0"/>
-            </a:endParaRPr>
-          </a:p>
-          <a:p>
-            <a:pPr lvl="0"/>
-            <a:r>
-              <a:rPr lang="de-DE" altLang="en-US" dirty="0">
-                <a:solidFill>
-                  <a:srgbClr val="61A5C2"/>
-                </a:solidFill>
-                <a:latin typeface="Calibri" charset="0"/>
-              </a:rPr>
-              <a:t>bootstrapping </a:t>
-            </a:r>
-            <a:r>
-              <a:rPr lang="de-DE" altLang="en-US" dirty="0" err="1">
-                <a:solidFill>
-                  <a:srgbClr val="61A5C2"/>
-                </a:solidFill>
-                <a:latin typeface="Calibri" charset="0"/>
-              </a:rPr>
-              <a:t>samples</a:t>
-            </a:r>
-            <a:r>
-              <a:rPr lang="de-DE" altLang="en-US" dirty="0">
-                <a:solidFill>
-                  <a:srgbClr val="61A5C2"/>
-                </a:solidFill>
-                <a:latin typeface="Calibri" charset="0"/>
-              </a:rPr>
-              <a:t>:</a:t>
-            </a:r>
-          </a:p>
-          <a:p>
-            <a:pPr lvl="1"/>
-            <a:r>
-              <a:rPr lang="de-DE" altLang="en-US" dirty="0" err="1">
-                <a:solidFill>
-                  <a:srgbClr val="61A5C2"/>
-                </a:solidFill>
-                <a:latin typeface="Calibri" charset="0"/>
-              </a:rPr>
-              <a:t>we</a:t>
-            </a:r>
-            <a:r>
-              <a:rPr lang="de-DE" altLang="en-US" dirty="0">
-                <a:solidFill>
-                  <a:srgbClr val="61A5C2"/>
-                </a:solidFill>
-                <a:latin typeface="Calibri" charset="0"/>
-              </a:rPr>
-              <a:t> </a:t>
-            </a:r>
-            <a:r>
-              <a:rPr lang="de-DE" altLang="en-US" dirty="0" err="1">
-                <a:solidFill>
-                  <a:srgbClr val="61A5C2"/>
-                </a:solidFill>
-                <a:latin typeface="Calibri" charset="0"/>
-              </a:rPr>
-              <a:t>always</a:t>
-            </a:r>
-            <a:r>
-              <a:rPr lang="de-DE" altLang="en-US" dirty="0">
-                <a:solidFill>
-                  <a:srgbClr val="61A5C2"/>
-                </a:solidFill>
-                <a:latin typeface="Calibri" charset="0"/>
-              </a:rPr>
-              <a:t> </a:t>
-            </a:r>
-            <a:r>
-              <a:rPr lang="de-DE" altLang="en-US" dirty="0" err="1">
-                <a:solidFill>
-                  <a:srgbClr val="61A5C2"/>
-                </a:solidFill>
-                <a:latin typeface="Calibri" charset="0"/>
-              </a:rPr>
-              <a:t>bootstrap</a:t>
-            </a:r>
-            <a:r>
-              <a:rPr lang="de-DE" altLang="en-US" dirty="0">
-                <a:solidFill>
-                  <a:srgbClr val="61A5C2"/>
-                </a:solidFill>
-                <a:latin typeface="Calibri" charset="0"/>
-              </a:rPr>
-              <a:t> and </a:t>
-            </a:r>
-            <a:r>
-              <a:rPr lang="de-DE" altLang="en-US" dirty="0" err="1">
-                <a:solidFill>
-                  <a:srgbClr val="61A5C2"/>
-                </a:solidFill>
-                <a:latin typeface="Calibri" charset="0"/>
-              </a:rPr>
-              <a:t>control</a:t>
-            </a:r>
-            <a:r>
-              <a:rPr lang="de-DE" altLang="en-US" dirty="0">
-                <a:solidFill>
-                  <a:srgbClr val="61A5C2"/>
-                </a:solidFill>
-                <a:latin typeface="Calibri" charset="0"/>
-              </a:rPr>
-              <a:t> </a:t>
-            </a:r>
-            <a:r>
-              <a:rPr lang="de-DE" altLang="en-US" dirty="0" err="1">
-                <a:solidFill>
-                  <a:srgbClr val="61A5C2"/>
-                </a:solidFill>
-                <a:latin typeface="Calibri" charset="0"/>
-              </a:rPr>
-              <a:t>replacement</a:t>
-            </a:r>
-            <a:r>
-              <a:rPr lang="de-DE" altLang="en-US" dirty="0">
-                <a:solidFill>
-                  <a:srgbClr val="61A5C2"/>
-                </a:solidFill>
-                <a:latin typeface="Calibri" charset="0"/>
-              </a:rPr>
-              <a:t> via </a:t>
-            </a:r>
-            <a:r>
-              <a:rPr lang="de-DE" altLang="en-US" dirty="0" err="1">
-                <a:solidFill>
-                  <a:srgbClr val="61A5C2"/>
-                </a:solidFill>
-                <a:latin typeface="Calibri" charset="0"/>
-              </a:rPr>
-              <a:t>boot_type</a:t>
-            </a:r>
-            <a:r>
-              <a:rPr lang="de-DE" altLang="en-US" dirty="0">
-                <a:solidFill>
-                  <a:srgbClr val="61A5C2"/>
-                </a:solidFill>
-                <a:latin typeface="Calibri" charset="0"/>
-              </a:rPr>
-              <a:t> = TRUE/FALSE</a:t>
-            </a:r>
-          </a:p>
-          <a:p>
-            <a:pPr lvl="1"/>
-            <a:r>
-              <a:rPr lang="de-DE" altLang="en-US" dirty="0">
-                <a:solidFill>
-                  <a:srgbClr val="61A5C2"/>
-                </a:solidFill>
-                <a:latin typeface="Calibri" charset="0"/>
-              </a:rPr>
-              <a:t>LLM </a:t>
-            </a:r>
-            <a:r>
-              <a:rPr lang="de-DE" altLang="en-US" dirty="0" err="1">
-                <a:solidFill>
-                  <a:srgbClr val="61A5C2"/>
-                </a:solidFill>
-                <a:latin typeface="Calibri" charset="0"/>
-              </a:rPr>
-              <a:t>does</a:t>
-            </a:r>
-            <a:r>
-              <a:rPr lang="de-DE" altLang="en-US" dirty="0">
-                <a:solidFill>
-                  <a:srgbClr val="61A5C2"/>
-                </a:solidFill>
-                <a:latin typeface="Calibri" charset="0"/>
-              </a:rPr>
-              <a:t> not </a:t>
-            </a:r>
-            <a:r>
-              <a:rPr lang="de-DE" altLang="en-US" dirty="0" err="1">
-                <a:solidFill>
-                  <a:srgbClr val="61A5C2"/>
-                </a:solidFill>
-                <a:latin typeface="Calibri" charset="0"/>
-              </a:rPr>
-              <a:t>bootstrap</a:t>
-            </a:r>
-            <a:r>
-              <a:rPr lang="de-DE" altLang="en-US" dirty="0">
-                <a:solidFill>
-                  <a:srgbClr val="61A5C2"/>
-                </a:solidFill>
-                <a:latin typeface="Calibri" charset="0"/>
-              </a:rPr>
-              <a:t> at all</a:t>
-            </a:r>
-          </a:p>
-          <a:p>
-            <a:pPr lvl="1"/>
-            <a:r>
-              <a:rPr lang="de-DE" altLang="en-US" dirty="0" err="1">
-                <a:solidFill>
-                  <a:srgbClr val="61A5C2"/>
-                </a:solidFill>
-                <a:latin typeface="Calibri" charset="0"/>
-              </a:rPr>
-              <a:t>scikit-learn</a:t>
-            </a:r>
-            <a:r>
-              <a:rPr lang="de-DE" altLang="en-US" dirty="0">
-                <a:solidFill>
-                  <a:srgbClr val="61A5C2"/>
-                </a:solidFill>
-                <a:latin typeface="Calibri" charset="0"/>
-              </a:rPr>
-              <a:t> bootstraps </a:t>
-            </a:r>
-            <a:r>
-              <a:rPr lang="de-DE" altLang="en-US" dirty="0" err="1">
-                <a:solidFill>
-                  <a:srgbClr val="61A5C2"/>
-                </a:solidFill>
-                <a:latin typeface="Calibri" charset="0"/>
-              </a:rPr>
-              <a:t>either</a:t>
-            </a:r>
-            <a:r>
-              <a:rPr lang="de-DE" altLang="en-US" dirty="0">
-                <a:solidFill>
-                  <a:srgbClr val="61A5C2"/>
-                </a:solidFill>
-                <a:latin typeface="Calibri" charset="0"/>
-              </a:rPr>
-              <a:t> </a:t>
-            </a:r>
-            <a:r>
-              <a:rPr lang="de-DE" altLang="en-US" dirty="0" err="1">
-                <a:solidFill>
-                  <a:srgbClr val="61A5C2"/>
-                </a:solidFill>
-                <a:latin typeface="Calibri" charset="0"/>
-              </a:rPr>
-              <a:t>with</a:t>
-            </a:r>
-            <a:r>
-              <a:rPr lang="de-DE" altLang="en-US" dirty="0">
-                <a:solidFill>
-                  <a:srgbClr val="61A5C2"/>
-                </a:solidFill>
-                <a:latin typeface="Calibri" charset="0"/>
-              </a:rPr>
-              <a:t> </a:t>
-            </a:r>
-            <a:r>
-              <a:rPr lang="de-DE" altLang="en-US" dirty="0" err="1">
-                <a:solidFill>
-                  <a:srgbClr val="61A5C2"/>
-                </a:solidFill>
-                <a:latin typeface="Calibri" charset="0"/>
-              </a:rPr>
-              <a:t>replacement</a:t>
-            </a:r>
-            <a:r>
-              <a:rPr lang="de-DE" altLang="en-US" dirty="0">
-                <a:solidFill>
-                  <a:srgbClr val="61A5C2"/>
-                </a:solidFill>
-                <a:latin typeface="Calibri" charset="0"/>
-              </a:rPr>
-              <a:t> </a:t>
-            </a:r>
-            <a:r>
-              <a:rPr lang="de-DE" altLang="en-US" dirty="0" err="1">
-                <a:solidFill>
-                  <a:srgbClr val="61A5C2"/>
-                </a:solidFill>
-                <a:latin typeface="Calibri" charset="0"/>
-              </a:rPr>
-              <a:t>or</a:t>
-            </a:r>
-            <a:r>
-              <a:rPr lang="de-DE" altLang="en-US" dirty="0">
-                <a:solidFill>
-                  <a:srgbClr val="61A5C2"/>
-                </a:solidFill>
-                <a:latin typeface="Calibri" charset="0"/>
-              </a:rPr>
-              <a:t> not at all, </a:t>
-            </a:r>
-            <a:r>
-              <a:rPr lang="de-DE" altLang="en-US" dirty="0" err="1">
-                <a:solidFill>
-                  <a:srgbClr val="61A5C2"/>
-                </a:solidFill>
-                <a:latin typeface="Calibri" charset="0"/>
-              </a:rPr>
-              <a:t>controlled</a:t>
-            </a:r>
-            <a:r>
-              <a:rPr lang="de-DE" altLang="en-US" dirty="0">
-                <a:solidFill>
-                  <a:srgbClr val="61A5C2"/>
-                </a:solidFill>
-                <a:latin typeface="Calibri" charset="0"/>
-              </a:rPr>
-              <a:t> via </a:t>
-            </a:r>
-            <a:r>
-              <a:rPr lang="de-DE" altLang="en-US" dirty="0" err="1">
-                <a:solidFill>
-                  <a:srgbClr val="61A5C2"/>
-                </a:solidFill>
-                <a:latin typeface="Calibri" charset="0"/>
-              </a:rPr>
-              <a:t>boot_type</a:t>
-            </a:r>
-            <a:endParaRPr lang="de-DE" altLang="en-US" dirty="0">
-              <a:solidFill>
-                <a:srgbClr val="61A5C2"/>
-              </a:solidFill>
-              <a:latin typeface="Calibri" charset="0"/>
-            </a:endParaRPr>
-          </a:p>
-        </p:txBody>
-      </p:sp>
+        </p:nvPicPr>
+        <p:blipFill>
+          <a:blip r:embed="rId2"/>
+          <a:stretch>
+            <a:fillRect/>
+          </a:stretch>
+        </p:blipFill>
+        <p:spPr>
+          <a:xfrm>
+            <a:off x="2717800" y="1359861"/>
+            <a:ext cx="6756400" cy="5320974"/>
+          </a:xfrm>
+        </p:spPr>
+      </p:pic>
     </p:spTree>
+    <p:extLst>
+      <p:ext uri="{BB962C8B-B14F-4D97-AF65-F5344CB8AC3E}">
+        <p14:creationId xmlns:p14="http://schemas.microsoft.com/office/powerpoint/2010/main" val="774595616"/>
+      </p:ext>
+    </p:extLst>
   </p:cSld>
   <p:clrMapOvr>
     <a:masterClrMapping/>
@@ -7917,13 +5947,7 @@
       </p:grpSpPr>
       <p:sp>
         <p:nvSpPr>
-          <p:cNvPr id="2" name="Titel 1">
-            <a:extLst>
-              <a:ext uri="{FF2B5EF4-FFF2-40B4-BE49-F238E27FC236}">
-                <a16:creationId xmlns:a16="http://schemas.microsoft.com/office/drawing/2014/main" id="{A6BA2BA2-7F6A-B0F9-2777-435C42DBDF04}"/>
-              </a:ext>
-            </a:extLst>
-          </p:cNvPr>
+          <p:cNvPr id="2" name="Title 1"/>
           <p:cNvSpPr>
             <a:spLocks noGrp="1"/>
           </p:cNvSpPr>
@@ -7936,7 +5960,7 @@
           <a:bodyPr/>
           <a:lstStyle/>
           <a:p>
-            <a:pPr algn="ctr"/>
+            <a:pPr algn="ctr" fontAlgn="auto"/>
             <a:r>
               <a:rPr lang="de-DE" altLang="en-US" dirty="0">
                 <a:solidFill>
@@ -7944,7 +5968,7 @@
                 </a:solidFill>
                 <a:latin typeface="Calibri" charset="0"/>
               </a:rPr>
-              <a:t>Tuning </a:t>
+              <a:t>Key </a:t>
             </a:r>
             <a:r>
               <a:rPr lang="de-DE" altLang="en-US" dirty="0" err="1">
@@ -7953,7 +5977,79 @@
                 </a:solidFill>
                 <a:latin typeface="Calibri" charset="0"/>
               </a:rPr>
-              <a:t>Results</a:t>
+              <a:t>Differences</a:t>
+            </a:r>
+            <a:endParaRPr lang="de-DE" altLang="en-US" dirty="0">
+              <a:solidFill>
+                <a:srgbClr val="61A5C2"/>
+              </a:solidFill>
+              <a:latin typeface="Calibri" charset="0"/>
+            </a:endParaRPr>
+          </a:p>
+        </p:txBody>
+      </p:sp>
+      <p:sp>
+        <p:nvSpPr>
+          <p:cNvPr id="3" name="Content Placeholder 2"/>
+          <p:cNvSpPr>
+            <a:spLocks noGrp="1"/>
+          </p:cNvSpPr>
+          <p:nvPr>
+            <p:ph idx="1"/>
+          </p:nvPr>
+        </p:nvSpPr>
+        <p:spPr/>
+        <p:txBody>
+          <a:bodyPr/>
+          <a:lstStyle/>
+          <a:p>
+            <a:r>
+              <a:rPr lang="de-DE" altLang="en-US" sz="1800" dirty="0" err="1">
+                <a:solidFill>
+                  <a:srgbClr val="61A5C2"/>
+                </a:solidFill>
+                <a:latin typeface="Calibri" charset="0"/>
+              </a:rPr>
+              <a:t>random</a:t>
+            </a:r>
+            <a:r>
+              <a:rPr lang="de-DE" altLang="en-US" sz="1800" dirty="0">
+                <a:solidFill>
+                  <a:srgbClr val="61A5C2"/>
+                </a:solidFill>
+                <a:latin typeface="Calibri" charset="0"/>
+              </a:rPr>
+              <a:t> feature </a:t>
+            </a:r>
+            <a:r>
+              <a:rPr lang="de-DE" altLang="en-US" sz="1800" dirty="0" err="1">
+                <a:solidFill>
+                  <a:srgbClr val="61A5C2"/>
+                </a:solidFill>
+                <a:latin typeface="Calibri" charset="0"/>
+              </a:rPr>
+              <a:t>selection</a:t>
+            </a:r>
+            <a:r>
+              <a:rPr lang="de-DE" altLang="en-US" sz="1800" dirty="0">
+                <a:solidFill>
+                  <a:srgbClr val="61A5C2"/>
+                </a:solidFill>
+                <a:latin typeface="Calibri" charset="0"/>
+              </a:rPr>
+              <a:t>: </a:t>
+            </a:r>
+          </a:p>
+          <a:p>
+            <a:pPr lvl="1"/>
+            <a:r>
+              <a:rPr lang="de-DE" altLang="en-US" dirty="0" err="1">
+                <a:solidFill>
+                  <a:srgbClr val="61A5C2"/>
+                </a:solidFill>
+                <a:latin typeface="Calibri" charset="0"/>
+              </a:rPr>
+              <a:t>we</a:t>
             </a:r>
             <a:r>
               <a:rPr lang="de-DE" altLang="en-US" dirty="0">
@@ -7962,7 +6058,7 @@
                 </a:solidFill>
                 <a:latin typeface="Calibri" charset="0"/>
               </a:rPr>
-              <a:t> - </a:t>
+              <a:t> </a:t>
             </a:r>
             <a:r>
               <a:rPr lang="de-DE" altLang="en-US" dirty="0" err="1">
@@ -7971,7 +6067,7 @@
                 </a:solidFill>
                 <a:latin typeface="Calibri" charset="0"/>
               </a:rPr>
-              <a:t>Concrete</a:t>
+              <a:t>select</a:t>
             </a:r>
             <a:r>
               <a:rPr lang="de-DE" altLang="en-US" dirty="0">
@@ -7980,47 +6076,702 @@
                 </a:solidFill>
                 <a:latin typeface="Calibri" charset="0"/>
               </a:rPr>
-              <a:t> Dataset</a:t>
-            </a:r>
-            <a:endParaRPr lang="en-AT" dirty="0"/>
-          </a:p>
-        </p:txBody>
-      </p:sp>
-      <p:pic>
-        <p:nvPicPr>
-          <p:cNvPr id="7" name="Grafik 6">
-            <a:extLst>
-              <a:ext uri="{FF2B5EF4-FFF2-40B4-BE49-F238E27FC236}">
-                <a16:creationId xmlns:a16="http://schemas.microsoft.com/office/drawing/2014/main" id="{CCFCDF9D-1395-2780-11E9-2DC9F3EBA668}"/>
-              </a:ext>
-            </a:extLst>
-          </p:cNvPr>
-          <p:cNvPicPr>
-            <a:picLocks noChangeAspect="1"/>
-          </p:cNvPicPr>
-          <p:nvPr/>
-        </p:nvPicPr>
-        <p:blipFill>
-          <a:blip r:embed="rId2"/>
-          <a:srcRect r="5772" b="9630"/>
-          <a:stretch/>
-        </p:blipFill>
-        <p:spPr>
-          <a:xfrm>
-            <a:off x="880687" y="1584008"/>
-            <a:ext cx="10430624" cy="4648841"/>
-          </a:xfrm>
-          <a:prstGeom prst="rect">
-            <a:avLst/>
-          </a:prstGeom>
-        </p:spPr>
-      </p:pic>
+              <a:t> a </a:t>
+            </a:r>
+            <a:r>
+              <a:rPr lang="de-DE" altLang="en-US" dirty="0" err="1">
+                <a:solidFill>
+                  <a:srgbClr val="61A5C2"/>
+                </a:solidFill>
+                <a:latin typeface="Calibri" charset="0"/>
+              </a:rPr>
+              <a:t>random</a:t>
+            </a:r>
+            <a:r>
+              <a:rPr lang="de-DE" altLang="en-US" dirty="0">
+                <a:solidFill>
+                  <a:srgbClr val="61A5C2"/>
+                </a:solidFill>
+                <a:latin typeface="Calibri" charset="0"/>
+              </a:rPr>
+              <a:t> feature </a:t>
+            </a:r>
+            <a:r>
+              <a:rPr lang="de-DE" altLang="en-US" dirty="0" err="1">
+                <a:solidFill>
+                  <a:srgbClr val="61A5C2"/>
+                </a:solidFill>
+                <a:latin typeface="Calibri" charset="0"/>
+              </a:rPr>
+              <a:t>subset</a:t>
+            </a:r>
+            <a:r>
+              <a:rPr lang="de-DE" altLang="en-US" dirty="0">
+                <a:solidFill>
+                  <a:srgbClr val="61A5C2"/>
+                </a:solidFill>
+                <a:latin typeface="Calibri" charset="0"/>
+              </a:rPr>
+              <a:t> at </a:t>
+            </a:r>
+            <a:r>
+              <a:rPr lang="de-DE" altLang="en-US" dirty="0" err="1">
+                <a:solidFill>
+                  <a:srgbClr val="61A5C2"/>
+                </a:solidFill>
+                <a:latin typeface="Calibri" charset="0"/>
+              </a:rPr>
+              <a:t>each</a:t>
+            </a:r>
+            <a:r>
+              <a:rPr lang="de-DE" altLang="en-US" dirty="0">
+                <a:solidFill>
+                  <a:srgbClr val="61A5C2"/>
+                </a:solidFill>
+                <a:latin typeface="Calibri" charset="0"/>
+              </a:rPr>
+              <a:t> </a:t>
+            </a:r>
+            <a:r>
+              <a:rPr lang="de-DE" altLang="en-US" dirty="0" err="1">
+                <a:solidFill>
+                  <a:srgbClr val="61A5C2"/>
+                </a:solidFill>
+                <a:latin typeface="Calibri" charset="0"/>
+              </a:rPr>
+              <a:t>tree</a:t>
+            </a:r>
+            <a:r>
+              <a:rPr lang="de-DE" altLang="en-US" dirty="0">
+                <a:solidFill>
+                  <a:srgbClr val="61A5C2"/>
+                </a:solidFill>
+                <a:latin typeface="Calibri" charset="0"/>
+              </a:rPr>
+              <a:t> </a:t>
+            </a:r>
+            <a:r>
+              <a:rPr lang="de-DE" altLang="en-US" dirty="0" err="1">
+                <a:solidFill>
+                  <a:srgbClr val="61A5C2"/>
+                </a:solidFill>
+                <a:latin typeface="Calibri" charset="0"/>
+              </a:rPr>
+              <a:t>node</a:t>
+            </a:r>
+            <a:endParaRPr lang="de-DE" altLang="en-US" dirty="0">
+              <a:solidFill>
+                <a:srgbClr val="61A5C2"/>
+              </a:solidFill>
+              <a:latin typeface="Calibri" charset="0"/>
+            </a:endParaRPr>
+          </a:p>
+          <a:p>
+            <a:pPr lvl="1"/>
+            <a:r>
+              <a:rPr lang="de-DE" altLang="en-US" dirty="0">
+                <a:solidFill>
+                  <a:srgbClr val="61A5C2"/>
+                </a:solidFill>
+                <a:latin typeface="Calibri" charset="0"/>
+              </a:rPr>
+              <a:t>LLM </a:t>
+            </a:r>
+            <a:r>
+              <a:rPr lang="de-DE" altLang="en-US" dirty="0" err="1">
+                <a:solidFill>
+                  <a:srgbClr val="61A5C2"/>
+                </a:solidFill>
+                <a:latin typeface="Calibri" charset="0"/>
+              </a:rPr>
+              <a:t>selects</a:t>
+            </a:r>
+            <a:r>
+              <a:rPr lang="de-DE" altLang="en-US" dirty="0">
+                <a:solidFill>
+                  <a:srgbClr val="61A5C2"/>
+                </a:solidFill>
+                <a:latin typeface="Calibri" charset="0"/>
+              </a:rPr>
+              <a:t> </a:t>
+            </a:r>
+            <a:r>
+              <a:rPr lang="de-DE" altLang="en-US" dirty="0" err="1">
+                <a:solidFill>
+                  <a:srgbClr val="61A5C2"/>
+                </a:solidFill>
+                <a:latin typeface="Calibri" charset="0"/>
+              </a:rPr>
+              <a:t>the</a:t>
+            </a:r>
+            <a:r>
+              <a:rPr lang="de-DE" altLang="en-US" dirty="0">
+                <a:solidFill>
+                  <a:srgbClr val="61A5C2"/>
+                </a:solidFill>
+                <a:latin typeface="Calibri" charset="0"/>
+              </a:rPr>
+              <a:t> </a:t>
+            </a:r>
+            <a:r>
+              <a:rPr lang="de-DE" altLang="en-US" dirty="0" err="1">
+                <a:solidFill>
+                  <a:srgbClr val="61A5C2"/>
+                </a:solidFill>
+                <a:latin typeface="Calibri" charset="0"/>
+              </a:rPr>
+              <a:t>random</a:t>
+            </a:r>
+            <a:r>
+              <a:rPr lang="de-DE" altLang="en-US" dirty="0">
+                <a:solidFill>
+                  <a:srgbClr val="61A5C2"/>
+                </a:solidFill>
+                <a:latin typeface="Calibri" charset="0"/>
+              </a:rPr>
+              <a:t> </a:t>
+            </a:r>
+            <a:r>
+              <a:rPr lang="de-DE" altLang="en-US" dirty="0" err="1">
+                <a:solidFill>
+                  <a:srgbClr val="61A5C2"/>
+                </a:solidFill>
+                <a:latin typeface="Calibri" charset="0"/>
+              </a:rPr>
+              <a:t>subset</a:t>
+            </a:r>
+            <a:r>
+              <a:rPr lang="de-DE" altLang="en-US" dirty="0">
+                <a:solidFill>
+                  <a:srgbClr val="61A5C2"/>
+                </a:solidFill>
+                <a:latin typeface="Calibri" charset="0"/>
+              </a:rPr>
+              <a:t> </a:t>
+            </a:r>
+            <a:r>
+              <a:rPr lang="de-DE" altLang="en-US" dirty="0" err="1">
+                <a:solidFill>
+                  <a:srgbClr val="61A5C2"/>
+                </a:solidFill>
+                <a:latin typeface="Calibri" charset="0"/>
+              </a:rPr>
+              <a:t>once</a:t>
+            </a:r>
+            <a:r>
+              <a:rPr lang="de-DE" altLang="en-US" dirty="0">
+                <a:solidFill>
+                  <a:srgbClr val="61A5C2"/>
+                </a:solidFill>
+                <a:latin typeface="Calibri" charset="0"/>
+              </a:rPr>
+              <a:t> </a:t>
+            </a:r>
+            <a:r>
+              <a:rPr lang="de-DE" altLang="en-US" dirty="0" err="1">
+                <a:solidFill>
+                  <a:srgbClr val="61A5C2"/>
+                </a:solidFill>
+                <a:latin typeface="Calibri" charset="0"/>
+              </a:rPr>
+              <a:t>for</a:t>
+            </a:r>
+            <a:r>
+              <a:rPr lang="de-DE" altLang="en-US" dirty="0">
+                <a:solidFill>
+                  <a:srgbClr val="61A5C2"/>
+                </a:solidFill>
+                <a:latin typeface="Calibri" charset="0"/>
+              </a:rPr>
+              <a:t> </a:t>
+            </a:r>
+            <a:r>
+              <a:rPr lang="de-DE" altLang="en-US" dirty="0" err="1">
+                <a:solidFill>
+                  <a:srgbClr val="61A5C2"/>
+                </a:solidFill>
+                <a:latin typeface="Calibri" charset="0"/>
+              </a:rPr>
+              <a:t>the</a:t>
+            </a:r>
+            <a:r>
+              <a:rPr lang="de-DE" altLang="en-US" dirty="0">
+                <a:solidFill>
+                  <a:srgbClr val="61A5C2"/>
+                </a:solidFill>
+                <a:latin typeface="Calibri" charset="0"/>
+              </a:rPr>
+              <a:t> </a:t>
+            </a:r>
+            <a:r>
+              <a:rPr lang="de-DE" altLang="en-US" dirty="0" err="1">
+                <a:solidFill>
+                  <a:srgbClr val="61A5C2"/>
+                </a:solidFill>
+                <a:latin typeface="Calibri" charset="0"/>
+              </a:rPr>
+              <a:t>whole</a:t>
+            </a:r>
+            <a:r>
+              <a:rPr lang="de-DE" altLang="en-US" dirty="0">
+                <a:solidFill>
+                  <a:srgbClr val="61A5C2"/>
+                </a:solidFill>
+                <a:latin typeface="Calibri" charset="0"/>
+              </a:rPr>
+              <a:t> </a:t>
+            </a:r>
+            <a:r>
+              <a:rPr lang="de-DE" altLang="en-US" dirty="0" err="1">
+                <a:solidFill>
+                  <a:srgbClr val="61A5C2"/>
+                </a:solidFill>
+                <a:latin typeface="Calibri" charset="0"/>
+              </a:rPr>
+              <a:t>tree</a:t>
+            </a:r>
+            <a:endParaRPr lang="de-DE" altLang="en-US" dirty="0">
+              <a:solidFill>
+                <a:srgbClr val="61A5C2"/>
+              </a:solidFill>
+              <a:latin typeface="Calibri" charset="0"/>
+            </a:endParaRPr>
+          </a:p>
+          <a:p>
+            <a:pPr lvl="0"/>
+            <a:r>
+              <a:rPr lang="de-DE" altLang="en-US" sz="1800" dirty="0">
+                <a:solidFill>
+                  <a:srgbClr val="61A5C2"/>
+                </a:solidFill>
+                <a:latin typeface="Calibri" charset="0"/>
+              </a:rPr>
+              <a:t>LLM </a:t>
+            </a:r>
+            <a:r>
+              <a:rPr lang="de-DE" altLang="en-US" sz="1800" dirty="0" err="1">
+                <a:solidFill>
+                  <a:srgbClr val="61A5C2"/>
+                </a:solidFill>
+                <a:latin typeface="Calibri" charset="0"/>
+              </a:rPr>
+              <a:t>did</a:t>
+            </a:r>
+            <a:r>
+              <a:rPr lang="de-DE" altLang="en-US" sz="1800" dirty="0">
+                <a:solidFill>
+                  <a:srgbClr val="61A5C2"/>
+                </a:solidFill>
+                <a:latin typeface="Calibri" charset="0"/>
+              </a:rPr>
+              <a:t> not </a:t>
+            </a:r>
+            <a:r>
+              <a:rPr lang="de-DE" altLang="en-US" sz="1800" dirty="0" err="1">
+                <a:solidFill>
+                  <a:srgbClr val="61A5C2"/>
+                </a:solidFill>
+                <a:latin typeface="Calibri" charset="0"/>
+              </a:rPr>
+              <a:t>parallelize</a:t>
+            </a:r>
+            <a:r>
+              <a:rPr lang="de-DE" altLang="en-US" sz="1800" dirty="0">
+                <a:solidFill>
+                  <a:srgbClr val="61A5C2"/>
+                </a:solidFill>
+                <a:latin typeface="Calibri" charset="0"/>
+              </a:rPr>
+              <a:t>, </a:t>
+            </a:r>
+            <a:r>
+              <a:rPr lang="de-DE" altLang="en-US" sz="1800" dirty="0" err="1">
+                <a:solidFill>
+                  <a:srgbClr val="61A5C2"/>
+                </a:solidFill>
+                <a:latin typeface="Calibri" charset="0"/>
+              </a:rPr>
+              <a:t>leading</a:t>
+            </a:r>
+            <a:r>
+              <a:rPr lang="de-DE" altLang="en-US" sz="1800" dirty="0">
+                <a:solidFill>
+                  <a:srgbClr val="61A5C2"/>
+                </a:solidFill>
+                <a:latin typeface="Calibri" charset="0"/>
+              </a:rPr>
+              <a:t> </a:t>
+            </a:r>
+            <a:r>
+              <a:rPr lang="de-DE" altLang="en-US" sz="1800" dirty="0" err="1">
+                <a:solidFill>
+                  <a:srgbClr val="61A5C2"/>
+                </a:solidFill>
+                <a:latin typeface="Calibri" charset="0"/>
+              </a:rPr>
+              <a:t>to</a:t>
+            </a:r>
+            <a:r>
+              <a:rPr lang="de-DE" altLang="en-US" sz="1800" dirty="0">
+                <a:solidFill>
+                  <a:srgbClr val="61A5C2"/>
+                </a:solidFill>
+                <a:latin typeface="Calibri" charset="0"/>
+              </a:rPr>
+              <a:t> </a:t>
+            </a:r>
+            <a:r>
+              <a:rPr lang="de-DE" altLang="en-US" sz="1800" dirty="0" err="1">
+                <a:solidFill>
+                  <a:srgbClr val="61A5C2"/>
+                </a:solidFill>
+                <a:latin typeface="Calibri" charset="0"/>
+              </a:rPr>
+              <a:t>worse</a:t>
+            </a:r>
+            <a:r>
+              <a:rPr lang="de-DE" altLang="en-US" sz="1800" dirty="0">
+                <a:solidFill>
+                  <a:srgbClr val="61A5C2"/>
+                </a:solidFill>
+                <a:latin typeface="Calibri" charset="0"/>
+              </a:rPr>
+              <a:t> </a:t>
+            </a:r>
+            <a:r>
+              <a:rPr lang="de-DE" altLang="en-US" sz="1800" dirty="0" err="1">
+                <a:solidFill>
+                  <a:srgbClr val="61A5C2"/>
+                </a:solidFill>
+                <a:latin typeface="Calibri" charset="0"/>
+              </a:rPr>
+              <a:t>performance</a:t>
+            </a:r>
+            <a:endParaRPr lang="de-DE" altLang="en-US" sz="1800" dirty="0">
+              <a:solidFill>
+                <a:srgbClr val="61A5C2"/>
+              </a:solidFill>
+              <a:latin typeface="Calibri" charset="0"/>
+            </a:endParaRPr>
+          </a:p>
+          <a:p>
+            <a:pPr lvl="0"/>
+            <a:r>
+              <a:rPr lang="de-DE" altLang="en-US" dirty="0">
+                <a:solidFill>
+                  <a:srgbClr val="61A5C2"/>
+                </a:solidFill>
+                <a:latin typeface="Calibri" charset="0"/>
+              </a:rPr>
+              <a:t>bootstrapping </a:t>
+            </a:r>
+            <a:r>
+              <a:rPr lang="de-DE" altLang="en-US" dirty="0" err="1">
+                <a:solidFill>
+                  <a:srgbClr val="61A5C2"/>
+                </a:solidFill>
+                <a:latin typeface="Calibri" charset="0"/>
+              </a:rPr>
+              <a:t>samples</a:t>
+            </a:r>
+            <a:r>
+              <a:rPr lang="de-DE" altLang="en-US" dirty="0">
+                <a:solidFill>
+                  <a:srgbClr val="61A5C2"/>
+                </a:solidFill>
+                <a:latin typeface="Calibri" charset="0"/>
+              </a:rPr>
+              <a:t>:</a:t>
+            </a:r>
+          </a:p>
+          <a:p>
+            <a:pPr lvl="1"/>
+            <a:r>
+              <a:rPr lang="de-DE" altLang="en-US" dirty="0" err="1">
+                <a:solidFill>
+                  <a:srgbClr val="61A5C2"/>
+                </a:solidFill>
+                <a:latin typeface="Calibri" charset="0"/>
+              </a:rPr>
+              <a:t>we</a:t>
+            </a:r>
+            <a:r>
+              <a:rPr lang="de-DE" altLang="en-US" dirty="0">
+                <a:solidFill>
+                  <a:srgbClr val="61A5C2"/>
+                </a:solidFill>
+                <a:latin typeface="Calibri" charset="0"/>
+              </a:rPr>
+              <a:t> </a:t>
+            </a:r>
+            <a:r>
+              <a:rPr lang="de-DE" altLang="en-US" dirty="0" err="1">
+                <a:solidFill>
+                  <a:srgbClr val="61A5C2"/>
+                </a:solidFill>
+                <a:latin typeface="Calibri" charset="0"/>
+              </a:rPr>
+              <a:t>always</a:t>
+            </a:r>
+            <a:r>
+              <a:rPr lang="de-DE" altLang="en-US" dirty="0">
+                <a:solidFill>
+                  <a:srgbClr val="61A5C2"/>
+                </a:solidFill>
+                <a:latin typeface="Calibri" charset="0"/>
+              </a:rPr>
+              <a:t> </a:t>
+            </a:r>
+            <a:r>
+              <a:rPr lang="de-DE" altLang="en-US" dirty="0" err="1">
+                <a:solidFill>
+                  <a:srgbClr val="61A5C2"/>
+                </a:solidFill>
+                <a:latin typeface="Calibri" charset="0"/>
+              </a:rPr>
+              <a:t>bootstrap</a:t>
+            </a:r>
+            <a:r>
+              <a:rPr lang="de-DE" altLang="en-US" dirty="0">
+                <a:solidFill>
+                  <a:srgbClr val="61A5C2"/>
+                </a:solidFill>
+                <a:latin typeface="Calibri" charset="0"/>
+              </a:rPr>
+              <a:t> and </a:t>
+            </a:r>
+            <a:r>
+              <a:rPr lang="de-DE" altLang="en-US" dirty="0" err="1">
+                <a:solidFill>
+                  <a:srgbClr val="61A5C2"/>
+                </a:solidFill>
+                <a:latin typeface="Calibri" charset="0"/>
+              </a:rPr>
+              <a:t>control</a:t>
+            </a:r>
+            <a:r>
+              <a:rPr lang="de-DE" altLang="en-US" dirty="0">
+                <a:solidFill>
+                  <a:srgbClr val="61A5C2"/>
+                </a:solidFill>
+                <a:latin typeface="Calibri" charset="0"/>
+              </a:rPr>
+              <a:t> </a:t>
+            </a:r>
+            <a:r>
+              <a:rPr lang="de-DE" altLang="en-US" dirty="0" err="1">
+                <a:solidFill>
+                  <a:srgbClr val="61A5C2"/>
+                </a:solidFill>
+                <a:latin typeface="Calibri" charset="0"/>
+              </a:rPr>
+              <a:t>replacement</a:t>
+            </a:r>
+            <a:r>
+              <a:rPr lang="de-DE" altLang="en-US" dirty="0">
+                <a:solidFill>
+                  <a:srgbClr val="61A5C2"/>
+                </a:solidFill>
+                <a:latin typeface="Calibri" charset="0"/>
+              </a:rPr>
+              <a:t> via </a:t>
+            </a:r>
+            <a:r>
+              <a:rPr lang="de-DE" altLang="en-US" dirty="0" err="1">
+                <a:solidFill>
+                  <a:srgbClr val="61A5C2"/>
+                </a:solidFill>
+                <a:latin typeface="Calibri" charset="0"/>
+              </a:rPr>
+              <a:t>boot_type</a:t>
+            </a:r>
+            <a:r>
+              <a:rPr lang="de-DE" altLang="en-US" dirty="0">
+                <a:solidFill>
+                  <a:srgbClr val="61A5C2"/>
+                </a:solidFill>
+                <a:latin typeface="Calibri" charset="0"/>
+              </a:rPr>
+              <a:t> = TRUE/FALSE</a:t>
+            </a:r>
+          </a:p>
+          <a:p>
+            <a:pPr lvl="1"/>
+            <a:r>
+              <a:rPr lang="de-DE" altLang="en-US" dirty="0">
+                <a:solidFill>
+                  <a:srgbClr val="61A5C2"/>
+                </a:solidFill>
+                <a:latin typeface="Calibri" charset="0"/>
+              </a:rPr>
+              <a:t>LLM </a:t>
+            </a:r>
+            <a:r>
+              <a:rPr lang="de-DE" altLang="en-US" dirty="0" err="1">
+                <a:solidFill>
+                  <a:srgbClr val="61A5C2"/>
+                </a:solidFill>
+                <a:latin typeface="Calibri" charset="0"/>
+              </a:rPr>
+              <a:t>does</a:t>
+            </a:r>
+            <a:r>
+              <a:rPr lang="de-DE" altLang="en-US" dirty="0">
+                <a:solidFill>
+                  <a:srgbClr val="61A5C2"/>
+                </a:solidFill>
+                <a:latin typeface="Calibri" charset="0"/>
+              </a:rPr>
+              <a:t> not </a:t>
+            </a:r>
+            <a:r>
+              <a:rPr lang="de-DE" altLang="en-US" dirty="0" err="1">
+                <a:solidFill>
+                  <a:srgbClr val="61A5C2"/>
+                </a:solidFill>
+                <a:latin typeface="Calibri" charset="0"/>
+              </a:rPr>
+              <a:t>bootstrap</a:t>
+            </a:r>
+            <a:r>
+              <a:rPr lang="de-DE" altLang="en-US" dirty="0">
+                <a:solidFill>
+                  <a:srgbClr val="61A5C2"/>
+                </a:solidFill>
+                <a:latin typeface="Calibri" charset="0"/>
+              </a:rPr>
+              <a:t> at all</a:t>
+            </a:r>
+          </a:p>
+          <a:p>
+            <a:pPr lvl="1"/>
+            <a:r>
+              <a:rPr lang="de-DE" altLang="en-US" dirty="0" err="1">
+                <a:solidFill>
+                  <a:srgbClr val="61A5C2"/>
+                </a:solidFill>
+                <a:latin typeface="Calibri" charset="0"/>
+              </a:rPr>
+              <a:t>scikit-learn</a:t>
+            </a:r>
+            <a:r>
+              <a:rPr lang="de-DE" altLang="en-US" dirty="0">
+                <a:solidFill>
+                  <a:srgbClr val="61A5C2"/>
+                </a:solidFill>
+                <a:latin typeface="Calibri" charset="0"/>
+              </a:rPr>
+              <a:t> bootstraps </a:t>
+            </a:r>
+            <a:r>
+              <a:rPr lang="de-DE" altLang="en-US" dirty="0" err="1">
+                <a:solidFill>
+                  <a:srgbClr val="61A5C2"/>
+                </a:solidFill>
+                <a:latin typeface="Calibri" charset="0"/>
+              </a:rPr>
+              <a:t>either</a:t>
+            </a:r>
+            <a:r>
+              <a:rPr lang="de-DE" altLang="en-US" dirty="0">
+                <a:solidFill>
+                  <a:srgbClr val="61A5C2"/>
+                </a:solidFill>
+                <a:latin typeface="Calibri" charset="0"/>
+              </a:rPr>
+              <a:t> </a:t>
+            </a:r>
+            <a:r>
+              <a:rPr lang="de-DE" altLang="en-US" dirty="0" err="1">
+                <a:solidFill>
+                  <a:srgbClr val="61A5C2"/>
+                </a:solidFill>
+                <a:latin typeface="Calibri" charset="0"/>
+              </a:rPr>
+              <a:t>with</a:t>
+            </a:r>
+            <a:r>
+              <a:rPr lang="de-DE" altLang="en-US" dirty="0">
+                <a:solidFill>
+                  <a:srgbClr val="61A5C2"/>
+                </a:solidFill>
+                <a:latin typeface="Calibri" charset="0"/>
+              </a:rPr>
+              <a:t> </a:t>
+            </a:r>
+            <a:r>
+              <a:rPr lang="de-DE" altLang="en-US" dirty="0" err="1">
+                <a:solidFill>
+                  <a:srgbClr val="61A5C2"/>
+                </a:solidFill>
+                <a:latin typeface="Calibri" charset="0"/>
+              </a:rPr>
+              <a:t>replacement</a:t>
+            </a:r>
+            <a:r>
+              <a:rPr lang="de-DE" altLang="en-US" dirty="0">
+                <a:solidFill>
+                  <a:srgbClr val="61A5C2"/>
+                </a:solidFill>
+                <a:latin typeface="Calibri" charset="0"/>
+              </a:rPr>
+              <a:t> </a:t>
+            </a:r>
+            <a:r>
+              <a:rPr lang="de-DE" altLang="en-US" dirty="0" err="1">
+                <a:solidFill>
+                  <a:srgbClr val="61A5C2"/>
+                </a:solidFill>
+                <a:latin typeface="Calibri" charset="0"/>
+              </a:rPr>
+              <a:t>or</a:t>
+            </a:r>
+            <a:r>
+              <a:rPr lang="de-DE" altLang="en-US" dirty="0">
+                <a:solidFill>
+                  <a:srgbClr val="61A5C2"/>
+                </a:solidFill>
+                <a:latin typeface="Calibri" charset="0"/>
+              </a:rPr>
+              <a:t> not at all, </a:t>
+            </a:r>
+            <a:r>
+              <a:rPr lang="de-DE" altLang="en-US" dirty="0" err="1">
+                <a:solidFill>
+                  <a:srgbClr val="61A5C2"/>
+                </a:solidFill>
+                <a:latin typeface="Calibri" charset="0"/>
+              </a:rPr>
+              <a:t>controlled</a:t>
+            </a:r>
+            <a:r>
+              <a:rPr lang="de-DE" altLang="en-US" dirty="0">
+                <a:solidFill>
+                  <a:srgbClr val="61A5C2"/>
+                </a:solidFill>
+                <a:latin typeface="Calibri" charset="0"/>
+              </a:rPr>
+              <a:t> via </a:t>
+            </a:r>
+            <a:r>
+              <a:rPr lang="de-DE" altLang="en-US" dirty="0" err="1">
+                <a:solidFill>
+                  <a:srgbClr val="61A5C2"/>
+                </a:solidFill>
+                <a:latin typeface="Calibri" charset="0"/>
+              </a:rPr>
+              <a:t>boot_type</a:t>
+            </a:r>
+            <a:endParaRPr lang="de-DE" altLang="en-US" dirty="0">
+              <a:solidFill>
+                <a:srgbClr val="61A5C2"/>
+              </a:solidFill>
+              <a:latin typeface="Calibri" charset="0"/>
+            </a:endParaRPr>
+          </a:p>
+        </p:txBody>
+      </p:sp>
     </p:spTree>
-    <p:extLst>
-      <p:ext uri="{BB962C8B-B14F-4D97-AF65-F5344CB8AC3E}">
-        <p14:creationId xmlns:p14="http://schemas.microsoft.com/office/powerpoint/2010/main" val="83508161"/>
-      </p:ext>
-    </p:extLst>
   </p:cSld>
   <p:clrMapOvr>
     <a:masterClrMapping/>
